--- a/writing/figures/Phylosift_overview.pptx
+++ b/writing/figures/Phylosift_overview.pptx
@@ -6,7 +6,7 @@
   </p:sldMasterIdLst>
   <p:sldIdLst>
     <p:sldId id="256" r:id="rId2"/>
-    <p:sldId id="257" r:id="rId3"/>
+    <p:sldId id="258" r:id="rId3"/>
   </p:sldIdLst>
   <p:sldSz cx="18288000" cy="18288000"/>
   <p:notesSz cx="6858000" cy="9144000"/>
@@ -289,7 +289,7 @@
           <a:p>
             <a:fld id="{1EB31AE5-1B8F-5848-93B8-66F20C8DE389}" type="datetimeFigureOut">
               <a:rPr lang="en-US" smtClean="0"/>
-              <a:t>5/3/12</a:t>
+              <a:t>5/30/12</a:t>
             </a:fld>
             <a:endParaRPr lang="en-US"/>
           </a:p>
@@ -459,7 +459,7 @@
           <a:p>
             <a:fld id="{1EB31AE5-1B8F-5848-93B8-66F20C8DE389}" type="datetimeFigureOut">
               <a:rPr lang="en-US" smtClean="0"/>
-              <a:t>5/3/12</a:t>
+              <a:t>5/30/12</a:t>
             </a:fld>
             <a:endParaRPr lang="en-US"/>
           </a:p>
@@ -639,7 +639,7 @@
           <a:p>
             <a:fld id="{1EB31AE5-1B8F-5848-93B8-66F20C8DE389}" type="datetimeFigureOut">
               <a:rPr lang="en-US" smtClean="0"/>
-              <a:t>5/3/12</a:t>
+              <a:t>5/30/12</a:t>
             </a:fld>
             <a:endParaRPr lang="en-US"/>
           </a:p>
@@ -809,7 +809,7 @@
           <a:p>
             <a:fld id="{1EB31AE5-1B8F-5848-93B8-66F20C8DE389}" type="datetimeFigureOut">
               <a:rPr lang="en-US" smtClean="0"/>
-              <a:t>5/3/12</a:t>
+              <a:t>5/30/12</a:t>
             </a:fld>
             <a:endParaRPr lang="en-US"/>
           </a:p>
@@ -1055,7 +1055,7 @@
           <a:p>
             <a:fld id="{1EB31AE5-1B8F-5848-93B8-66F20C8DE389}" type="datetimeFigureOut">
               <a:rPr lang="en-US" smtClean="0"/>
-              <a:t>5/3/12</a:t>
+              <a:t>5/30/12</a:t>
             </a:fld>
             <a:endParaRPr lang="en-US"/>
           </a:p>
@@ -1343,7 +1343,7 @@
           <a:p>
             <a:fld id="{1EB31AE5-1B8F-5848-93B8-66F20C8DE389}" type="datetimeFigureOut">
               <a:rPr lang="en-US" smtClean="0"/>
-              <a:t>5/3/12</a:t>
+              <a:t>5/30/12</a:t>
             </a:fld>
             <a:endParaRPr lang="en-US"/>
           </a:p>
@@ -1770,7 +1770,7 @@
           <a:p>
             <a:fld id="{1EB31AE5-1B8F-5848-93B8-66F20C8DE389}" type="datetimeFigureOut">
               <a:rPr lang="en-US" smtClean="0"/>
-              <a:t>5/3/12</a:t>
+              <a:t>5/30/12</a:t>
             </a:fld>
             <a:endParaRPr lang="en-US"/>
           </a:p>
@@ -1888,7 +1888,7 @@
           <a:p>
             <a:fld id="{1EB31AE5-1B8F-5848-93B8-66F20C8DE389}" type="datetimeFigureOut">
               <a:rPr lang="en-US" smtClean="0"/>
-              <a:t>5/3/12</a:t>
+              <a:t>5/30/12</a:t>
             </a:fld>
             <a:endParaRPr lang="en-US"/>
           </a:p>
@@ -1983,7 +1983,7 @@
           <a:p>
             <a:fld id="{1EB31AE5-1B8F-5848-93B8-66F20C8DE389}" type="datetimeFigureOut">
               <a:rPr lang="en-US" smtClean="0"/>
-              <a:t>5/3/12</a:t>
+              <a:t>5/30/12</a:t>
             </a:fld>
             <a:endParaRPr lang="en-US"/>
           </a:p>
@@ -2260,7 +2260,7 @@
           <a:p>
             <a:fld id="{1EB31AE5-1B8F-5848-93B8-66F20C8DE389}" type="datetimeFigureOut">
               <a:rPr lang="en-US" smtClean="0"/>
-              <a:t>5/3/12</a:t>
+              <a:t>5/30/12</a:t>
             </a:fld>
             <a:endParaRPr lang="en-US"/>
           </a:p>
@@ -2513,7 +2513,7 @@
           <a:p>
             <a:fld id="{1EB31AE5-1B8F-5848-93B8-66F20C8DE389}" type="datetimeFigureOut">
               <a:rPr lang="en-US" smtClean="0"/>
-              <a:t>5/3/12</a:t>
+              <a:t>5/30/12</a:t>
             </a:fld>
             <a:endParaRPr lang="en-US"/>
           </a:p>
@@ -2726,7 +2726,7 @@
           <a:p>
             <a:fld id="{1EB31AE5-1B8F-5848-93B8-66F20C8DE389}" type="datetimeFigureOut">
               <a:rPr lang="en-US" smtClean="0"/>
-              <a:t>5/3/12</a:t>
+              <a:t>5/30/12</a:t>
             </a:fld>
             <a:endParaRPr lang="en-US"/>
           </a:p>
@@ -3197,216 +3197,16 @@
       </p:sp>
       <p:grpSp>
         <p:nvGrpSpPr>
-          <p:cNvPr id="8" name="Group 7"/>
+          <p:cNvPr id="12" name="Group 11"/>
           <p:cNvGrpSpPr/>
           <p:nvPr/>
         </p:nvGrpSpPr>
         <p:grpSpPr>
           <a:xfrm>
-            <a:off x="3149600" y="1917700"/>
-            <a:ext cx="2298700" cy="952500"/>
-            <a:chOff x="4191000" y="2908300"/>
-            <a:chExt cx="2298700" cy="952500"/>
-          </a:xfrm>
-        </p:grpSpPr>
-        <p:sp>
-          <p:nvSpPr>
-            <p:cNvPr id="6" name="Rounded Rectangle 5"/>
-            <p:cNvSpPr/>
-            <p:nvPr/>
-          </p:nvSpPr>
-          <p:spPr>
-            <a:xfrm>
-              <a:off x="4191000" y="2908300"/>
-              <a:ext cx="2298700" cy="952500"/>
-            </a:xfrm>
-            <a:prstGeom prst="roundRect">
-              <a:avLst/>
-            </a:prstGeom>
-            <a:noFill/>
-            <a:ln>
-              <a:solidFill>
-                <a:schemeClr val="tx1"/>
-              </a:solidFill>
-            </a:ln>
-            <a:effectLst/>
-          </p:spPr>
-          <p:style>
-            <a:lnRef idx="1">
-              <a:schemeClr val="accent1"/>
-            </a:lnRef>
-            <a:fillRef idx="3">
-              <a:schemeClr val="accent1"/>
-            </a:fillRef>
-            <a:effectRef idx="2">
-              <a:schemeClr val="accent1"/>
-            </a:effectRef>
-            <a:fontRef idx="minor">
-              <a:schemeClr val="lt1"/>
-            </a:fontRef>
-          </p:style>
-          <p:txBody>
-            <a:bodyPr rtlCol="0" anchor="ctr"/>
-            <a:lstStyle/>
-            <a:p>
-              <a:pPr algn="ctr"/>
-              <a:endParaRPr lang="en-US">
-                <a:latin typeface="Georgia"/>
-                <a:cs typeface="Georgia"/>
-              </a:endParaRPr>
-            </a:p>
-          </p:txBody>
-        </p:sp>
-        <p:sp>
-          <p:nvSpPr>
-            <p:cNvPr id="7" name="TextBox 6"/>
-            <p:cNvSpPr txBox="1"/>
-            <p:nvPr/>
-          </p:nvSpPr>
-          <p:spPr>
-            <a:xfrm>
-              <a:off x="4343400" y="3035300"/>
-              <a:ext cx="2032000" cy="692497"/>
-            </a:xfrm>
-            <a:prstGeom prst="rect">
-              <a:avLst/>
-            </a:prstGeom>
-            <a:noFill/>
-          </p:spPr>
-          <p:txBody>
-            <a:bodyPr wrap="square" rtlCol="0">
-              <a:spAutoFit/>
-            </a:bodyPr>
-            <a:lstStyle/>
-            <a:p>
-              <a:pPr algn="ctr"/>
-              <a:r>
-                <a:rPr lang="en-US" dirty="0" smtClean="0">
-                  <a:latin typeface="Helvetica Neue"/>
-                  <a:cs typeface="Helvetica Neue"/>
-                </a:rPr>
-                <a:t>Last</a:t>
-              </a:r>
-              <a:endParaRPr lang="en-US" dirty="0">
-                <a:latin typeface="Helvetica Neue"/>
-                <a:cs typeface="Helvetica Neue"/>
-              </a:endParaRPr>
-            </a:p>
-          </p:txBody>
-        </p:sp>
-      </p:grpSp>
-      <p:grpSp>
-        <p:nvGrpSpPr>
-          <p:cNvPr id="9" name="Group 8"/>
-          <p:cNvGrpSpPr/>
-          <p:nvPr/>
-        </p:nvGrpSpPr>
-        <p:grpSpPr>
-          <a:xfrm>
-            <a:off x="3149600" y="5785197"/>
-            <a:ext cx="2298700" cy="952500"/>
-            <a:chOff x="4191000" y="2908300"/>
-            <a:chExt cx="2298700" cy="952500"/>
-          </a:xfrm>
-        </p:grpSpPr>
-        <p:sp>
-          <p:nvSpPr>
-            <p:cNvPr id="10" name="Rounded Rectangle 9"/>
-            <p:cNvSpPr/>
-            <p:nvPr/>
-          </p:nvSpPr>
-          <p:spPr>
-            <a:xfrm>
-              <a:off x="4191000" y="2908300"/>
-              <a:ext cx="2298700" cy="952500"/>
-            </a:xfrm>
-            <a:prstGeom prst="roundRect">
-              <a:avLst/>
-            </a:prstGeom>
-            <a:noFill/>
-            <a:ln>
-              <a:solidFill>
-                <a:schemeClr val="tx1"/>
-              </a:solidFill>
-            </a:ln>
-            <a:effectLst/>
-          </p:spPr>
-          <p:style>
-            <a:lnRef idx="1">
-              <a:schemeClr val="accent1"/>
-            </a:lnRef>
-            <a:fillRef idx="3">
-              <a:schemeClr val="accent1"/>
-            </a:fillRef>
-            <a:effectRef idx="2">
-              <a:schemeClr val="accent1"/>
-            </a:effectRef>
-            <a:fontRef idx="minor">
-              <a:schemeClr val="lt1"/>
-            </a:fontRef>
-          </p:style>
-          <p:txBody>
-            <a:bodyPr rtlCol="0" anchor="ctr"/>
-            <a:lstStyle/>
-            <a:p>
-              <a:pPr algn="ctr"/>
-              <a:endParaRPr lang="en-US">
-                <a:latin typeface="Georgia"/>
-                <a:cs typeface="Georgia"/>
-              </a:endParaRPr>
-            </a:p>
-          </p:txBody>
-        </p:sp>
-        <p:sp>
-          <p:nvSpPr>
-            <p:cNvPr id="11" name="TextBox 10"/>
-            <p:cNvSpPr txBox="1"/>
-            <p:nvPr/>
-          </p:nvSpPr>
-          <p:spPr>
-            <a:xfrm>
-              <a:off x="4343400" y="3035300"/>
-              <a:ext cx="2032000" cy="692497"/>
-            </a:xfrm>
-            <a:prstGeom prst="rect">
-              <a:avLst/>
-            </a:prstGeom>
-            <a:noFill/>
-          </p:spPr>
-          <p:txBody>
-            <a:bodyPr wrap="square" rtlCol="0">
-              <a:spAutoFit/>
-            </a:bodyPr>
-            <a:lstStyle/>
-            <a:p>
-              <a:pPr algn="ctr"/>
-              <a:r>
-                <a:rPr lang="en-US" dirty="0" smtClean="0">
-                  <a:latin typeface="Helvetica Neue"/>
-                  <a:cs typeface="Helvetica Neue"/>
-                </a:rPr>
-                <a:t>Last</a:t>
-              </a:r>
-              <a:endParaRPr lang="en-US" dirty="0">
-                <a:latin typeface="Helvetica Neue"/>
-                <a:cs typeface="Helvetica Neue"/>
-              </a:endParaRPr>
-            </a:p>
-          </p:txBody>
-        </p:sp>
-      </p:grpSp>
-      <p:grpSp>
-        <p:nvGrpSpPr>
-          <p:cNvPr id="12" name="Group 11"/>
-          <p:cNvGrpSpPr/>
-          <p:nvPr/>
-        </p:nvGrpSpPr>
-        <p:grpSpPr>
-          <a:xfrm>
-            <a:off x="3149600" y="3022600"/>
-            <a:ext cx="2298700" cy="952500"/>
-            <a:chOff x="4191000" y="2908300"/>
-            <a:chExt cx="2298700" cy="952500"/>
+            <a:off x="3149600" y="2997200"/>
+            <a:ext cx="2298700" cy="977900"/>
+            <a:chOff x="4191000" y="2882900"/>
+            <a:chExt cx="2298700" cy="977900"/>
           </a:xfrm>
         </p:grpSpPr>
         <p:sp>
@@ -3465,7 +3265,7 @@
           </p:nvSpPr>
           <p:spPr>
             <a:xfrm>
-              <a:off x="4343400" y="3035300"/>
+              <a:off x="4343400" y="2882900"/>
               <a:ext cx="2032000" cy="692497"/>
             </a:xfrm>
             <a:prstGeom prst="rect">
@@ -3503,7 +3303,7 @@
         </p:nvGrpSpPr>
         <p:grpSpPr>
           <a:xfrm>
-            <a:off x="6756400" y="2546350"/>
+            <a:off x="6629400" y="3018314"/>
             <a:ext cx="2298700" cy="952500"/>
             <a:chOff x="4191000" y="2908300"/>
             <a:chExt cx="2298700" cy="952500"/>
@@ -3565,7 +3365,7 @@
           </p:nvSpPr>
           <p:spPr>
             <a:xfrm>
-              <a:off x="4368800" y="3079750"/>
+              <a:off x="4368800" y="3028950"/>
               <a:ext cx="2032000" cy="553998"/>
             </a:xfrm>
             <a:prstGeom prst="rect">
@@ -3581,18 +3381,11 @@
             <a:p>
               <a:pPr algn="ctr"/>
               <a:r>
-                <a:rPr lang="en-US" sz="3000" dirty="0" err="1">
+                <a:rPr lang="en-US" sz="3000" dirty="0" smtClean="0">
                   <a:latin typeface="Helvetica Neue"/>
                   <a:cs typeface="Helvetica Neue"/>
                 </a:rPr>
-                <a:t>c</a:t>
-              </a:r>
-              <a:r>
-                <a:rPr lang="en-US" sz="3000" dirty="0" err="1" smtClean="0">
-                  <a:latin typeface="Helvetica Neue"/>
-                  <a:cs typeface="Helvetica Neue"/>
-                </a:rPr>
-                <a:t>mAlign</a:t>
+                <a:t>Infernal</a:t>
               </a:r>
               <a:endParaRPr lang="en-US" sz="3000" dirty="0">
                 <a:latin typeface="Helvetica Neue"/>
@@ -3692,209 +3485,9 @@
                   <a:latin typeface="Helvetica Neue"/>
                   <a:cs typeface="Helvetica Neue"/>
                 </a:rPr>
-                <a:t>HMMsearch</a:t>
+                <a:t>hmmsearch</a:t>
               </a:r>
               <a:endParaRPr lang="en-US" sz="2600" dirty="0">
-                <a:latin typeface="Helvetica Neue"/>
-                <a:cs typeface="Helvetica Neue"/>
-              </a:endParaRPr>
-            </a:p>
-          </p:txBody>
-        </p:sp>
-      </p:grpSp>
-      <p:grpSp>
-        <p:nvGrpSpPr>
-          <p:cNvPr id="21" name="Group 20"/>
-          <p:cNvGrpSpPr/>
-          <p:nvPr/>
-        </p:nvGrpSpPr>
-        <p:grpSpPr>
-          <a:xfrm>
-            <a:off x="13398500" y="5708997"/>
-            <a:ext cx="2298700" cy="952500"/>
-            <a:chOff x="4191000" y="2908300"/>
-            <a:chExt cx="2298700" cy="952500"/>
-          </a:xfrm>
-        </p:grpSpPr>
-        <p:sp>
-          <p:nvSpPr>
-            <p:cNvPr id="22" name="Rounded Rectangle 21"/>
-            <p:cNvSpPr/>
-            <p:nvPr/>
-          </p:nvSpPr>
-          <p:spPr>
-            <a:xfrm>
-              <a:off x="4191000" y="2908300"/>
-              <a:ext cx="2298700" cy="952500"/>
-            </a:xfrm>
-            <a:prstGeom prst="roundRect">
-              <a:avLst/>
-            </a:prstGeom>
-            <a:noFill/>
-            <a:ln>
-              <a:solidFill>
-                <a:schemeClr val="tx1"/>
-              </a:solidFill>
-            </a:ln>
-            <a:effectLst/>
-          </p:spPr>
-          <p:style>
-            <a:lnRef idx="1">
-              <a:schemeClr val="accent1"/>
-            </a:lnRef>
-            <a:fillRef idx="3">
-              <a:schemeClr val="accent1"/>
-            </a:fillRef>
-            <a:effectRef idx="2">
-              <a:schemeClr val="accent1"/>
-            </a:effectRef>
-            <a:fontRef idx="minor">
-              <a:schemeClr val="lt1"/>
-            </a:fontRef>
-          </p:style>
-          <p:txBody>
-            <a:bodyPr rtlCol="0" anchor="ctr"/>
-            <a:lstStyle/>
-            <a:p>
-              <a:pPr algn="ctr"/>
-              <a:endParaRPr lang="en-US">
-                <a:latin typeface="Georgia"/>
-                <a:cs typeface="Georgia"/>
-              </a:endParaRPr>
-            </a:p>
-          </p:txBody>
-        </p:sp>
-        <p:sp>
-          <p:nvSpPr>
-            <p:cNvPr id="23" name="TextBox 22"/>
-            <p:cNvSpPr txBox="1"/>
-            <p:nvPr/>
-          </p:nvSpPr>
-          <p:spPr>
-            <a:xfrm>
-              <a:off x="4343400" y="3035300"/>
-              <a:ext cx="2032000" cy="692497"/>
-            </a:xfrm>
-            <a:prstGeom prst="rect">
-              <a:avLst/>
-            </a:prstGeom>
-            <a:noFill/>
-          </p:spPr>
-          <p:txBody>
-            <a:bodyPr wrap="square" rtlCol="0">
-              <a:spAutoFit/>
-            </a:bodyPr>
-            <a:lstStyle/>
-            <a:p>
-              <a:pPr algn="ctr"/>
-              <a:r>
-                <a:rPr lang="en-US" dirty="0" err="1" smtClean="0">
-                  <a:latin typeface="Helvetica Neue"/>
-                  <a:cs typeface="Helvetica Neue"/>
-                </a:rPr>
-                <a:t>pplacer</a:t>
-              </a:r>
-              <a:endParaRPr lang="en-US" dirty="0">
-                <a:latin typeface="Helvetica Neue"/>
-                <a:cs typeface="Helvetica Neue"/>
-              </a:endParaRPr>
-            </a:p>
-          </p:txBody>
-        </p:sp>
-      </p:grpSp>
-      <p:grpSp>
-        <p:nvGrpSpPr>
-          <p:cNvPr id="24" name="Group 23"/>
-          <p:cNvGrpSpPr/>
-          <p:nvPr/>
-        </p:nvGrpSpPr>
-        <p:grpSpPr>
-          <a:xfrm>
-            <a:off x="10020300" y="5785197"/>
-            <a:ext cx="2298700" cy="952500"/>
-            <a:chOff x="4191000" y="2908300"/>
-            <a:chExt cx="2298700" cy="952500"/>
-          </a:xfrm>
-        </p:grpSpPr>
-        <p:sp>
-          <p:nvSpPr>
-            <p:cNvPr id="25" name="Rounded Rectangle 24"/>
-            <p:cNvSpPr/>
-            <p:nvPr/>
-          </p:nvSpPr>
-          <p:spPr>
-            <a:xfrm>
-              <a:off x="4191000" y="2908300"/>
-              <a:ext cx="2298700" cy="952500"/>
-            </a:xfrm>
-            <a:prstGeom prst="roundRect">
-              <a:avLst/>
-            </a:prstGeom>
-            <a:noFill/>
-            <a:ln>
-              <a:solidFill>
-                <a:schemeClr val="tx1"/>
-              </a:solidFill>
-            </a:ln>
-            <a:effectLst/>
-          </p:spPr>
-          <p:style>
-            <a:lnRef idx="1">
-              <a:schemeClr val="accent1"/>
-            </a:lnRef>
-            <a:fillRef idx="3">
-              <a:schemeClr val="accent1"/>
-            </a:fillRef>
-            <a:effectRef idx="2">
-              <a:schemeClr val="accent1"/>
-            </a:effectRef>
-            <a:fontRef idx="minor">
-              <a:schemeClr val="lt1"/>
-            </a:fontRef>
-          </p:style>
-          <p:txBody>
-            <a:bodyPr rtlCol="0" anchor="ctr"/>
-            <a:lstStyle/>
-            <a:p>
-              <a:pPr algn="ctr"/>
-              <a:endParaRPr lang="en-US">
-                <a:latin typeface="Georgia"/>
-                <a:cs typeface="Georgia"/>
-              </a:endParaRPr>
-            </a:p>
-          </p:txBody>
-        </p:sp>
-        <p:sp>
-          <p:nvSpPr>
-            <p:cNvPr id="26" name="TextBox 25"/>
-            <p:cNvSpPr txBox="1"/>
-            <p:nvPr/>
-          </p:nvSpPr>
-          <p:spPr>
-            <a:xfrm>
-              <a:off x="4305300" y="3092103"/>
-              <a:ext cx="2032000" cy="553998"/>
-            </a:xfrm>
-            <a:prstGeom prst="rect">
-              <a:avLst/>
-            </a:prstGeom>
-            <a:noFill/>
-          </p:spPr>
-          <p:txBody>
-            <a:bodyPr wrap="square" rtlCol="0">
-              <a:spAutoFit/>
-            </a:bodyPr>
-            <a:lstStyle/>
-            <a:p>
-              <a:pPr algn="ctr"/>
-              <a:r>
-                <a:rPr lang="en-US" sz="3000" dirty="0" err="1" smtClean="0">
-                  <a:latin typeface="Helvetica Neue"/>
-                  <a:cs typeface="Helvetica Neue"/>
-                </a:rPr>
-                <a:t>HMMalign</a:t>
-              </a:r>
-              <a:endParaRPr lang="en-US" sz="3000" dirty="0">
                 <a:latin typeface="Helvetica Neue"/>
                 <a:cs typeface="Helvetica Neue"/>
               </a:endParaRPr>
@@ -4072,7 +3665,7 @@
         <p:spPr>
           <a:xfrm>
             <a:off x="5448300" y="2393950"/>
-            <a:ext cx="1193800" cy="476250"/>
+            <a:ext cx="1066800" cy="0"/>
           </a:xfrm>
           <a:prstGeom prst="straightConnector1">
             <a:avLst/>
@@ -4110,8 +3703,8 @@
         </p:nvCxnSpPr>
         <p:spPr>
           <a:xfrm flipV="1">
-            <a:off x="5448300" y="3022600"/>
-            <a:ext cx="1193800" cy="476250"/>
+            <a:off x="5448300" y="3494564"/>
+            <a:ext cx="1066800" cy="4286"/>
           </a:xfrm>
           <a:prstGeom prst="straightConnector1">
             <a:avLst/>
@@ -4144,18 +3737,17 @@
           <p:cNvPr id="59" name="Elbow Connector 58"/>
           <p:cNvCxnSpPr>
             <a:stCxn id="16" idx="3"/>
+            <a:endCxn id="22" idx="0"/>
           </p:cNvCxnSpPr>
           <p:nvPr/>
         </p:nvCxnSpPr>
         <p:spPr>
           <a:xfrm>
-            <a:off x="9055100" y="3022600"/>
-            <a:ext cx="5441950" cy="2641600"/>
-          </a:xfrm>
-          <a:prstGeom prst="bentConnector3">
-            <a:avLst>
-              <a:gd name="adj1" fmla="val 99708"/>
-            </a:avLst>
+            <a:off x="8928100" y="3494564"/>
+            <a:ext cx="5619750" cy="2214433"/>
+          </a:xfrm>
+          <a:prstGeom prst="bentConnector2">
+            <a:avLst/>
           </a:prstGeom>
           <a:ln w="50800">
             <a:solidFill>
@@ -4163,6 +3755,7 @@
             </a:solidFill>
             <a:tailEnd type="triangle" w="lg" len="med"/>
           </a:ln>
+          <a:effectLst/>
         </p:spPr>
         <p:style>
           <a:lnRef idx="2">
@@ -4191,477 +3784,6 @@
           <a:xfrm>
             <a:off x="5448300" y="6261447"/>
             <a:ext cx="1054100" cy="0"/>
-          </a:xfrm>
-          <a:prstGeom prst="straightConnector1">
-            <a:avLst/>
-          </a:prstGeom>
-          <a:ln w="50800">
-            <a:solidFill>
-              <a:schemeClr val="tx1"/>
-            </a:solidFill>
-            <a:tailEnd type="triangle" w="lg" len="med"/>
-          </a:ln>
-        </p:spPr>
-        <p:style>
-          <a:lnRef idx="2">
-            <a:schemeClr val="accent1"/>
-          </a:lnRef>
-          <a:fillRef idx="0">
-            <a:schemeClr val="accent1"/>
-          </a:fillRef>
-          <a:effectRef idx="1">
-            <a:schemeClr val="accent1"/>
-          </a:effectRef>
-          <a:fontRef idx="minor">
-            <a:schemeClr val="tx1"/>
-          </a:fontRef>
-        </p:style>
-      </p:cxnSp>
-      <p:cxnSp>
-        <p:nvCxnSpPr>
-          <p:cNvPr id="63" name="Straight Arrow Connector 62"/>
-          <p:cNvCxnSpPr>
-            <a:stCxn id="19" idx="3"/>
-          </p:cNvCxnSpPr>
-          <p:nvPr/>
-        </p:nvCxnSpPr>
-        <p:spPr>
-          <a:xfrm>
-            <a:off x="8940800" y="6261447"/>
-            <a:ext cx="952500" cy="0"/>
-          </a:xfrm>
-          <a:prstGeom prst="straightConnector1">
-            <a:avLst/>
-          </a:prstGeom>
-          <a:ln w="50800">
-            <a:solidFill>
-              <a:schemeClr val="tx1"/>
-            </a:solidFill>
-            <a:tailEnd type="triangle" w="lg" len="med"/>
-          </a:ln>
-        </p:spPr>
-        <p:style>
-          <a:lnRef idx="2">
-            <a:schemeClr val="accent1"/>
-          </a:lnRef>
-          <a:fillRef idx="0">
-            <a:schemeClr val="accent1"/>
-          </a:fillRef>
-          <a:effectRef idx="1">
-            <a:schemeClr val="accent1"/>
-          </a:effectRef>
-          <a:fontRef idx="minor">
-            <a:schemeClr val="tx1"/>
-          </a:fontRef>
-        </p:style>
-      </p:cxnSp>
-      <p:cxnSp>
-        <p:nvCxnSpPr>
-          <p:cNvPr id="66" name="Straight Arrow Connector 65"/>
-          <p:cNvCxnSpPr>
-            <a:stCxn id="25" idx="3"/>
-          </p:cNvCxnSpPr>
-          <p:nvPr/>
-        </p:nvCxnSpPr>
-        <p:spPr>
-          <a:xfrm>
-            <a:off x="12319000" y="6261447"/>
-            <a:ext cx="965200" cy="0"/>
-          </a:xfrm>
-          <a:prstGeom prst="straightConnector1">
-            <a:avLst/>
-          </a:prstGeom>
-          <a:ln w="50800">
-            <a:solidFill>
-              <a:schemeClr val="tx1"/>
-            </a:solidFill>
-            <a:tailEnd type="triangle" w="lg" len="med"/>
-          </a:ln>
-        </p:spPr>
-        <p:style>
-          <a:lnRef idx="2">
-            <a:schemeClr val="accent1"/>
-          </a:lnRef>
-          <a:fillRef idx="0">
-            <a:schemeClr val="accent1"/>
-          </a:fillRef>
-          <a:effectRef idx="1">
-            <a:schemeClr val="accent1"/>
-          </a:effectRef>
-          <a:fontRef idx="minor">
-            <a:schemeClr val="tx1"/>
-          </a:fontRef>
-        </p:style>
-      </p:cxnSp>
-      <p:sp>
-        <p:nvSpPr>
-          <p:cNvPr id="69" name="TextBox 68"/>
-          <p:cNvSpPr txBox="1"/>
-          <p:nvPr/>
-        </p:nvSpPr>
-        <p:spPr>
-          <a:xfrm>
-            <a:off x="11430000" y="1663700"/>
-            <a:ext cx="1371600" cy="692497"/>
-          </a:xfrm>
-          <a:prstGeom prst="rect">
-            <a:avLst/>
-          </a:prstGeom>
-          <a:noFill/>
-        </p:spPr>
-        <p:txBody>
-          <a:bodyPr wrap="square" rtlCol="0">
-            <a:spAutoFit/>
-          </a:bodyPr>
-          <a:lstStyle/>
-          <a:p>
-            <a:r>
-              <a:rPr lang="en-US" dirty="0" err="1" smtClean="0">
-                <a:solidFill>
-                  <a:srgbClr val="CA1E00"/>
-                </a:solidFill>
-              </a:rPr>
-              <a:t>rRNA</a:t>
-            </a:r>
-            <a:endParaRPr lang="en-US" dirty="0">
-              <a:solidFill>
-                <a:srgbClr val="CA1E00"/>
-              </a:solidFill>
-            </a:endParaRPr>
-          </a:p>
-        </p:txBody>
-      </p:sp>
-      <p:sp>
-        <p:nvSpPr>
-          <p:cNvPr id="70" name="TextBox 69"/>
-          <p:cNvSpPr txBox="1"/>
-          <p:nvPr/>
-        </p:nvSpPr>
-        <p:spPr>
-          <a:xfrm>
-            <a:off x="1562100" y="2044700"/>
-            <a:ext cx="1308100" cy="369332"/>
-          </a:xfrm>
-          <a:prstGeom prst="rect">
-            <a:avLst/>
-          </a:prstGeom>
-          <a:noFill/>
-        </p:spPr>
-        <p:txBody>
-          <a:bodyPr wrap="square" rtlCol="0">
-            <a:spAutoFit/>
-          </a:bodyPr>
-          <a:lstStyle/>
-          <a:p>
-            <a:r>
-              <a:rPr lang="en-US" sz="1800" dirty="0" smtClean="0"/>
-              <a:t>&gt;1000 </a:t>
-            </a:r>
-            <a:r>
-              <a:rPr lang="en-US" sz="1800" dirty="0" err="1" smtClean="0"/>
-              <a:t>bp</a:t>
-            </a:r>
-            <a:endParaRPr lang="en-US" sz="1800" dirty="0"/>
-          </a:p>
-        </p:txBody>
-      </p:sp>
-      <p:sp>
-        <p:nvSpPr>
-          <p:cNvPr id="71" name="TextBox 70"/>
-          <p:cNvSpPr txBox="1"/>
-          <p:nvPr/>
-        </p:nvSpPr>
-        <p:spPr>
-          <a:xfrm>
-            <a:off x="1562100" y="3125232"/>
-            <a:ext cx="1308100" cy="369332"/>
-          </a:xfrm>
-          <a:prstGeom prst="rect">
-            <a:avLst/>
-          </a:prstGeom>
-          <a:noFill/>
-        </p:spPr>
-        <p:txBody>
-          <a:bodyPr wrap="square" rtlCol="0">
-            <a:spAutoFit/>
-          </a:bodyPr>
-          <a:lstStyle/>
-          <a:p>
-            <a:r>
-              <a:rPr lang="en-US" sz="1800" dirty="0"/>
-              <a:t>&lt;</a:t>
-            </a:r>
-            <a:r>
-              <a:rPr lang="en-US" sz="1800" dirty="0" smtClean="0"/>
-              <a:t>1000 </a:t>
-            </a:r>
-            <a:r>
-              <a:rPr lang="en-US" sz="1800" dirty="0" err="1" smtClean="0"/>
-              <a:t>bp</a:t>
-            </a:r>
-            <a:endParaRPr lang="en-US" sz="1800" dirty="0"/>
-          </a:p>
-        </p:txBody>
-      </p:sp>
-      <p:sp>
-        <p:nvSpPr>
-          <p:cNvPr id="72" name="TextBox 71"/>
-          <p:cNvSpPr txBox="1"/>
-          <p:nvPr/>
-        </p:nvSpPr>
-        <p:spPr>
-          <a:xfrm>
-            <a:off x="11252200" y="2566432"/>
-            <a:ext cx="2298700" cy="369332"/>
-          </a:xfrm>
-          <a:prstGeom prst="rect">
-            <a:avLst/>
-          </a:prstGeom>
-          <a:noFill/>
-        </p:spPr>
-        <p:txBody>
-          <a:bodyPr wrap="square" rtlCol="0">
-            <a:spAutoFit/>
-          </a:bodyPr>
-          <a:lstStyle/>
-          <a:p>
-            <a:r>
-              <a:rPr lang="en-US" sz="1800" dirty="0" smtClean="0"/>
-              <a:t>Alignment masking</a:t>
-            </a:r>
-            <a:endParaRPr lang="en-US" sz="1800" dirty="0"/>
-          </a:p>
-        </p:txBody>
-      </p:sp>
-      <p:sp>
-        <p:nvSpPr>
-          <p:cNvPr id="73" name="TextBox 72"/>
-          <p:cNvSpPr txBox="1"/>
-          <p:nvPr/>
-        </p:nvSpPr>
-        <p:spPr>
-          <a:xfrm>
-            <a:off x="12166600" y="5461167"/>
-            <a:ext cx="1289050" cy="646331"/>
-          </a:xfrm>
-          <a:prstGeom prst="rect">
-            <a:avLst/>
-          </a:prstGeom>
-          <a:noFill/>
-        </p:spPr>
-        <p:txBody>
-          <a:bodyPr wrap="square" rtlCol="0">
-            <a:spAutoFit/>
-          </a:bodyPr>
-          <a:lstStyle/>
-          <a:p>
-            <a:pPr algn="ctr"/>
-            <a:r>
-              <a:rPr lang="en-US" sz="1800" dirty="0" smtClean="0"/>
-              <a:t>Alignment </a:t>
-            </a:r>
-          </a:p>
-          <a:p>
-            <a:pPr algn="ctr"/>
-            <a:r>
-              <a:rPr lang="en-US" sz="1800" dirty="0" smtClean="0"/>
-              <a:t>masking</a:t>
-            </a:r>
-            <a:endParaRPr lang="en-US" sz="1800" dirty="0"/>
-          </a:p>
-        </p:txBody>
-      </p:sp>
-      <p:sp>
-        <p:nvSpPr>
-          <p:cNvPr id="74" name="TextBox 73"/>
-          <p:cNvSpPr txBox="1"/>
-          <p:nvPr/>
-        </p:nvSpPr>
-        <p:spPr>
-          <a:xfrm>
-            <a:off x="2590800" y="4024868"/>
-            <a:ext cx="3390900" cy="369332"/>
-          </a:xfrm>
-          <a:prstGeom prst="rect">
-            <a:avLst/>
-          </a:prstGeom>
-          <a:noFill/>
-        </p:spPr>
-        <p:txBody>
-          <a:bodyPr wrap="square" rtlCol="0">
-            <a:spAutoFit/>
-          </a:bodyPr>
-          <a:lstStyle/>
-          <a:p>
-            <a:pPr algn="ctr"/>
-            <a:r>
-              <a:rPr lang="en-US" sz="1800" dirty="0"/>
-              <a:t>s</a:t>
-            </a:r>
-            <a:r>
-              <a:rPr lang="en-US" sz="1800" dirty="0" smtClean="0"/>
-              <a:t>earch input against references</a:t>
-            </a:r>
-            <a:endParaRPr lang="en-US" sz="1800" dirty="0"/>
-          </a:p>
-        </p:txBody>
-      </p:sp>
-      <p:sp>
-        <p:nvSpPr>
-          <p:cNvPr id="75" name="TextBox 74"/>
-          <p:cNvSpPr txBox="1"/>
-          <p:nvPr/>
-        </p:nvSpPr>
-        <p:spPr>
-          <a:xfrm>
-            <a:off x="6426200" y="3588940"/>
-            <a:ext cx="2971800" cy="646331"/>
-          </a:xfrm>
-          <a:prstGeom prst="rect">
-            <a:avLst/>
-          </a:prstGeom>
-          <a:noFill/>
-        </p:spPr>
-        <p:txBody>
-          <a:bodyPr wrap="square" rtlCol="0">
-            <a:spAutoFit/>
-          </a:bodyPr>
-          <a:lstStyle/>
-          <a:p>
-            <a:pPr algn="ctr"/>
-            <a:r>
-              <a:rPr lang="en-US" sz="1800" dirty="0" smtClean="0"/>
-              <a:t>screen and align candidates to reference profile HMMs</a:t>
-            </a:r>
-            <a:endParaRPr lang="en-US" sz="1800" dirty="0"/>
-          </a:p>
-        </p:txBody>
-      </p:sp>
-      <p:sp>
-        <p:nvSpPr>
-          <p:cNvPr id="77" name="TextBox 76"/>
-          <p:cNvSpPr txBox="1"/>
-          <p:nvPr/>
-        </p:nvSpPr>
-        <p:spPr>
-          <a:xfrm>
-            <a:off x="11309350" y="4572001"/>
-            <a:ext cx="1714500" cy="692497"/>
-          </a:xfrm>
-          <a:prstGeom prst="rect">
-            <a:avLst/>
-          </a:prstGeom>
-          <a:noFill/>
-        </p:spPr>
-        <p:txBody>
-          <a:bodyPr wrap="square" rtlCol="0">
-            <a:spAutoFit/>
-          </a:bodyPr>
-          <a:lstStyle/>
-          <a:p>
-            <a:r>
-              <a:rPr lang="en-US" dirty="0" smtClean="0">
-                <a:solidFill>
-                  <a:srgbClr val="CA1E00"/>
-                </a:solidFill>
-              </a:rPr>
-              <a:t>protein</a:t>
-            </a:r>
-            <a:endParaRPr lang="en-US" dirty="0">
-              <a:solidFill>
-                <a:srgbClr val="CA1E00"/>
-              </a:solidFill>
-            </a:endParaRPr>
-          </a:p>
-        </p:txBody>
-      </p:sp>
-      <p:sp>
-        <p:nvSpPr>
-          <p:cNvPr id="78" name="TextBox 77"/>
-          <p:cNvSpPr txBox="1"/>
-          <p:nvPr/>
-        </p:nvSpPr>
-        <p:spPr>
-          <a:xfrm>
-            <a:off x="9563100" y="6718994"/>
-            <a:ext cx="3232150" cy="646331"/>
-          </a:xfrm>
-          <a:prstGeom prst="rect">
-            <a:avLst/>
-          </a:prstGeom>
-          <a:noFill/>
-        </p:spPr>
-        <p:txBody>
-          <a:bodyPr wrap="square" rtlCol="0">
-            <a:spAutoFit/>
-          </a:bodyPr>
-          <a:lstStyle/>
-          <a:p>
-            <a:pPr algn="ctr"/>
-            <a:r>
-              <a:rPr lang="en-US" sz="1800" dirty="0"/>
-              <a:t>a</a:t>
-            </a:r>
-            <a:r>
-              <a:rPr lang="en-US" sz="1800" dirty="0" smtClean="0"/>
-              <a:t>lign candidates to </a:t>
-            </a:r>
-          </a:p>
-          <a:p>
-            <a:pPr algn="ctr"/>
-            <a:r>
-              <a:rPr lang="en-US" sz="1800" dirty="0" smtClean="0"/>
-              <a:t>reference profile HMMs</a:t>
-            </a:r>
-            <a:endParaRPr lang="en-US" sz="1800" dirty="0"/>
-          </a:p>
-        </p:txBody>
-      </p:sp>
-      <p:sp>
-        <p:nvSpPr>
-          <p:cNvPr id="79" name="TextBox 78"/>
-          <p:cNvSpPr txBox="1"/>
-          <p:nvPr/>
-        </p:nvSpPr>
-        <p:spPr>
-          <a:xfrm>
-            <a:off x="2590800" y="6737697"/>
-            <a:ext cx="3390900" cy="369332"/>
-          </a:xfrm>
-          <a:prstGeom prst="rect">
-            <a:avLst/>
-          </a:prstGeom>
-          <a:noFill/>
-        </p:spPr>
-        <p:txBody>
-          <a:bodyPr wrap="square" rtlCol="0">
-            <a:spAutoFit/>
-          </a:bodyPr>
-          <a:lstStyle/>
-          <a:p>
-            <a:pPr algn="ctr"/>
-            <a:r>
-              <a:rPr lang="en-US" sz="1800" dirty="0"/>
-              <a:t>s</a:t>
-            </a:r>
-            <a:r>
-              <a:rPr lang="en-US" sz="1800" dirty="0" smtClean="0"/>
-              <a:t>earch input against references</a:t>
-            </a:r>
-            <a:endParaRPr lang="en-US" sz="1800" dirty="0"/>
-          </a:p>
-        </p:txBody>
-      </p:sp>
-      <p:cxnSp>
-        <p:nvCxnSpPr>
-          <p:cNvPr id="87" name="Straight Arrow Connector 86"/>
-          <p:cNvCxnSpPr/>
-          <p:nvPr/>
-        </p:nvCxnSpPr>
-        <p:spPr>
-          <a:xfrm>
-            <a:off x="1314450" y="2393950"/>
-            <a:ext cx="1733554" cy="20082"/>
           </a:xfrm>
           <a:prstGeom prst="straightConnector1">
             <a:avLst/>
@@ -4691,6 +3813,481 @@
       </p:cxnSp>
       <p:cxnSp>
         <p:nvCxnSpPr>
+          <p:cNvPr id="63" name="Straight Arrow Connector 62"/>
+          <p:cNvCxnSpPr>
+            <a:stCxn id="19" idx="3"/>
+          </p:cNvCxnSpPr>
+          <p:nvPr/>
+        </p:nvCxnSpPr>
+        <p:spPr>
+          <a:xfrm>
+            <a:off x="8940800" y="6261447"/>
+            <a:ext cx="952500" cy="0"/>
+          </a:xfrm>
+          <a:prstGeom prst="straightConnector1">
+            <a:avLst/>
+          </a:prstGeom>
+          <a:ln w="50800">
+            <a:solidFill>
+              <a:schemeClr val="tx1"/>
+            </a:solidFill>
+            <a:tailEnd type="triangle" w="lg" len="med"/>
+          </a:ln>
+          <a:effectLst/>
+        </p:spPr>
+        <p:style>
+          <a:lnRef idx="2">
+            <a:schemeClr val="accent1"/>
+          </a:lnRef>
+          <a:fillRef idx="0">
+            <a:schemeClr val="accent1"/>
+          </a:fillRef>
+          <a:effectRef idx="1">
+            <a:schemeClr val="accent1"/>
+          </a:effectRef>
+          <a:fontRef idx="minor">
+            <a:schemeClr val="tx1"/>
+          </a:fontRef>
+        </p:style>
+      </p:cxnSp>
+      <p:cxnSp>
+        <p:nvCxnSpPr>
+          <p:cNvPr id="66" name="Straight Arrow Connector 65"/>
+          <p:cNvCxnSpPr>
+            <a:stCxn id="25" idx="3"/>
+          </p:cNvCxnSpPr>
+          <p:nvPr/>
+        </p:nvCxnSpPr>
+        <p:spPr>
+          <a:xfrm>
+            <a:off x="12319000" y="6261447"/>
+            <a:ext cx="965200" cy="0"/>
+          </a:xfrm>
+          <a:prstGeom prst="straightConnector1">
+            <a:avLst/>
+          </a:prstGeom>
+          <a:ln w="50800">
+            <a:solidFill>
+              <a:schemeClr val="tx1"/>
+            </a:solidFill>
+            <a:tailEnd type="triangle" w="lg" len="med"/>
+          </a:ln>
+          <a:effectLst/>
+        </p:spPr>
+        <p:style>
+          <a:lnRef idx="2">
+            <a:schemeClr val="accent1"/>
+          </a:lnRef>
+          <a:fillRef idx="0">
+            <a:schemeClr val="accent1"/>
+          </a:fillRef>
+          <a:effectRef idx="1">
+            <a:schemeClr val="accent1"/>
+          </a:effectRef>
+          <a:fontRef idx="minor">
+            <a:schemeClr val="tx1"/>
+          </a:fontRef>
+        </p:style>
+      </p:cxnSp>
+      <p:sp>
+        <p:nvSpPr>
+          <p:cNvPr id="69" name="TextBox 68"/>
+          <p:cNvSpPr txBox="1"/>
+          <p:nvPr/>
+        </p:nvSpPr>
+        <p:spPr>
+          <a:xfrm>
+            <a:off x="11430000" y="1663700"/>
+            <a:ext cx="1371600" cy="692497"/>
+          </a:xfrm>
+          <a:prstGeom prst="rect">
+            <a:avLst/>
+          </a:prstGeom>
+          <a:noFill/>
+        </p:spPr>
+        <p:txBody>
+          <a:bodyPr wrap="square" rtlCol="0">
+            <a:spAutoFit/>
+          </a:bodyPr>
+          <a:lstStyle/>
+          <a:p>
+            <a:r>
+              <a:rPr lang="en-US" dirty="0" err="1" smtClean="0">
+                <a:solidFill>
+                  <a:srgbClr val="CA1E00"/>
+                </a:solidFill>
+              </a:rPr>
+              <a:t>rRNA</a:t>
+            </a:r>
+            <a:endParaRPr lang="en-US" dirty="0">
+              <a:solidFill>
+                <a:srgbClr val="CA1E00"/>
+              </a:solidFill>
+            </a:endParaRPr>
+          </a:p>
+        </p:txBody>
+      </p:sp>
+      <p:sp>
+        <p:nvSpPr>
+          <p:cNvPr id="70" name="TextBox 69"/>
+          <p:cNvSpPr txBox="1"/>
+          <p:nvPr/>
+        </p:nvSpPr>
+        <p:spPr>
+          <a:xfrm>
+            <a:off x="1562100" y="2044700"/>
+            <a:ext cx="1308100" cy="369332"/>
+          </a:xfrm>
+          <a:prstGeom prst="rect">
+            <a:avLst/>
+          </a:prstGeom>
+          <a:noFill/>
+        </p:spPr>
+        <p:txBody>
+          <a:bodyPr wrap="square" rtlCol="0">
+            <a:spAutoFit/>
+          </a:bodyPr>
+          <a:lstStyle/>
+          <a:p>
+            <a:r>
+              <a:rPr lang="en-US" sz="1800" dirty="0" smtClean="0"/>
+              <a:t>&gt;1000 </a:t>
+            </a:r>
+            <a:r>
+              <a:rPr lang="en-US" sz="1800" dirty="0" err="1" smtClean="0"/>
+              <a:t>bp</a:t>
+            </a:r>
+            <a:endParaRPr lang="en-US" sz="1800" dirty="0"/>
+          </a:p>
+        </p:txBody>
+      </p:sp>
+      <p:sp>
+        <p:nvSpPr>
+          <p:cNvPr id="71" name="TextBox 70"/>
+          <p:cNvSpPr txBox="1"/>
+          <p:nvPr/>
+        </p:nvSpPr>
+        <p:spPr>
+          <a:xfrm>
+            <a:off x="1562100" y="3125232"/>
+            <a:ext cx="1308100" cy="369332"/>
+          </a:xfrm>
+          <a:prstGeom prst="rect">
+            <a:avLst/>
+          </a:prstGeom>
+          <a:noFill/>
+        </p:spPr>
+        <p:txBody>
+          <a:bodyPr wrap="square" rtlCol="0">
+            <a:spAutoFit/>
+          </a:bodyPr>
+          <a:lstStyle/>
+          <a:p>
+            <a:r>
+              <a:rPr lang="en-US" sz="1800" dirty="0"/>
+              <a:t>&lt;</a:t>
+            </a:r>
+            <a:r>
+              <a:rPr lang="en-US" sz="1800" dirty="0" smtClean="0"/>
+              <a:t>1000 </a:t>
+            </a:r>
+            <a:r>
+              <a:rPr lang="en-US" sz="1800" dirty="0" err="1" smtClean="0"/>
+              <a:t>bp</a:t>
+            </a:r>
+            <a:endParaRPr lang="en-US" sz="1800" dirty="0"/>
+          </a:p>
+        </p:txBody>
+      </p:sp>
+      <p:sp>
+        <p:nvSpPr>
+          <p:cNvPr id="72" name="TextBox 71"/>
+          <p:cNvSpPr txBox="1"/>
+          <p:nvPr/>
+        </p:nvSpPr>
+        <p:spPr>
+          <a:xfrm>
+            <a:off x="10985500" y="3505031"/>
+            <a:ext cx="2298700" cy="369332"/>
+          </a:xfrm>
+          <a:prstGeom prst="rect">
+            <a:avLst/>
+          </a:prstGeom>
+          <a:noFill/>
+        </p:spPr>
+        <p:txBody>
+          <a:bodyPr wrap="square" rtlCol="0">
+            <a:spAutoFit/>
+          </a:bodyPr>
+          <a:lstStyle/>
+          <a:p>
+            <a:r>
+              <a:rPr lang="en-US" sz="1800" dirty="0"/>
+              <a:t>a</a:t>
+            </a:r>
+            <a:r>
+              <a:rPr lang="en-US" sz="1800" dirty="0" smtClean="0"/>
+              <a:t>lignment masking</a:t>
+            </a:r>
+            <a:endParaRPr lang="en-US" sz="1800" dirty="0"/>
+          </a:p>
+        </p:txBody>
+      </p:sp>
+      <p:sp>
+        <p:nvSpPr>
+          <p:cNvPr id="73" name="TextBox 72"/>
+          <p:cNvSpPr txBox="1"/>
+          <p:nvPr/>
+        </p:nvSpPr>
+        <p:spPr>
+          <a:xfrm>
+            <a:off x="12166600" y="5461167"/>
+            <a:ext cx="1289050" cy="646331"/>
+          </a:xfrm>
+          <a:prstGeom prst="rect">
+            <a:avLst/>
+          </a:prstGeom>
+          <a:noFill/>
+        </p:spPr>
+        <p:txBody>
+          <a:bodyPr wrap="square" rtlCol="0">
+            <a:spAutoFit/>
+          </a:bodyPr>
+          <a:lstStyle/>
+          <a:p>
+            <a:pPr algn="ctr"/>
+            <a:r>
+              <a:rPr lang="en-US" sz="1800" dirty="0"/>
+              <a:t>a</a:t>
+            </a:r>
+            <a:r>
+              <a:rPr lang="en-US" sz="1800" dirty="0" smtClean="0"/>
+              <a:t>lignment </a:t>
+            </a:r>
+          </a:p>
+          <a:p>
+            <a:pPr algn="ctr"/>
+            <a:r>
+              <a:rPr lang="en-US" sz="1800" dirty="0" smtClean="0"/>
+              <a:t>masking</a:t>
+            </a:r>
+            <a:endParaRPr lang="en-US" sz="1800" dirty="0"/>
+          </a:p>
+        </p:txBody>
+      </p:sp>
+      <p:sp>
+        <p:nvSpPr>
+          <p:cNvPr id="74" name="TextBox 73"/>
+          <p:cNvSpPr txBox="1"/>
+          <p:nvPr/>
+        </p:nvSpPr>
+        <p:spPr>
+          <a:xfrm>
+            <a:off x="2590800" y="4024868"/>
+            <a:ext cx="3390900" cy="369332"/>
+          </a:xfrm>
+          <a:prstGeom prst="rect">
+            <a:avLst/>
+          </a:prstGeom>
+          <a:noFill/>
+        </p:spPr>
+        <p:txBody>
+          <a:bodyPr wrap="square" rtlCol="0">
+            <a:spAutoFit/>
+          </a:bodyPr>
+          <a:lstStyle/>
+          <a:p>
+            <a:pPr algn="ctr"/>
+            <a:r>
+              <a:rPr lang="en-US" sz="1800" dirty="0"/>
+              <a:t>s</a:t>
+            </a:r>
+            <a:r>
+              <a:rPr lang="en-US" sz="1800" dirty="0" smtClean="0"/>
+              <a:t>earch input against references</a:t>
+            </a:r>
+            <a:endParaRPr lang="en-US" sz="1800" dirty="0"/>
+          </a:p>
+        </p:txBody>
+      </p:sp>
+      <p:sp>
+        <p:nvSpPr>
+          <p:cNvPr id="75" name="TextBox 74"/>
+          <p:cNvSpPr txBox="1"/>
+          <p:nvPr/>
+        </p:nvSpPr>
+        <p:spPr>
+          <a:xfrm>
+            <a:off x="5867400" y="3931840"/>
+            <a:ext cx="3873500" cy="523220"/>
+          </a:xfrm>
+          <a:prstGeom prst="rect">
+            <a:avLst/>
+          </a:prstGeom>
+          <a:noFill/>
+        </p:spPr>
+        <p:txBody>
+          <a:bodyPr wrap="square" rtlCol="0">
+            <a:spAutoFit/>
+          </a:bodyPr>
+          <a:lstStyle/>
+          <a:p>
+            <a:pPr algn="ctr"/>
+            <a:r>
+              <a:rPr lang="en-US" sz="1400" dirty="0" smtClean="0"/>
+              <a:t>screen and align candidates to stochastic context free grammar models (SCFGs) in </a:t>
+            </a:r>
+            <a:r>
+              <a:rPr lang="en-US" sz="1400" dirty="0" err="1" smtClean="0"/>
+              <a:t>cmalign</a:t>
+            </a:r>
+            <a:endParaRPr lang="en-US" sz="1400" dirty="0"/>
+          </a:p>
+        </p:txBody>
+      </p:sp>
+      <p:sp>
+        <p:nvSpPr>
+          <p:cNvPr id="77" name="TextBox 76"/>
+          <p:cNvSpPr txBox="1"/>
+          <p:nvPr/>
+        </p:nvSpPr>
+        <p:spPr>
+          <a:xfrm>
+            <a:off x="11309350" y="4572001"/>
+            <a:ext cx="1714500" cy="692497"/>
+          </a:xfrm>
+          <a:prstGeom prst="rect">
+            <a:avLst/>
+          </a:prstGeom>
+          <a:noFill/>
+        </p:spPr>
+        <p:txBody>
+          <a:bodyPr wrap="square" rtlCol="0">
+            <a:spAutoFit/>
+          </a:bodyPr>
+          <a:lstStyle/>
+          <a:p>
+            <a:r>
+              <a:rPr lang="en-US" dirty="0" smtClean="0">
+                <a:solidFill>
+                  <a:srgbClr val="CA1E00"/>
+                </a:solidFill>
+              </a:rPr>
+              <a:t>protein</a:t>
+            </a:r>
+            <a:endParaRPr lang="en-US" dirty="0">
+              <a:solidFill>
+                <a:srgbClr val="CA1E00"/>
+              </a:solidFill>
+            </a:endParaRPr>
+          </a:p>
+        </p:txBody>
+      </p:sp>
+      <p:sp>
+        <p:nvSpPr>
+          <p:cNvPr id="78" name="TextBox 77"/>
+          <p:cNvSpPr txBox="1"/>
+          <p:nvPr/>
+        </p:nvSpPr>
+        <p:spPr>
+          <a:xfrm>
+            <a:off x="9436100" y="6718994"/>
+            <a:ext cx="3454400" cy="646331"/>
+          </a:xfrm>
+          <a:prstGeom prst="rect">
+            <a:avLst/>
+          </a:prstGeom>
+          <a:noFill/>
+        </p:spPr>
+        <p:txBody>
+          <a:bodyPr wrap="square" rtlCol="0">
+            <a:spAutoFit/>
+          </a:bodyPr>
+          <a:lstStyle/>
+          <a:p>
+            <a:pPr algn="ctr"/>
+            <a:r>
+              <a:rPr lang="en-US" sz="1800" dirty="0" smtClean="0"/>
+              <a:t>profile HMMs used to align candidates to reference alignment</a:t>
+            </a:r>
+            <a:endParaRPr lang="en-US" sz="1800" dirty="0"/>
+          </a:p>
+        </p:txBody>
+      </p:sp>
+      <p:sp>
+        <p:nvSpPr>
+          <p:cNvPr id="79" name="TextBox 78"/>
+          <p:cNvSpPr txBox="1"/>
+          <p:nvPr/>
+        </p:nvSpPr>
+        <p:spPr>
+          <a:xfrm>
+            <a:off x="2590800" y="6851997"/>
+            <a:ext cx="3390900" cy="369332"/>
+          </a:xfrm>
+          <a:prstGeom prst="rect">
+            <a:avLst/>
+          </a:prstGeom>
+          <a:noFill/>
+        </p:spPr>
+        <p:txBody>
+          <a:bodyPr wrap="square" rtlCol="0">
+            <a:spAutoFit/>
+          </a:bodyPr>
+          <a:lstStyle/>
+          <a:p>
+            <a:pPr algn="ctr"/>
+            <a:r>
+              <a:rPr lang="en-US" sz="1800" dirty="0"/>
+              <a:t>s</a:t>
+            </a:r>
+            <a:r>
+              <a:rPr lang="en-US" sz="1800" dirty="0" smtClean="0"/>
+              <a:t>earch input against references</a:t>
+            </a:r>
+            <a:endParaRPr lang="en-US" sz="1800" dirty="0"/>
+          </a:p>
+        </p:txBody>
+      </p:sp>
+      <p:cxnSp>
+        <p:nvCxnSpPr>
+          <p:cNvPr id="87" name="Straight Arrow Connector 86"/>
+          <p:cNvCxnSpPr/>
+          <p:nvPr/>
+        </p:nvCxnSpPr>
+        <p:spPr>
+          <a:xfrm>
+            <a:off x="1314450" y="2393950"/>
+            <a:ext cx="1733554" cy="20082"/>
+          </a:xfrm>
+          <a:prstGeom prst="straightConnector1">
+            <a:avLst/>
+          </a:prstGeom>
+          <a:ln w="50800">
+            <a:solidFill>
+              <a:schemeClr val="tx1"/>
+            </a:solidFill>
+            <a:tailEnd type="triangle" w="lg" len="med"/>
+          </a:ln>
+          <a:effectLst/>
+        </p:spPr>
+        <p:style>
+          <a:lnRef idx="2">
+            <a:schemeClr val="accent1"/>
+          </a:lnRef>
+          <a:fillRef idx="0">
+            <a:schemeClr val="accent1"/>
+          </a:fillRef>
+          <a:effectRef idx="1">
+            <a:schemeClr val="accent1"/>
+          </a:effectRef>
+          <a:fontRef idx="minor">
+            <a:schemeClr val="tx1"/>
+          </a:fontRef>
+        </p:style>
+      </p:cxnSp>
+      <p:cxnSp>
+        <p:nvCxnSpPr>
           <p:cNvPr id="89" name="Straight Connector 88"/>
           <p:cNvCxnSpPr/>
           <p:nvPr/>
@@ -4780,6 +4377,7 @@
             </a:solidFill>
             <a:tailEnd type="triangle" w="lg" len="med"/>
           </a:ln>
+          <a:effectLst/>
         </p:spPr>
         <p:style>
           <a:lnRef idx="2">
@@ -4886,124 +4484,9 @@
                   <a:latin typeface="Helvetica Neue"/>
                   <a:cs typeface="Helvetica Neue"/>
                 </a:rPr>
-                <a:t>Taxonomy summaries</a:t>
+                <a:t>Taxonomic Summary</a:t>
               </a:r>
               <a:endParaRPr lang="en-US" sz="2400" dirty="0">
-                <a:latin typeface="Helvetica Neue"/>
-                <a:cs typeface="Helvetica Neue"/>
-              </a:endParaRPr>
-            </a:p>
-          </p:txBody>
-        </p:sp>
-      </p:grpSp>
-      <p:grpSp>
-        <p:nvGrpSpPr>
-          <p:cNvPr id="111" name="Group 110"/>
-          <p:cNvGrpSpPr/>
-          <p:nvPr/>
-        </p:nvGrpSpPr>
-        <p:grpSpPr>
-          <a:xfrm>
-            <a:off x="3162300" y="7423497"/>
-            <a:ext cx="2298700" cy="952500"/>
-            <a:chOff x="4191000" y="2908300"/>
-            <a:chExt cx="2298700" cy="952500"/>
-          </a:xfrm>
-        </p:grpSpPr>
-        <p:sp>
-          <p:nvSpPr>
-            <p:cNvPr id="112" name="Rounded Rectangle 111"/>
-            <p:cNvSpPr/>
-            <p:nvPr/>
-          </p:nvSpPr>
-          <p:spPr>
-            <a:xfrm>
-              <a:off x="4191000" y="2908300"/>
-              <a:ext cx="2298700" cy="952500"/>
-            </a:xfrm>
-            <a:prstGeom prst="roundRect">
-              <a:avLst/>
-            </a:prstGeom>
-            <a:noFill/>
-            <a:ln>
-              <a:solidFill>
-                <a:schemeClr val="tx1"/>
-              </a:solidFill>
-            </a:ln>
-            <a:effectLst/>
-          </p:spPr>
-          <p:style>
-            <a:lnRef idx="1">
-              <a:schemeClr val="accent1"/>
-            </a:lnRef>
-            <a:fillRef idx="3">
-              <a:schemeClr val="accent1"/>
-            </a:fillRef>
-            <a:effectRef idx="2">
-              <a:schemeClr val="accent1"/>
-            </a:effectRef>
-            <a:fontRef idx="minor">
-              <a:schemeClr val="lt1"/>
-            </a:fontRef>
-          </p:style>
-          <p:txBody>
-            <a:bodyPr rtlCol="0" anchor="ctr"/>
-            <a:lstStyle/>
-            <a:p>
-              <a:pPr algn="ctr"/>
-              <a:endParaRPr lang="en-US">
-                <a:solidFill>
-                  <a:schemeClr val="bg1">
-                    <a:lumMod val="50000"/>
-                  </a:schemeClr>
-                </a:solidFill>
-                <a:latin typeface="Georgia"/>
-                <a:cs typeface="Georgia"/>
-              </a:endParaRPr>
-            </a:p>
-          </p:txBody>
-        </p:sp>
-        <p:sp>
-          <p:nvSpPr>
-            <p:cNvPr id="113" name="TextBox 112"/>
-            <p:cNvSpPr txBox="1"/>
-            <p:nvPr/>
-          </p:nvSpPr>
-          <p:spPr>
-            <a:xfrm>
-              <a:off x="4343400" y="3035300"/>
-              <a:ext cx="2032000" cy="692497"/>
-            </a:xfrm>
-            <a:prstGeom prst="rect">
-              <a:avLst/>
-            </a:prstGeom>
-            <a:noFill/>
-          </p:spPr>
-          <p:txBody>
-            <a:bodyPr wrap="square" rtlCol="0">
-              <a:spAutoFit/>
-            </a:bodyPr>
-            <a:lstStyle/>
-            <a:p>
-              <a:pPr algn="ctr"/>
-              <a:r>
-                <a:rPr lang="en-US" dirty="0" smtClean="0">
-                  <a:solidFill>
-                    <a:schemeClr val="bg1">
-                      <a:lumMod val="50000"/>
-                    </a:schemeClr>
-                  </a:solidFill>
-                  <a:latin typeface="Helvetica Neue"/>
-                  <a:cs typeface="Helvetica Neue"/>
-                </a:rPr>
-                <a:t>Last</a:t>
-              </a:r>
-              <a:endParaRPr lang="en-US" dirty="0">
-                <a:solidFill>
-                  <a:schemeClr val="bg1">
-                    <a:lumMod val="50000"/>
-                  </a:schemeClr>
-                </a:solidFill>
                 <a:latin typeface="Helvetica Neue"/>
                 <a:cs typeface="Helvetica Neue"/>
               </a:endParaRPr>
@@ -5111,124 +4594,9 @@
                   <a:latin typeface="Helvetica Neue"/>
                   <a:cs typeface="Helvetica Neue"/>
                 </a:rPr>
-                <a:t>HMMsearch</a:t>
+                <a:t>hmmsearch</a:t>
               </a:r>
               <a:endParaRPr lang="en-US" sz="2600" dirty="0">
-                <a:solidFill>
-                  <a:schemeClr val="bg1">
-                    <a:lumMod val="50000"/>
-                  </a:schemeClr>
-                </a:solidFill>
-                <a:latin typeface="Helvetica Neue"/>
-                <a:cs typeface="Helvetica Neue"/>
-              </a:endParaRPr>
-            </a:p>
-          </p:txBody>
-        </p:sp>
-      </p:grpSp>
-      <p:grpSp>
-        <p:nvGrpSpPr>
-          <p:cNvPr id="117" name="Group 116"/>
-          <p:cNvGrpSpPr/>
-          <p:nvPr/>
-        </p:nvGrpSpPr>
-        <p:grpSpPr>
-          <a:xfrm>
-            <a:off x="10033000" y="7423497"/>
-            <a:ext cx="2298700" cy="952500"/>
-            <a:chOff x="4191000" y="2908300"/>
-            <a:chExt cx="2298700" cy="952500"/>
-          </a:xfrm>
-        </p:grpSpPr>
-        <p:sp>
-          <p:nvSpPr>
-            <p:cNvPr id="118" name="Rounded Rectangle 117"/>
-            <p:cNvSpPr/>
-            <p:nvPr/>
-          </p:nvSpPr>
-          <p:spPr>
-            <a:xfrm>
-              <a:off x="4191000" y="2908300"/>
-              <a:ext cx="2298700" cy="952500"/>
-            </a:xfrm>
-            <a:prstGeom prst="roundRect">
-              <a:avLst/>
-            </a:prstGeom>
-            <a:noFill/>
-            <a:ln>
-              <a:solidFill>
-                <a:schemeClr val="tx1"/>
-              </a:solidFill>
-            </a:ln>
-            <a:effectLst/>
-          </p:spPr>
-          <p:style>
-            <a:lnRef idx="1">
-              <a:schemeClr val="accent1"/>
-            </a:lnRef>
-            <a:fillRef idx="3">
-              <a:schemeClr val="accent1"/>
-            </a:fillRef>
-            <a:effectRef idx="2">
-              <a:schemeClr val="accent1"/>
-            </a:effectRef>
-            <a:fontRef idx="minor">
-              <a:schemeClr val="lt1"/>
-            </a:fontRef>
-          </p:style>
-          <p:txBody>
-            <a:bodyPr rtlCol="0" anchor="ctr"/>
-            <a:lstStyle/>
-            <a:p>
-              <a:pPr algn="ctr"/>
-              <a:endParaRPr lang="en-US">
-                <a:solidFill>
-                  <a:schemeClr val="bg1">
-                    <a:lumMod val="50000"/>
-                  </a:schemeClr>
-                </a:solidFill>
-                <a:latin typeface="Georgia"/>
-                <a:cs typeface="Georgia"/>
-              </a:endParaRPr>
-            </a:p>
-          </p:txBody>
-        </p:sp>
-        <p:sp>
-          <p:nvSpPr>
-            <p:cNvPr id="119" name="TextBox 118"/>
-            <p:cNvSpPr txBox="1"/>
-            <p:nvPr/>
-          </p:nvSpPr>
-          <p:spPr>
-            <a:xfrm>
-              <a:off x="4305300" y="3092103"/>
-              <a:ext cx="2032000" cy="553998"/>
-            </a:xfrm>
-            <a:prstGeom prst="rect">
-              <a:avLst/>
-            </a:prstGeom>
-            <a:noFill/>
-          </p:spPr>
-          <p:txBody>
-            <a:bodyPr wrap="square" rtlCol="0">
-              <a:spAutoFit/>
-            </a:bodyPr>
-            <a:lstStyle/>
-            <a:p>
-              <a:pPr algn="ctr"/>
-              <a:r>
-                <a:rPr lang="en-US" sz="3000" dirty="0" err="1" smtClean="0">
-                  <a:solidFill>
-                    <a:schemeClr val="bg1">
-                      <a:lumMod val="50000"/>
-                    </a:schemeClr>
-                  </a:solidFill>
-                  <a:latin typeface="Helvetica Neue"/>
-                  <a:cs typeface="Helvetica Neue"/>
-                </a:rPr>
-                <a:t>HMMalign</a:t>
-              </a:r>
-              <a:endParaRPr lang="en-US" sz="3000" dirty="0">
                 <a:solidFill>
                   <a:schemeClr val="bg1">
                     <a:lumMod val="50000"/>
@@ -5266,6 +4634,7 @@
             <a:prstDash val="sysDot"/>
             <a:tailEnd type="triangle" w="lg" len="med"/>
           </a:ln>
+          <a:effectLst/>
         </p:spPr>
         <p:style>
           <a:lnRef idx="2">
@@ -5307,6 +4676,7 @@
             <a:prstDash val="sysDot"/>
             <a:tailEnd type="triangle" w="lg" len="med"/>
           </a:ln>
+          <a:effectLst/>
         </p:spPr>
         <p:style>
           <a:lnRef idx="2">
@@ -5349,6 +4719,7 @@
             <a:prstDash val="sysDot"/>
             <a:tailEnd type="triangle" w="lg" len="med"/>
           </a:ln>
+          <a:effectLst/>
         </p:spPr>
         <p:style>
           <a:lnRef idx="2">
@@ -5388,6 +4759,7 @@
             <a:prstDash val="sysDot"/>
             <a:tailEnd type="triangle" w="lg" len="med"/>
           </a:ln>
+          <a:effectLst/>
         </p:spPr>
         <p:style>
           <a:lnRef idx="2">
@@ -5450,176 +4822,15 @@
           </a:p>
         </p:txBody>
       </p:sp>
-    </p:spTree>
-    <p:extLst>
-      <p:ext uri="{BB962C8B-B14F-4D97-AF65-F5344CB8AC3E}">
-        <p14:creationId xmlns:p14="http://schemas.microsoft.com/office/powerpoint/2010/main" val="301232619"/>
-      </p:ext>
-    </p:extLst>
-  </p:cSld>
-  <p:clrMapOvr>
-    <a:masterClrMapping/>
-  </p:clrMapOvr>
-  <p:timing>
-    <p:tnLst>
-      <p:par>
-        <p:cTn xmlns:p14="http://schemas.microsoft.com/office/powerpoint/2010/main" id="1" dur="indefinite" restart="never" nodeType="tmRoot"/>
-      </p:par>
-    </p:tnLst>
-  </p:timing>
-</p:sld>
-</file>
-
-<file path=ppt/slides/slide2.xml><?xml version="1.0" encoding="utf-8"?>
-<p:sld xmlns:a="http://schemas.openxmlformats.org/drawingml/2006/main" xmlns:r="http://schemas.openxmlformats.org/officeDocument/2006/relationships" xmlns:p="http://schemas.openxmlformats.org/presentationml/2006/main">
-  <p:cSld>
-    <p:spTree>
-      <p:nvGrpSpPr>
-        <p:cNvPr id="1" name=""/>
-        <p:cNvGrpSpPr/>
-        <p:nvPr/>
-      </p:nvGrpSpPr>
-      <p:grpSpPr>
-        <a:xfrm>
-          <a:off x="0" y="0"/>
-          <a:ext cx="0" cy="0"/>
-          <a:chOff x="0" y="0"/>
-          <a:chExt cx="0" cy="0"/>
-        </a:xfrm>
-      </p:grpSpPr>
-      <p:pic>
-        <p:nvPicPr>
-          <p:cNvPr id="85" name="Picture 84" descr="octopus_2_lg.gif"/>
-          <p:cNvPicPr>
-            <a:picLocks noChangeAspect="1"/>
-          </p:cNvPicPr>
-          <p:nvPr/>
-        </p:nvPicPr>
-        <p:blipFill>
-          <a:blip r:embed="rId2">
-            <a:extLst>
-              <a:ext uri="{28A0092B-C50C-407E-A947-70E740481C1C}">
-                <a14:useLocalDpi xmlns:a14="http://schemas.microsoft.com/office/drawing/2010/main" val="0"/>
-              </a:ext>
-            </a:extLst>
-          </a:blip>
-          <a:stretch>
-            <a:fillRect/>
-          </a:stretch>
-        </p:blipFill>
-        <p:spPr>
-          <a:xfrm>
-            <a:off x="1890983" y="6297697"/>
-            <a:ext cx="1030017" cy="778399"/>
-          </a:xfrm>
-          <a:prstGeom prst="rect">
-            <a:avLst/>
-          </a:prstGeom>
-        </p:spPr>
-      </p:pic>
-      <p:sp>
-        <p:nvSpPr>
-          <p:cNvPr id="76" name="Rectangle 75"/>
-          <p:cNvSpPr/>
-          <p:nvPr/>
-        </p:nvSpPr>
-        <p:spPr>
-          <a:xfrm>
-            <a:off x="1562100" y="4660899"/>
-            <a:ext cx="11772900" cy="3784601"/>
-          </a:xfrm>
-          <a:prstGeom prst="rect">
-            <a:avLst/>
-          </a:prstGeom>
-          <a:solidFill>
-            <a:srgbClr val="CA1E00">
-              <a:alpha val="5000"/>
-            </a:srgbClr>
-          </a:solidFill>
-          <a:ln>
-            <a:noFill/>
-          </a:ln>
-          <a:effectLst/>
-        </p:spPr>
-        <p:style>
-          <a:lnRef idx="1">
-            <a:schemeClr val="accent1"/>
-          </a:lnRef>
-          <a:fillRef idx="3">
-            <a:schemeClr val="accent1"/>
-          </a:fillRef>
-          <a:effectRef idx="2">
-            <a:schemeClr val="accent1"/>
-          </a:effectRef>
-          <a:fontRef idx="minor">
-            <a:schemeClr val="lt1"/>
-          </a:fontRef>
-        </p:style>
-        <p:txBody>
-          <a:bodyPr rtlCol="0" anchor="ctr"/>
-          <a:lstStyle/>
-          <a:p>
-            <a:pPr algn="ctr"/>
-            <a:endParaRPr lang="en-US"/>
-          </a:p>
-        </p:txBody>
-      </p:sp>
-      <p:sp>
-        <p:nvSpPr>
-          <p:cNvPr id="68" name="Rectangle 67"/>
-          <p:cNvSpPr/>
-          <p:nvPr/>
-        </p:nvSpPr>
-        <p:spPr>
-          <a:xfrm>
-            <a:off x="1562100" y="1663700"/>
-            <a:ext cx="11772900" cy="2794000"/>
-          </a:xfrm>
-          <a:prstGeom prst="rect">
-            <a:avLst/>
-          </a:prstGeom>
-          <a:solidFill>
-            <a:srgbClr val="CA1E00">
-              <a:alpha val="5000"/>
-            </a:srgbClr>
-          </a:solidFill>
-          <a:ln>
-            <a:noFill/>
-          </a:ln>
-          <a:effectLst/>
-        </p:spPr>
-        <p:style>
-          <a:lnRef idx="1">
-            <a:schemeClr val="accent1"/>
-          </a:lnRef>
-          <a:fillRef idx="3">
-            <a:schemeClr val="accent1"/>
-          </a:fillRef>
-          <a:effectRef idx="2">
-            <a:schemeClr val="accent1"/>
-          </a:effectRef>
-          <a:fontRef idx="minor">
-            <a:schemeClr val="lt1"/>
-          </a:fontRef>
-        </p:style>
-        <p:txBody>
-          <a:bodyPr rtlCol="0" anchor="ctr"/>
-          <a:lstStyle/>
-          <a:p>
-            <a:pPr algn="ctr"/>
-            <a:endParaRPr lang="en-US"/>
-          </a:p>
-        </p:txBody>
-      </p:sp>
       <p:grpSp>
         <p:nvGrpSpPr>
-          <p:cNvPr id="8" name="Group 7"/>
+          <p:cNvPr id="80" name="Group 79"/>
           <p:cNvGrpSpPr/>
           <p:nvPr/>
         </p:nvGrpSpPr>
         <p:grpSpPr>
           <a:xfrm>
-            <a:off x="3149600" y="1917700"/>
+            <a:off x="6642100" y="1905000"/>
             <a:ext cx="2298700" cy="952500"/>
             <a:chOff x="4191000" y="2908300"/>
             <a:chExt cx="2298700" cy="952500"/>
@@ -5627,7 +4838,7 @@
         </p:grpSpPr>
         <p:sp>
           <p:nvSpPr>
-            <p:cNvPr id="6" name="Rounded Rectangle 5"/>
+            <p:cNvPr id="81" name="Rounded Rectangle 80"/>
             <p:cNvSpPr/>
             <p:nvPr/>
           </p:nvSpPr>
@@ -5675,13 +4886,215 @@
         </p:sp>
         <p:sp>
           <p:nvSpPr>
-            <p:cNvPr id="7" name="TextBox 6"/>
+            <p:cNvPr id="82" name="TextBox 81"/>
             <p:cNvSpPr txBox="1"/>
             <p:nvPr/>
           </p:nvSpPr>
           <p:spPr>
             <a:xfrm>
-              <a:off x="4343400" y="3035300"/>
+              <a:off x="4368800" y="3028950"/>
+              <a:ext cx="2032000" cy="553998"/>
+            </a:xfrm>
+            <a:prstGeom prst="rect">
+              <a:avLst/>
+            </a:prstGeom>
+            <a:noFill/>
+          </p:spPr>
+          <p:txBody>
+            <a:bodyPr wrap="square" rtlCol="0">
+              <a:spAutoFit/>
+            </a:bodyPr>
+            <a:lstStyle/>
+            <a:p>
+              <a:pPr algn="ctr"/>
+              <a:r>
+                <a:rPr lang="en-US" sz="3000" dirty="0" smtClean="0">
+                  <a:latin typeface="Helvetica Neue"/>
+                  <a:cs typeface="Helvetica Neue"/>
+                </a:rPr>
+                <a:t>Infernal</a:t>
+              </a:r>
+              <a:endParaRPr lang="en-US" sz="3000" dirty="0">
+                <a:latin typeface="Helvetica Neue"/>
+                <a:cs typeface="Helvetica Neue"/>
+              </a:endParaRPr>
+            </a:p>
+          </p:txBody>
+        </p:sp>
+      </p:grpSp>
+      <p:cxnSp>
+        <p:nvCxnSpPr>
+          <p:cNvPr id="86" name="Elbow Connector 85"/>
+          <p:cNvCxnSpPr>
+            <a:stCxn id="81" idx="3"/>
+            <a:endCxn id="22" idx="0"/>
+          </p:cNvCxnSpPr>
+          <p:nvPr/>
+        </p:nvCxnSpPr>
+        <p:spPr>
+          <a:xfrm>
+            <a:off x="8940800" y="2381250"/>
+            <a:ext cx="5607050" cy="3327747"/>
+          </a:xfrm>
+          <a:prstGeom prst="bentConnector2">
+            <a:avLst/>
+          </a:prstGeom>
+          <a:ln w="50800">
+            <a:solidFill>
+              <a:schemeClr val="tx1"/>
+            </a:solidFill>
+            <a:tailEnd type="triangle" w="lg" len="med"/>
+          </a:ln>
+          <a:effectLst/>
+        </p:spPr>
+        <p:style>
+          <a:lnRef idx="2">
+            <a:schemeClr val="accent1"/>
+          </a:lnRef>
+          <a:fillRef idx="0">
+            <a:schemeClr val="accent1"/>
+          </a:fillRef>
+          <a:effectRef idx="1">
+            <a:schemeClr val="accent1"/>
+          </a:effectRef>
+          <a:fontRef idx="minor">
+            <a:schemeClr val="tx1"/>
+          </a:fontRef>
+        </p:style>
+      </p:cxnSp>
+      <p:sp>
+        <p:nvSpPr>
+          <p:cNvPr id="92" name="TextBox 91"/>
+          <p:cNvSpPr txBox="1"/>
+          <p:nvPr/>
+        </p:nvSpPr>
+        <p:spPr>
+          <a:xfrm>
+            <a:off x="6642100" y="2451100"/>
+            <a:ext cx="2311400" cy="369332"/>
+          </a:xfrm>
+          <a:prstGeom prst="rect">
+            <a:avLst/>
+          </a:prstGeom>
+          <a:noFill/>
+        </p:spPr>
+        <p:txBody>
+          <a:bodyPr wrap="square" rtlCol="0">
+            <a:spAutoFit/>
+          </a:bodyPr>
+          <a:lstStyle/>
+          <a:p>
+            <a:pPr algn="ctr"/>
+            <a:r>
+              <a:rPr lang="en-US" sz="1800" dirty="0" smtClean="0"/>
+              <a:t>global alignment</a:t>
+            </a:r>
+            <a:endParaRPr lang="en-US" sz="1800" dirty="0"/>
+          </a:p>
+        </p:txBody>
+      </p:sp>
+      <p:sp>
+        <p:nvSpPr>
+          <p:cNvPr id="93" name="TextBox 92"/>
+          <p:cNvSpPr txBox="1"/>
+          <p:nvPr/>
+        </p:nvSpPr>
+        <p:spPr>
+          <a:xfrm>
+            <a:off x="6642100" y="3550682"/>
+            <a:ext cx="2311400" cy="369332"/>
+          </a:xfrm>
+          <a:prstGeom prst="rect">
+            <a:avLst/>
+          </a:prstGeom>
+          <a:noFill/>
+        </p:spPr>
+        <p:txBody>
+          <a:bodyPr wrap="square" rtlCol="0">
+            <a:spAutoFit/>
+          </a:bodyPr>
+          <a:lstStyle/>
+          <a:p>
+            <a:pPr algn="ctr"/>
+            <a:r>
+              <a:rPr lang="en-US" sz="1800" dirty="0" smtClean="0"/>
+              <a:t>local alignment</a:t>
+            </a:r>
+            <a:endParaRPr lang="en-US" sz="1800" dirty="0"/>
+          </a:p>
+        </p:txBody>
+      </p:sp>
+      <p:grpSp>
+        <p:nvGrpSpPr>
+          <p:cNvPr id="47" name="Group 46"/>
+          <p:cNvGrpSpPr/>
+          <p:nvPr/>
+        </p:nvGrpSpPr>
+        <p:grpSpPr>
+          <a:xfrm>
+            <a:off x="2997204" y="5785197"/>
+            <a:ext cx="2641600" cy="952500"/>
+            <a:chOff x="2997204" y="5785197"/>
+            <a:chExt cx="2641600" cy="952500"/>
+          </a:xfrm>
+        </p:grpSpPr>
+        <p:sp>
+          <p:nvSpPr>
+            <p:cNvPr id="10" name="Rounded Rectangle 9"/>
+            <p:cNvSpPr/>
+            <p:nvPr/>
+          </p:nvSpPr>
+          <p:spPr>
+            <a:xfrm>
+              <a:off x="3149600" y="5785197"/>
+              <a:ext cx="2298700" cy="952500"/>
+            </a:xfrm>
+            <a:prstGeom prst="roundRect">
+              <a:avLst/>
+            </a:prstGeom>
+            <a:noFill/>
+            <a:ln>
+              <a:solidFill>
+                <a:schemeClr val="tx1"/>
+              </a:solidFill>
+            </a:ln>
+            <a:effectLst/>
+          </p:spPr>
+          <p:style>
+            <a:lnRef idx="1">
+              <a:schemeClr val="accent1"/>
+            </a:lnRef>
+            <a:fillRef idx="3">
+              <a:schemeClr val="accent1"/>
+            </a:fillRef>
+            <a:effectRef idx="2">
+              <a:schemeClr val="accent1"/>
+            </a:effectRef>
+            <a:fontRef idx="minor">
+              <a:schemeClr val="lt1"/>
+            </a:fontRef>
+          </p:style>
+          <p:txBody>
+            <a:bodyPr rtlCol="0" anchor="ctr"/>
+            <a:lstStyle/>
+            <a:p>
+              <a:pPr algn="ctr"/>
+              <a:endParaRPr lang="en-US">
+                <a:latin typeface="Georgia"/>
+                <a:cs typeface="Georgia"/>
+              </a:endParaRPr>
+            </a:p>
+          </p:txBody>
+        </p:sp>
+        <p:sp>
+          <p:nvSpPr>
+            <p:cNvPr id="11" name="TextBox 10"/>
+            <p:cNvSpPr txBox="1"/>
+            <p:nvPr/>
+          </p:nvSpPr>
+          <p:spPr>
+            <a:xfrm>
+              <a:off x="3289300" y="5785197"/>
               <a:ext cx="2032000" cy="692497"/>
             </a:xfrm>
             <a:prstGeom prst="rect">
@@ -5710,16 +5123,67 @@
             </a:p>
           </p:txBody>
         </p:sp>
+        <p:sp>
+          <p:nvSpPr>
+            <p:cNvPr id="97" name="TextBox 96"/>
+            <p:cNvSpPr txBox="1"/>
+            <p:nvPr/>
+          </p:nvSpPr>
+          <p:spPr>
+            <a:xfrm>
+              <a:off x="2997204" y="6299895"/>
+              <a:ext cx="2641600" cy="369332"/>
+            </a:xfrm>
+            <a:prstGeom prst="rect">
+              <a:avLst/>
+            </a:prstGeom>
+            <a:noFill/>
+          </p:spPr>
+          <p:txBody>
+            <a:bodyPr wrap="square" rtlCol="0">
+              <a:spAutoFit/>
+            </a:bodyPr>
+            <a:lstStyle/>
+            <a:p>
+              <a:pPr algn="ctr"/>
+              <a:r>
+                <a:rPr lang="en-US" sz="1800" dirty="0"/>
+                <a:t>f</a:t>
+              </a:r>
+              <a:r>
+                <a:rPr lang="en-US" sz="1800" dirty="0" smtClean="0"/>
+                <a:t>ast </a:t>
+              </a:r>
+              <a:r>
+                <a:rPr lang="en-US" sz="1800" dirty="0"/>
+                <a:t>c</a:t>
+              </a:r>
+              <a:r>
+                <a:rPr lang="en-US" sz="1800" dirty="0" smtClean="0"/>
+                <a:t>andidate </a:t>
+              </a:r>
+              <a:r>
+                <a:rPr lang="en-US" sz="1800" dirty="0"/>
+                <a:t>s</a:t>
+              </a:r>
+              <a:r>
+                <a:rPr lang="en-US" sz="1800" dirty="0" smtClean="0"/>
+                <a:t>earch</a:t>
+              </a:r>
+              <a:endParaRPr lang="en-US" sz="1800" dirty="0"/>
+            </a:p>
+          </p:txBody>
+        </p:sp>
       </p:grpSp>
       <p:grpSp>
         <p:nvGrpSpPr>
-          <p:cNvPr id="9" name="Group 8"/>
+          <p:cNvPr id="99" name="Group 98"/>
           <p:cNvGrpSpPr/>
           <p:nvPr/>
         </p:nvGrpSpPr>
         <p:grpSpPr>
           <a:xfrm>
-            <a:off x="3149600" y="5785197"/>
+            <a:off x="13335000" y="5702994"/>
             <a:ext cx="2298700" cy="952500"/>
             <a:chOff x="4191000" y="2908300"/>
             <a:chExt cx="2298700" cy="952500"/>
@@ -5727,7 +5191,7 @@
         </p:grpSpPr>
         <p:sp>
           <p:nvSpPr>
-            <p:cNvPr id="10" name="Rounded Rectangle 9"/>
+            <p:cNvPr id="100" name="Rounded Rectangle 99"/>
             <p:cNvSpPr/>
             <p:nvPr/>
           </p:nvSpPr>
@@ -5775,13 +5239,148 @@
         </p:sp>
         <p:sp>
           <p:nvSpPr>
-            <p:cNvPr id="11" name="TextBox 10"/>
+            <p:cNvPr id="101" name="TextBox 100"/>
             <p:cNvSpPr txBox="1"/>
             <p:nvPr/>
           </p:nvSpPr>
           <p:spPr>
             <a:xfrm>
-              <a:off x="4343400" y="3035300"/>
+              <a:off x="4318000" y="3004244"/>
+              <a:ext cx="2032000" cy="523220"/>
+            </a:xfrm>
+            <a:prstGeom prst="rect">
+              <a:avLst/>
+            </a:prstGeom>
+            <a:noFill/>
+          </p:spPr>
+          <p:txBody>
+            <a:bodyPr wrap="square" rtlCol="0">
+              <a:spAutoFit/>
+            </a:bodyPr>
+            <a:lstStyle/>
+            <a:p>
+              <a:pPr algn="ctr"/>
+              <a:r>
+                <a:rPr lang="en-US" sz="2800" dirty="0" err="1" smtClean="0">
+                  <a:latin typeface="Helvetica Neue"/>
+                  <a:cs typeface="Helvetica Neue"/>
+                </a:rPr>
+                <a:t>pplacer</a:t>
+              </a:r>
+              <a:endParaRPr lang="en-US" sz="2800" dirty="0">
+                <a:latin typeface="Helvetica Neue"/>
+                <a:cs typeface="Helvetica Neue"/>
+              </a:endParaRPr>
+            </a:p>
+          </p:txBody>
+        </p:sp>
+      </p:grpSp>
+      <p:sp>
+        <p:nvSpPr>
+          <p:cNvPr id="102" name="TextBox 101"/>
+          <p:cNvSpPr txBox="1"/>
+          <p:nvPr/>
+        </p:nvSpPr>
+        <p:spPr>
+          <a:xfrm>
+            <a:off x="13258800" y="6236394"/>
+            <a:ext cx="2463800" cy="338554"/>
+          </a:xfrm>
+          <a:prstGeom prst="rect">
+            <a:avLst/>
+          </a:prstGeom>
+          <a:noFill/>
+        </p:spPr>
+        <p:txBody>
+          <a:bodyPr wrap="square" rtlCol="0">
+            <a:spAutoFit/>
+          </a:bodyPr>
+          <a:lstStyle/>
+          <a:p>
+            <a:pPr algn="ctr"/>
+            <a:r>
+              <a:rPr lang="en-US" sz="1600" dirty="0"/>
+              <a:t>p</a:t>
+            </a:r>
+            <a:r>
+              <a:rPr lang="en-US" sz="1600" dirty="0" smtClean="0"/>
+              <a:t>hylogenetic placement</a:t>
+            </a:r>
+            <a:endParaRPr lang="en-US" sz="1600" dirty="0"/>
+          </a:p>
+        </p:txBody>
+      </p:sp>
+      <p:grpSp>
+        <p:nvGrpSpPr>
+          <p:cNvPr id="108" name="Group 107"/>
+          <p:cNvGrpSpPr/>
+          <p:nvPr/>
+        </p:nvGrpSpPr>
+        <p:grpSpPr>
+          <a:xfrm>
+            <a:off x="2984500" y="1938129"/>
+            <a:ext cx="2641600" cy="952500"/>
+            <a:chOff x="2997204" y="5785197"/>
+            <a:chExt cx="2641600" cy="952500"/>
+          </a:xfrm>
+        </p:grpSpPr>
+        <p:sp>
+          <p:nvSpPr>
+            <p:cNvPr id="109" name="Rounded Rectangle 108"/>
+            <p:cNvSpPr/>
+            <p:nvPr/>
+          </p:nvSpPr>
+          <p:spPr>
+            <a:xfrm>
+              <a:off x="3149600" y="5785197"/>
+              <a:ext cx="2298700" cy="952500"/>
+            </a:xfrm>
+            <a:prstGeom prst="roundRect">
+              <a:avLst/>
+            </a:prstGeom>
+            <a:noFill/>
+            <a:ln>
+              <a:solidFill>
+                <a:schemeClr val="tx1"/>
+              </a:solidFill>
+            </a:ln>
+            <a:effectLst/>
+          </p:spPr>
+          <p:style>
+            <a:lnRef idx="1">
+              <a:schemeClr val="accent1"/>
+            </a:lnRef>
+            <a:fillRef idx="3">
+              <a:schemeClr val="accent1"/>
+            </a:fillRef>
+            <a:effectRef idx="2">
+              <a:schemeClr val="accent1"/>
+            </a:effectRef>
+            <a:fontRef idx="minor">
+              <a:schemeClr val="lt1"/>
+            </a:fontRef>
+          </p:style>
+          <p:txBody>
+            <a:bodyPr rtlCol="0" anchor="ctr"/>
+            <a:lstStyle/>
+            <a:p>
+              <a:pPr algn="ctr"/>
+              <a:endParaRPr lang="en-US">
+                <a:latin typeface="Georgia"/>
+                <a:cs typeface="Georgia"/>
+              </a:endParaRPr>
+            </a:p>
+          </p:txBody>
+        </p:sp>
+        <p:sp>
+          <p:nvSpPr>
+            <p:cNvPr id="110" name="TextBox 109"/>
+            <p:cNvSpPr txBox="1"/>
+            <p:nvPr/>
+          </p:nvSpPr>
+          <p:spPr>
+            <a:xfrm>
+              <a:off x="3289300" y="5785197"/>
               <a:ext cx="2032000" cy="692497"/>
             </a:xfrm>
             <a:prstGeom prst="rect">
@@ -5810,7 +5409,737 @@
             </a:p>
           </p:txBody>
         </p:sp>
+        <p:sp>
+          <p:nvSpPr>
+            <p:cNvPr id="123" name="TextBox 122"/>
+            <p:cNvSpPr txBox="1"/>
+            <p:nvPr/>
+          </p:nvSpPr>
+          <p:spPr>
+            <a:xfrm>
+              <a:off x="2997204" y="6299895"/>
+              <a:ext cx="2641600" cy="369332"/>
+            </a:xfrm>
+            <a:prstGeom prst="rect">
+              <a:avLst/>
+            </a:prstGeom>
+            <a:noFill/>
+          </p:spPr>
+          <p:txBody>
+            <a:bodyPr wrap="square" rtlCol="0">
+              <a:spAutoFit/>
+            </a:bodyPr>
+            <a:lstStyle/>
+            <a:p>
+              <a:pPr algn="ctr"/>
+              <a:r>
+                <a:rPr lang="en-US" sz="1800" dirty="0"/>
+                <a:t>f</a:t>
+              </a:r>
+              <a:r>
+                <a:rPr lang="en-US" sz="1800" dirty="0" smtClean="0"/>
+                <a:t>ast </a:t>
+              </a:r>
+              <a:r>
+                <a:rPr lang="en-US" sz="1800" dirty="0"/>
+                <a:t>c</a:t>
+              </a:r>
+              <a:r>
+                <a:rPr lang="en-US" sz="1800" dirty="0" smtClean="0"/>
+                <a:t>andidate </a:t>
+              </a:r>
+              <a:r>
+                <a:rPr lang="en-US" sz="1800" dirty="0"/>
+                <a:t>s</a:t>
+              </a:r>
+              <a:r>
+                <a:rPr lang="en-US" sz="1800" dirty="0" smtClean="0"/>
+                <a:t>earch</a:t>
+              </a:r>
+              <a:endParaRPr lang="en-US" sz="1800" dirty="0"/>
+            </a:p>
+          </p:txBody>
+        </p:sp>
       </p:grpSp>
+      <p:grpSp>
+        <p:nvGrpSpPr>
+          <p:cNvPr id="124" name="Group 123"/>
+          <p:cNvGrpSpPr/>
+          <p:nvPr/>
+        </p:nvGrpSpPr>
+        <p:grpSpPr>
+          <a:xfrm>
+            <a:off x="2997204" y="7372022"/>
+            <a:ext cx="2641600" cy="952500"/>
+            <a:chOff x="2997204" y="5785197"/>
+            <a:chExt cx="2641600" cy="952500"/>
+          </a:xfrm>
+        </p:grpSpPr>
+        <p:sp>
+          <p:nvSpPr>
+            <p:cNvPr id="125" name="Rounded Rectangle 124"/>
+            <p:cNvSpPr/>
+            <p:nvPr/>
+          </p:nvSpPr>
+          <p:spPr>
+            <a:xfrm>
+              <a:off x="3149600" y="5785197"/>
+              <a:ext cx="2298700" cy="952500"/>
+            </a:xfrm>
+            <a:prstGeom prst="roundRect">
+              <a:avLst/>
+            </a:prstGeom>
+            <a:noFill/>
+            <a:ln>
+              <a:solidFill>
+                <a:schemeClr val="tx1"/>
+              </a:solidFill>
+            </a:ln>
+            <a:effectLst/>
+          </p:spPr>
+          <p:style>
+            <a:lnRef idx="1">
+              <a:schemeClr val="accent1"/>
+            </a:lnRef>
+            <a:fillRef idx="3">
+              <a:schemeClr val="accent1"/>
+            </a:fillRef>
+            <a:effectRef idx="2">
+              <a:schemeClr val="accent1"/>
+            </a:effectRef>
+            <a:fontRef idx="minor">
+              <a:schemeClr val="lt1"/>
+            </a:fontRef>
+          </p:style>
+          <p:txBody>
+            <a:bodyPr rtlCol="0" anchor="ctr"/>
+            <a:lstStyle/>
+            <a:p>
+              <a:pPr algn="ctr"/>
+              <a:endParaRPr lang="en-US">
+                <a:latin typeface="Georgia"/>
+                <a:cs typeface="Georgia"/>
+              </a:endParaRPr>
+            </a:p>
+          </p:txBody>
+        </p:sp>
+        <p:sp>
+          <p:nvSpPr>
+            <p:cNvPr id="126" name="TextBox 125"/>
+            <p:cNvSpPr txBox="1"/>
+            <p:nvPr/>
+          </p:nvSpPr>
+          <p:spPr>
+            <a:xfrm>
+              <a:off x="3289300" y="5785197"/>
+              <a:ext cx="2032000" cy="692497"/>
+            </a:xfrm>
+            <a:prstGeom prst="rect">
+              <a:avLst/>
+            </a:prstGeom>
+            <a:noFill/>
+            <a:ln>
+              <a:noFill/>
+            </a:ln>
+          </p:spPr>
+          <p:txBody>
+            <a:bodyPr wrap="square" rtlCol="0">
+              <a:spAutoFit/>
+            </a:bodyPr>
+            <a:lstStyle/>
+            <a:p>
+              <a:pPr algn="ctr"/>
+              <a:r>
+                <a:rPr lang="en-US" dirty="0" smtClean="0">
+                  <a:solidFill>
+                    <a:srgbClr val="7F7F7F"/>
+                  </a:solidFill>
+                  <a:latin typeface="Helvetica Neue"/>
+                  <a:cs typeface="Helvetica Neue"/>
+                </a:rPr>
+                <a:t>LAST</a:t>
+              </a:r>
+              <a:endParaRPr lang="en-US" dirty="0">
+                <a:solidFill>
+                  <a:srgbClr val="7F7F7F"/>
+                </a:solidFill>
+                <a:latin typeface="Helvetica Neue"/>
+                <a:cs typeface="Helvetica Neue"/>
+              </a:endParaRPr>
+            </a:p>
+          </p:txBody>
+        </p:sp>
+        <p:sp>
+          <p:nvSpPr>
+            <p:cNvPr id="127" name="TextBox 126"/>
+            <p:cNvSpPr txBox="1"/>
+            <p:nvPr/>
+          </p:nvSpPr>
+          <p:spPr>
+            <a:xfrm>
+              <a:off x="2997204" y="6299895"/>
+              <a:ext cx="2641600" cy="369332"/>
+            </a:xfrm>
+            <a:prstGeom prst="rect">
+              <a:avLst/>
+            </a:prstGeom>
+            <a:noFill/>
+            <a:ln>
+              <a:noFill/>
+            </a:ln>
+          </p:spPr>
+          <p:txBody>
+            <a:bodyPr wrap="square" rtlCol="0">
+              <a:spAutoFit/>
+            </a:bodyPr>
+            <a:lstStyle/>
+            <a:p>
+              <a:pPr algn="ctr"/>
+              <a:r>
+                <a:rPr lang="en-US" sz="1800" dirty="0">
+                  <a:solidFill>
+                    <a:srgbClr val="7F7F7F"/>
+                  </a:solidFill>
+                </a:rPr>
+                <a:t>f</a:t>
+              </a:r>
+              <a:r>
+                <a:rPr lang="en-US" sz="1800" dirty="0" smtClean="0">
+                  <a:solidFill>
+                    <a:srgbClr val="7F7F7F"/>
+                  </a:solidFill>
+                </a:rPr>
+                <a:t>ast </a:t>
+              </a:r>
+              <a:r>
+                <a:rPr lang="en-US" sz="1800" dirty="0">
+                  <a:solidFill>
+                    <a:srgbClr val="7F7F7F"/>
+                  </a:solidFill>
+                </a:rPr>
+                <a:t>c</a:t>
+              </a:r>
+              <a:r>
+                <a:rPr lang="en-US" sz="1800" dirty="0" smtClean="0">
+                  <a:solidFill>
+                    <a:srgbClr val="7F7F7F"/>
+                  </a:solidFill>
+                </a:rPr>
+                <a:t>andidate </a:t>
+              </a:r>
+              <a:r>
+                <a:rPr lang="en-US" sz="1800" dirty="0">
+                  <a:solidFill>
+                    <a:srgbClr val="7F7F7F"/>
+                  </a:solidFill>
+                </a:rPr>
+                <a:t>s</a:t>
+              </a:r>
+              <a:r>
+                <a:rPr lang="en-US" sz="1800" dirty="0" smtClean="0">
+                  <a:solidFill>
+                    <a:srgbClr val="7F7F7F"/>
+                  </a:solidFill>
+                </a:rPr>
+                <a:t>earch</a:t>
+              </a:r>
+              <a:endParaRPr lang="en-US" sz="1800" dirty="0">
+                <a:solidFill>
+                  <a:srgbClr val="7F7F7F"/>
+                </a:solidFill>
+              </a:endParaRPr>
+            </a:p>
+          </p:txBody>
+        </p:sp>
+      </p:grpSp>
+      <p:sp>
+        <p:nvSpPr>
+          <p:cNvPr id="129" name="TextBox 128"/>
+          <p:cNvSpPr txBox="1"/>
+          <p:nvPr/>
+        </p:nvSpPr>
+        <p:spPr>
+          <a:xfrm>
+            <a:off x="2997204" y="3540741"/>
+            <a:ext cx="2641600" cy="369332"/>
+          </a:xfrm>
+          <a:prstGeom prst="rect">
+            <a:avLst/>
+          </a:prstGeom>
+          <a:noFill/>
+        </p:spPr>
+        <p:txBody>
+          <a:bodyPr wrap="square" rtlCol="0">
+            <a:spAutoFit/>
+          </a:bodyPr>
+          <a:lstStyle/>
+          <a:p>
+            <a:pPr algn="ctr"/>
+            <a:r>
+              <a:rPr lang="en-US" sz="1800" dirty="0"/>
+              <a:t>f</a:t>
+            </a:r>
+            <a:r>
+              <a:rPr lang="en-US" sz="1800" dirty="0" smtClean="0"/>
+              <a:t>ast </a:t>
+            </a:r>
+            <a:r>
+              <a:rPr lang="en-US" sz="1800" dirty="0"/>
+              <a:t>c</a:t>
+            </a:r>
+            <a:r>
+              <a:rPr lang="en-US" sz="1800" dirty="0" smtClean="0"/>
+              <a:t>andidate </a:t>
+            </a:r>
+            <a:r>
+              <a:rPr lang="en-US" sz="1800" dirty="0"/>
+              <a:t>s</a:t>
+            </a:r>
+            <a:r>
+              <a:rPr lang="en-US" sz="1800" dirty="0" smtClean="0"/>
+              <a:t>earch</a:t>
+            </a:r>
+            <a:endParaRPr lang="en-US" sz="1800" dirty="0"/>
+          </a:p>
+        </p:txBody>
+      </p:sp>
+      <p:grpSp>
+        <p:nvGrpSpPr>
+          <p:cNvPr id="48" name="Group 47"/>
+          <p:cNvGrpSpPr/>
+          <p:nvPr/>
+        </p:nvGrpSpPr>
+        <p:grpSpPr>
+          <a:xfrm>
+            <a:off x="10020300" y="5785197"/>
+            <a:ext cx="2311400" cy="952500"/>
+            <a:chOff x="10020300" y="5785197"/>
+            <a:chExt cx="2311400" cy="952500"/>
+          </a:xfrm>
+        </p:grpSpPr>
+        <p:sp>
+          <p:nvSpPr>
+            <p:cNvPr id="25" name="Rounded Rectangle 24"/>
+            <p:cNvSpPr/>
+            <p:nvPr/>
+          </p:nvSpPr>
+          <p:spPr>
+            <a:xfrm>
+              <a:off x="10020300" y="5785197"/>
+              <a:ext cx="2298700" cy="952500"/>
+            </a:xfrm>
+            <a:prstGeom prst="roundRect">
+              <a:avLst/>
+            </a:prstGeom>
+            <a:noFill/>
+            <a:ln>
+              <a:solidFill>
+                <a:schemeClr val="tx1"/>
+              </a:solidFill>
+            </a:ln>
+            <a:effectLst/>
+          </p:spPr>
+          <p:style>
+            <a:lnRef idx="1">
+              <a:schemeClr val="accent1"/>
+            </a:lnRef>
+            <a:fillRef idx="3">
+              <a:schemeClr val="accent1"/>
+            </a:fillRef>
+            <a:effectRef idx="2">
+              <a:schemeClr val="accent1"/>
+            </a:effectRef>
+            <a:fontRef idx="minor">
+              <a:schemeClr val="lt1"/>
+            </a:fontRef>
+          </p:style>
+          <p:txBody>
+            <a:bodyPr rtlCol="0" anchor="ctr"/>
+            <a:lstStyle/>
+            <a:p>
+              <a:pPr algn="ctr"/>
+              <a:endParaRPr lang="en-US">
+                <a:latin typeface="Georgia"/>
+                <a:cs typeface="Georgia"/>
+              </a:endParaRPr>
+            </a:p>
+          </p:txBody>
+        </p:sp>
+        <p:sp>
+          <p:nvSpPr>
+            <p:cNvPr id="26" name="TextBox 25"/>
+            <p:cNvSpPr txBox="1"/>
+            <p:nvPr/>
+          </p:nvSpPr>
+          <p:spPr>
+            <a:xfrm>
+              <a:off x="10134600" y="5867400"/>
+              <a:ext cx="2032000" cy="553998"/>
+            </a:xfrm>
+            <a:prstGeom prst="rect">
+              <a:avLst/>
+            </a:prstGeom>
+            <a:noFill/>
+          </p:spPr>
+          <p:txBody>
+            <a:bodyPr wrap="square" rtlCol="0">
+              <a:spAutoFit/>
+            </a:bodyPr>
+            <a:lstStyle/>
+            <a:p>
+              <a:pPr algn="ctr"/>
+              <a:r>
+                <a:rPr lang="en-US" sz="3000" dirty="0" err="1" smtClean="0">
+                  <a:latin typeface="Helvetica Neue"/>
+                  <a:cs typeface="Helvetica Neue"/>
+                </a:rPr>
+                <a:t>hmmalign</a:t>
+              </a:r>
+              <a:endParaRPr lang="en-US" sz="3000" dirty="0">
+                <a:latin typeface="Helvetica Neue"/>
+                <a:cs typeface="Helvetica Neue"/>
+              </a:endParaRPr>
+            </a:p>
+          </p:txBody>
+        </p:sp>
+        <p:sp>
+          <p:nvSpPr>
+            <p:cNvPr id="130" name="TextBox 129"/>
+            <p:cNvSpPr txBox="1"/>
+            <p:nvPr/>
+          </p:nvSpPr>
+          <p:spPr>
+            <a:xfrm>
+              <a:off x="10020300" y="6314082"/>
+              <a:ext cx="2311400" cy="369332"/>
+            </a:xfrm>
+            <a:prstGeom prst="rect">
+              <a:avLst/>
+            </a:prstGeom>
+            <a:noFill/>
+          </p:spPr>
+          <p:txBody>
+            <a:bodyPr wrap="square" rtlCol="0">
+              <a:spAutoFit/>
+            </a:bodyPr>
+            <a:lstStyle/>
+            <a:p>
+              <a:pPr algn="ctr"/>
+              <a:r>
+                <a:rPr lang="en-US" sz="1800" dirty="0" smtClean="0"/>
+                <a:t>multiple alignment</a:t>
+              </a:r>
+              <a:endParaRPr lang="en-US" sz="1800" dirty="0"/>
+            </a:p>
+          </p:txBody>
+        </p:sp>
+      </p:grpSp>
+      <p:grpSp>
+        <p:nvGrpSpPr>
+          <p:cNvPr id="131" name="Group 130"/>
+          <p:cNvGrpSpPr/>
+          <p:nvPr/>
+        </p:nvGrpSpPr>
+        <p:grpSpPr>
+          <a:xfrm>
+            <a:off x="10007600" y="7410470"/>
+            <a:ext cx="2311400" cy="952500"/>
+            <a:chOff x="10020300" y="5785197"/>
+            <a:chExt cx="2311400" cy="952500"/>
+          </a:xfrm>
+        </p:grpSpPr>
+        <p:sp>
+          <p:nvSpPr>
+            <p:cNvPr id="132" name="Rounded Rectangle 131"/>
+            <p:cNvSpPr/>
+            <p:nvPr/>
+          </p:nvSpPr>
+          <p:spPr>
+            <a:xfrm>
+              <a:off x="10020300" y="5785197"/>
+              <a:ext cx="2298700" cy="952500"/>
+            </a:xfrm>
+            <a:prstGeom prst="roundRect">
+              <a:avLst/>
+            </a:prstGeom>
+            <a:noFill/>
+            <a:ln>
+              <a:solidFill>
+                <a:schemeClr val="tx1"/>
+              </a:solidFill>
+            </a:ln>
+            <a:effectLst/>
+          </p:spPr>
+          <p:style>
+            <a:lnRef idx="1">
+              <a:schemeClr val="accent1"/>
+            </a:lnRef>
+            <a:fillRef idx="3">
+              <a:schemeClr val="accent1"/>
+            </a:fillRef>
+            <a:effectRef idx="2">
+              <a:schemeClr val="accent1"/>
+            </a:effectRef>
+            <a:fontRef idx="minor">
+              <a:schemeClr val="lt1"/>
+            </a:fontRef>
+          </p:style>
+          <p:txBody>
+            <a:bodyPr rtlCol="0" anchor="ctr"/>
+            <a:lstStyle/>
+            <a:p>
+              <a:pPr algn="ctr"/>
+              <a:endParaRPr lang="en-US">
+                <a:latin typeface="Georgia"/>
+                <a:cs typeface="Georgia"/>
+              </a:endParaRPr>
+            </a:p>
+          </p:txBody>
+        </p:sp>
+        <p:sp>
+          <p:nvSpPr>
+            <p:cNvPr id="133" name="TextBox 132"/>
+            <p:cNvSpPr txBox="1"/>
+            <p:nvPr/>
+          </p:nvSpPr>
+          <p:spPr>
+            <a:xfrm>
+              <a:off x="10134600" y="5867400"/>
+              <a:ext cx="2032000" cy="553998"/>
+            </a:xfrm>
+            <a:prstGeom prst="rect">
+              <a:avLst/>
+            </a:prstGeom>
+            <a:noFill/>
+          </p:spPr>
+          <p:txBody>
+            <a:bodyPr wrap="square" rtlCol="0">
+              <a:spAutoFit/>
+            </a:bodyPr>
+            <a:lstStyle/>
+            <a:p>
+              <a:pPr algn="ctr"/>
+              <a:r>
+                <a:rPr lang="en-US" sz="3000" dirty="0" err="1" smtClean="0">
+                  <a:solidFill>
+                    <a:srgbClr val="7F7F7F"/>
+                  </a:solidFill>
+                  <a:latin typeface="Helvetica Neue"/>
+                  <a:cs typeface="Helvetica Neue"/>
+                </a:rPr>
+                <a:t>hmmalign</a:t>
+              </a:r>
+              <a:endParaRPr lang="en-US" sz="3000" dirty="0">
+                <a:solidFill>
+                  <a:srgbClr val="7F7F7F"/>
+                </a:solidFill>
+                <a:latin typeface="Helvetica Neue"/>
+                <a:cs typeface="Helvetica Neue"/>
+              </a:endParaRPr>
+            </a:p>
+          </p:txBody>
+        </p:sp>
+        <p:sp>
+          <p:nvSpPr>
+            <p:cNvPr id="134" name="TextBox 133"/>
+            <p:cNvSpPr txBox="1"/>
+            <p:nvPr/>
+          </p:nvSpPr>
+          <p:spPr>
+            <a:xfrm>
+              <a:off x="10020300" y="6314082"/>
+              <a:ext cx="2311400" cy="369332"/>
+            </a:xfrm>
+            <a:prstGeom prst="rect">
+              <a:avLst/>
+            </a:prstGeom>
+            <a:noFill/>
+          </p:spPr>
+          <p:txBody>
+            <a:bodyPr wrap="square" rtlCol="0">
+              <a:spAutoFit/>
+            </a:bodyPr>
+            <a:lstStyle/>
+            <a:p>
+              <a:pPr algn="ctr"/>
+              <a:r>
+                <a:rPr lang="en-US" sz="1800" dirty="0" smtClean="0">
+                  <a:solidFill>
+                    <a:srgbClr val="7F7F7F"/>
+                  </a:solidFill>
+                </a:rPr>
+                <a:t>multiple alignment</a:t>
+              </a:r>
+              <a:endParaRPr lang="en-US" sz="1800" dirty="0">
+                <a:solidFill>
+                  <a:srgbClr val="7F7F7F"/>
+                </a:solidFill>
+              </a:endParaRPr>
+            </a:p>
+          </p:txBody>
+        </p:sp>
+      </p:grpSp>
+    </p:spTree>
+    <p:extLst>
+      <p:ext uri="{BB962C8B-B14F-4D97-AF65-F5344CB8AC3E}">
+        <p14:creationId xmlns:p14="http://schemas.microsoft.com/office/powerpoint/2010/main" val="301232619"/>
+      </p:ext>
+    </p:extLst>
+  </p:cSld>
+  <p:clrMapOvr>
+    <a:masterClrMapping/>
+  </p:clrMapOvr>
+  <p:timing>
+    <p:tnLst>
+      <p:par>
+        <p:cTn xmlns:p14="http://schemas.microsoft.com/office/powerpoint/2010/main" id="1" dur="indefinite" restart="never" nodeType="tmRoot"/>
+      </p:par>
+    </p:tnLst>
+  </p:timing>
+</p:sld>
+</file>
+
+<file path=ppt/slides/slide2.xml><?xml version="1.0" encoding="utf-8"?>
+<p:sld xmlns:a="http://schemas.openxmlformats.org/drawingml/2006/main" xmlns:r="http://schemas.openxmlformats.org/officeDocument/2006/relationships" xmlns:p="http://schemas.openxmlformats.org/presentationml/2006/main">
+  <p:cSld>
+    <p:spTree>
+      <p:nvGrpSpPr>
+        <p:cNvPr id="1" name=""/>
+        <p:cNvGrpSpPr/>
+        <p:nvPr/>
+      </p:nvGrpSpPr>
+      <p:grpSpPr>
+        <a:xfrm>
+          <a:off x="0" y="0"/>
+          <a:ext cx="0" cy="0"/>
+          <a:chOff x="0" y="0"/>
+          <a:chExt cx="0" cy="0"/>
+        </a:xfrm>
+      </p:grpSpPr>
+      <p:pic>
+        <p:nvPicPr>
+          <p:cNvPr id="84" name="Picture 83" descr="octopus_2_lg.gif"/>
+          <p:cNvPicPr>
+            <a:picLocks noChangeAspect="1"/>
+          </p:cNvPicPr>
+          <p:nvPr/>
+        </p:nvPicPr>
+        <p:blipFill>
+          <a:blip r:embed="rId2">
+            <a:extLst>
+              <a:ext uri="{28A0092B-C50C-407E-A947-70E740481C1C}">
+                <a14:useLocalDpi xmlns:a14="http://schemas.microsoft.com/office/drawing/2010/main" val="0"/>
+              </a:ext>
+            </a:extLst>
+          </a:blip>
+          <a:stretch>
+            <a:fillRect/>
+          </a:stretch>
+        </p:blipFill>
+        <p:spPr>
+          <a:xfrm>
+            <a:off x="1890983" y="6297697"/>
+            <a:ext cx="1030017" cy="778399"/>
+          </a:xfrm>
+          <a:prstGeom prst="rect">
+            <a:avLst/>
+          </a:prstGeom>
+        </p:spPr>
+      </p:pic>
+      <p:sp>
+        <p:nvSpPr>
+          <p:cNvPr id="76" name="Rectangle 75"/>
+          <p:cNvSpPr/>
+          <p:nvPr/>
+        </p:nvSpPr>
+        <p:spPr>
+          <a:xfrm>
+            <a:off x="1562100" y="4660899"/>
+            <a:ext cx="11772900" cy="3784601"/>
+          </a:xfrm>
+          <a:prstGeom prst="rect">
+            <a:avLst/>
+          </a:prstGeom>
+          <a:solidFill>
+            <a:srgbClr val="CA1E00">
+              <a:alpha val="5000"/>
+            </a:srgbClr>
+          </a:solidFill>
+          <a:ln>
+            <a:noFill/>
+          </a:ln>
+          <a:effectLst/>
+        </p:spPr>
+        <p:style>
+          <a:lnRef idx="1">
+            <a:schemeClr val="accent1"/>
+          </a:lnRef>
+          <a:fillRef idx="3">
+            <a:schemeClr val="accent1"/>
+          </a:fillRef>
+          <a:effectRef idx="2">
+            <a:schemeClr val="accent1"/>
+          </a:effectRef>
+          <a:fontRef idx="minor">
+            <a:schemeClr val="lt1"/>
+          </a:fontRef>
+        </p:style>
+        <p:txBody>
+          <a:bodyPr rtlCol="0" anchor="ctr"/>
+          <a:lstStyle/>
+          <a:p>
+            <a:pPr algn="ctr"/>
+            <a:endParaRPr lang="en-US"/>
+          </a:p>
+        </p:txBody>
+      </p:sp>
+      <p:sp>
+        <p:nvSpPr>
+          <p:cNvPr id="68" name="Rectangle 67"/>
+          <p:cNvSpPr/>
+          <p:nvPr/>
+        </p:nvSpPr>
+        <p:spPr>
+          <a:xfrm>
+            <a:off x="1562100" y="1663700"/>
+            <a:ext cx="11772900" cy="2794000"/>
+          </a:xfrm>
+          <a:prstGeom prst="rect">
+            <a:avLst/>
+          </a:prstGeom>
+          <a:solidFill>
+            <a:srgbClr val="CA1E00">
+              <a:alpha val="5000"/>
+            </a:srgbClr>
+          </a:solidFill>
+          <a:ln>
+            <a:noFill/>
+          </a:ln>
+          <a:effectLst/>
+        </p:spPr>
+        <p:style>
+          <a:lnRef idx="1">
+            <a:schemeClr val="accent1"/>
+          </a:lnRef>
+          <a:fillRef idx="3">
+            <a:schemeClr val="accent1"/>
+          </a:fillRef>
+          <a:effectRef idx="2">
+            <a:schemeClr val="accent1"/>
+          </a:effectRef>
+          <a:fontRef idx="minor">
+            <a:schemeClr val="lt1"/>
+          </a:fontRef>
+        </p:style>
+        <p:txBody>
+          <a:bodyPr rtlCol="0" anchor="ctr"/>
+          <a:lstStyle/>
+          <a:p>
+            <a:pPr algn="ctr"/>
+            <a:endParaRPr lang="en-US"/>
+          </a:p>
+        </p:txBody>
+      </p:sp>
       <p:grpSp>
         <p:nvGrpSpPr>
           <p:cNvPr id="12" name="Group 11"/>
@@ -5819,10 +6148,10 @@
         </p:nvGrpSpPr>
         <p:grpSpPr>
           <a:xfrm>
-            <a:off x="3149600" y="3022600"/>
-            <a:ext cx="2298700" cy="952500"/>
-            <a:chOff x="4191000" y="2908300"/>
-            <a:chExt cx="2298700" cy="952500"/>
+            <a:off x="3149600" y="2997200"/>
+            <a:ext cx="2298700" cy="977900"/>
+            <a:chOff x="4191000" y="2882900"/>
+            <a:chExt cx="2298700" cy="977900"/>
           </a:xfrm>
         </p:grpSpPr>
         <p:sp>
@@ -5881,7 +6210,7 @@
           </p:nvSpPr>
           <p:spPr>
             <a:xfrm>
-              <a:off x="4343400" y="3035300"/>
+              <a:off x="4343400" y="2882900"/>
               <a:ext cx="2032000" cy="692497"/>
             </a:xfrm>
             <a:prstGeom prst="rect">
@@ -5919,7 +6248,7 @@
         </p:nvGrpSpPr>
         <p:grpSpPr>
           <a:xfrm>
-            <a:off x="6756400" y="2546350"/>
+            <a:off x="6629400" y="3018314"/>
             <a:ext cx="2298700" cy="952500"/>
             <a:chOff x="4191000" y="2908300"/>
             <a:chExt cx="2298700" cy="952500"/>
@@ -5981,7 +6310,7 @@
           </p:nvSpPr>
           <p:spPr>
             <a:xfrm>
-              <a:off x="4368800" y="3079750"/>
+              <a:off x="4368800" y="3028950"/>
               <a:ext cx="2032000" cy="553998"/>
             </a:xfrm>
             <a:prstGeom prst="rect">
@@ -5997,18 +6326,11 @@
             <a:p>
               <a:pPr algn="ctr"/>
               <a:r>
-                <a:rPr lang="en-US" sz="3000" dirty="0" err="1">
+                <a:rPr lang="en-US" sz="3000" dirty="0" smtClean="0">
                   <a:latin typeface="Helvetica Neue"/>
                   <a:cs typeface="Helvetica Neue"/>
                 </a:rPr>
-                <a:t>c</a:t>
-              </a:r>
-              <a:r>
-                <a:rPr lang="en-US" sz="3000" dirty="0" err="1" smtClean="0">
-                  <a:latin typeface="Helvetica Neue"/>
-                  <a:cs typeface="Helvetica Neue"/>
-                </a:rPr>
-                <a:t>mAlign</a:t>
+                <a:t>Infernal</a:t>
               </a:r>
               <a:endParaRPr lang="en-US" sz="3000" dirty="0">
                 <a:latin typeface="Helvetica Neue"/>
@@ -6108,209 +6430,9 @@
                   <a:latin typeface="Helvetica Neue"/>
                   <a:cs typeface="Helvetica Neue"/>
                 </a:rPr>
-                <a:t>HMMsearch</a:t>
+                <a:t>hmmsearch</a:t>
               </a:r>
               <a:endParaRPr lang="en-US" sz="2600" dirty="0">
-                <a:latin typeface="Helvetica Neue"/>
-                <a:cs typeface="Helvetica Neue"/>
-              </a:endParaRPr>
-            </a:p>
-          </p:txBody>
-        </p:sp>
-      </p:grpSp>
-      <p:grpSp>
-        <p:nvGrpSpPr>
-          <p:cNvPr id="21" name="Group 20"/>
-          <p:cNvGrpSpPr/>
-          <p:nvPr/>
-        </p:nvGrpSpPr>
-        <p:grpSpPr>
-          <a:xfrm>
-            <a:off x="13398500" y="5708997"/>
-            <a:ext cx="2298700" cy="952500"/>
-            <a:chOff x="4191000" y="2908300"/>
-            <a:chExt cx="2298700" cy="952500"/>
-          </a:xfrm>
-        </p:grpSpPr>
-        <p:sp>
-          <p:nvSpPr>
-            <p:cNvPr id="22" name="Rounded Rectangle 21"/>
-            <p:cNvSpPr/>
-            <p:nvPr/>
-          </p:nvSpPr>
-          <p:spPr>
-            <a:xfrm>
-              <a:off x="4191000" y="2908300"/>
-              <a:ext cx="2298700" cy="952500"/>
-            </a:xfrm>
-            <a:prstGeom prst="roundRect">
-              <a:avLst/>
-            </a:prstGeom>
-            <a:noFill/>
-            <a:ln>
-              <a:solidFill>
-                <a:schemeClr val="tx1"/>
-              </a:solidFill>
-            </a:ln>
-            <a:effectLst/>
-          </p:spPr>
-          <p:style>
-            <a:lnRef idx="1">
-              <a:schemeClr val="accent1"/>
-            </a:lnRef>
-            <a:fillRef idx="3">
-              <a:schemeClr val="accent1"/>
-            </a:fillRef>
-            <a:effectRef idx="2">
-              <a:schemeClr val="accent1"/>
-            </a:effectRef>
-            <a:fontRef idx="minor">
-              <a:schemeClr val="lt1"/>
-            </a:fontRef>
-          </p:style>
-          <p:txBody>
-            <a:bodyPr rtlCol="0" anchor="ctr"/>
-            <a:lstStyle/>
-            <a:p>
-              <a:pPr algn="ctr"/>
-              <a:endParaRPr lang="en-US">
-                <a:latin typeface="Georgia"/>
-                <a:cs typeface="Georgia"/>
-              </a:endParaRPr>
-            </a:p>
-          </p:txBody>
-        </p:sp>
-        <p:sp>
-          <p:nvSpPr>
-            <p:cNvPr id="23" name="TextBox 22"/>
-            <p:cNvSpPr txBox="1"/>
-            <p:nvPr/>
-          </p:nvSpPr>
-          <p:spPr>
-            <a:xfrm>
-              <a:off x="4343400" y="3035300"/>
-              <a:ext cx="2032000" cy="692497"/>
-            </a:xfrm>
-            <a:prstGeom prst="rect">
-              <a:avLst/>
-            </a:prstGeom>
-            <a:noFill/>
-          </p:spPr>
-          <p:txBody>
-            <a:bodyPr wrap="square" rtlCol="0">
-              <a:spAutoFit/>
-            </a:bodyPr>
-            <a:lstStyle/>
-            <a:p>
-              <a:pPr algn="ctr"/>
-              <a:r>
-                <a:rPr lang="en-US" dirty="0" err="1" smtClean="0">
-                  <a:latin typeface="Helvetica Neue"/>
-                  <a:cs typeface="Helvetica Neue"/>
-                </a:rPr>
-                <a:t>pplacer</a:t>
-              </a:r>
-              <a:endParaRPr lang="en-US" dirty="0">
-                <a:latin typeface="Helvetica Neue"/>
-                <a:cs typeface="Helvetica Neue"/>
-              </a:endParaRPr>
-            </a:p>
-          </p:txBody>
-        </p:sp>
-      </p:grpSp>
-      <p:grpSp>
-        <p:nvGrpSpPr>
-          <p:cNvPr id="24" name="Group 23"/>
-          <p:cNvGrpSpPr/>
-          <p:nvPr/>
-        </p:nvGrpSpPr>
-        <p:grpSpPr>
-          <a:xfrm>
-            <a:off x="10020300" y="5785197"/>
-            <a:ext cx="2298700" cy="952500"/>
-            <a:chOff x="4191000" y="2908300"/>
-            <a:chExt cx="2298700" cy="952500"/>
-          </a:xfrm>
-        </p:grpSpPr>
-        <p:sp>
-          <p:nvSpPr>
-            <p:cNvPr id="25" name="Rounded Rectangle 24"/>
-            <p:cNvSpPr/>
-            <p:nvPr/>
-          </p:nvSpPr>
-          <p:spPr>
-            <a:xfrm>
-              <a:off x="4191000" y="2908300"/>
-              <a:ext cx="2298700" cy="952500"/>
-            </a:xfrm>
-            <a:prstGeom prst="roundRect">
-              <a:avLst/>
-            </a:prstGeom>
-            <a:noFill/>
-            <a:ln>
-              <a:solidFill>
-                <a:schemeClr val="tx1"/>
-              </a:solidFill>
-            </a:ln>
-            <a:effectLst/>
-          </p:spPr>
-          <p:style>
-            <a:lnRef idx="1">
-              <a:schemeClr val="accent1"/>
-            </a:lnRef>
-            <a:fillRef idx="3">
-              <a:schemeClr val="accent1"/>
-            </a:fillRef>
-            <a:effectRef idx="2">
-              <a:schemeClr val="accent1"/>
-            </a:effectRef>
-            <a:fontRef idx="minor">
-              <a:schemeClr val="lt1"/>
-            </a:fontRef>
-          </p:style>
-          <p:txBody>
-            <a:bodyPr rtlCol="0" anchor="ctr"/>
-            <a:lstStyle/>
-            <a:p>
-              <a:pPr algn="ctr"/>
-              <a:endParaRPr lang="en-US">
-                <a:latin typeface="Georgia"/>
-                <a:cs typeface="Georgia"/>
-              </a:endParaRPr>
-            </a:p>
-          </p:txBody>
-        </p:sp>
-        <p:sp>
-          <p:nvSpPr>
-            <p:cNvPr id="26" name="TextBox 25"/>
-            <p:cNvSpPr txBox="1"/>
-            <p:nvPr/>
-          </p:nvSpPr>
-          <p:spPr>
-            <a:xfrm>
-              <a:off x="4305300" y="3092103"/>
-              <a:ext cx="2032000" cy="553998"/>
-            </a:xfrm>
-            <a:prstGeom prst="rect">
-              <a:avLst/>
-            </a:prstGeom>
-            <a:noFill/>
-          </p:spPr>
-          <p:txBody>
-            <a:bodyPr wrap="square" rtlCol="0">
-              <a:spAutoFit/>
-            </a:bodyPr>
-            <a:lstStyle/>
-            <a:p>
-              <a:pPr algn="ctr"/>
-              <a:r>
-                <a:rPr lang="en-US" sz="3000" dirty="0" err="1" smtClean="0">
-                  <a:latin typeface="Helvetica Neue"/>
-                  <a:cs typeface="Helvetica Neue"/>
-                </a:rPr>
-                <a:t>HMMalign</a:t>
-              </a:r>
-              <a:endParaRPr lang="en-US" sz="3000" dirty="0">
                 <a:latin typeface="Helvetica Neue"/>
                 <a:cs typeface="Helvetica Neue"/>
               </a:endParaRPr>
@@ -6480,15 +6602,13 @@
       <p:cxnSp>
         <p:nvCxnSpPr>
           <p:cNvPr id="53" name="Straight Arrow Connector 52"/>
-          <p:cNvCxnSpPr>
-            <a:stCxn id="6" idx="3"/>
-          </p:cNvCxnSpPr>
+          <p:cNvCxnSpPr/>
           <p:nvPr/>
         </p:nvCxnSpPr>
         <p:spPr>
           <a:xfrm>
             <a:off x="5448300" y="2393950"/>
-            <a:ext cx="1193800" cy="476250"/>
+            <a:ext cx="1066800" cy="0"/>
           </a:xfrm>
           <a:prstGeom prst="straightConnector1">
             <a:avLst/>
@@ -6526,8 +6646,8 @@
         </p:nvCxnSpPr>
         <p:spPr>
           <a:xfrm flipV="1">
-            <a:off x="5448300" y="3022600"/>
-            <a:ext cx="1193800" cy="476250"/>
+            <a:off x="5448300" y="3494564"/>
+            <a:ext cx="1066800" cy="4286"/>
           </a:xfrm>
           <a:prstGeom prst="straightConnector1">
             <a:avLst/>
@@ -6565,13 +6685,11 @@
         </p:nvCxnSpPr>
         <p:spPr>
           <a:xfrm>
-            <a:off x="9055100" y="3022600"/>
-            <a:ext cx="5441950" cy="2641600"/>
-          </a:xfrm>
-          <a:prstGeom prst="bentConnector3">
-            <a:avLst>
-              <a:gd name="adj1" fmla="val 99708"/>
-            </a:avLst>
+            <a:off x="8928100" y="3494564"/>
+            <a:ext cx="5619750" cy="2214433"/>
+          </a:xfrm>
+          <a:prstGeom prst="bentConnector2">
+            <a:avLst/>
           </a:prstGeom>
           <a:ln w="50800">
             <a:solidFill>
@@ -6579,6 +6697,7 @@
             </a:solidFill>
             <a:tailEnd type="triangle" w="lg" len="med"/>
           </a:ln>
+          <a:effectLst/>
         </p:spPr>
         <p:style>
           <a:lnRef idx="2">
@@ -6607,485 +6726,6 @@
           <a:xfrm>
             <a:off x="5448300" y="6261447"/>
             <a:ext cx="1054100" cy="0"/>
-          </a:xfrm>
-          <a:prstGeom prst="straightConnector1">
-            <a:avLst/>
-          </a:prstGeom>
-          <a:ln w="50800">
-            <a:solidFill>
-              <a:schemeClr val="tx1"/>
-            </a:solidFill>
-            <a:tailEnd type="triangle" w="lg" len="med"/>
-          </a:ln>
-        </p:spPr>
-        <p:style>
-          <a:lnRef idx="2">
-            <a:schemeClr val="accent1"/>
-          </a:lnRef>
-          <a:fillRef idx="0">
-            <a:schemeClr val="accent1"/>
-          </a:fillRef>
-          <a:effectRef idx="1">
-            <a:schemeClr val="accent1"/>
-          </a:effectRef>
-          <a:fontRef idx="minor">
-            <a:schemeClr val="tx1"/>
-          </a:fontRef>
-        </p:style>
-      </p:cxnSp>
-      <p:cxnSp>
-        <p:nvCxnSpPr>
-          <p:cNvPr id="63" name="Straight Arrow Connector 62"/>
-          <p:cNvCxnSpPr>
-            <a:stCxn id="19" idx="3"/>
-          </p:cNvCxnSpPr>
-          <p:nvPr/>
-        </p:nvCxnSpPr>
-        <p:spPr>
-          <a:xfrm>
-            <a:off x="8940800" y="6261447"/>
-            <a:ext cx="952500" cy="0"/>
-          </a:xfrm>
-          <a:prstGeom prst="straightConnector1">
-            <a:avLst/>
-          </a:prstGeom>
-          <a:ln w="50800">
-            <a:solidFill>
-              <a:schemeClr val="tx1"/>
-            </a:solidFill>
-            <a:tailEnd type="triangle" w="lg" len="med"/>
-          </a:ln>
-        </p:spPr>
-        <p:style>
-          <a:lnRef idx="2">
-            <a:schemeClr val="accent1"/>
-          </a:lnRef>
-          <a:fillRef idx="0">
-            <a:schemeClr val="accent1"/>
-          </a:fillRef>
-          <a:effectRef idx="1">
-            <a:schemeClr val="accent1"/>
-          </a:effectRef>
-          <a:fontRef idx="minor">
-            <a:schemeClr val="tx1"/>
-          </a:fontRef>
-        </p:style>
-      </p:cxnSp>
-      <p:cxnSp>
-        <p:nvCxnSpPr>
-          <p:cNvPr id="66" name="Straight Arrow Connector 65"/>
-          <p:cNvCxnSpPr>
-            <a:stCxn id="25" idx="3"/>
-          </p:cNvCxnSpPr>
-          <p:nvPr/>
-        </p:nvCxnSpPr>
-        <p:spPr>
-          <a:xfrm>
-            <a:off x="12319000" y="6261447"/>
-            <a:ext cx="965200" cy="0"/>
-          </a:xfrm>
-          <a:prstGeom prst="straightConnector1">
-            <a:avLst/>
-          </a:prstGeom>
-          <a:ln w="50800">
-            <a:solidFill>
-              <a:schemeClr val="tx1"/>
-            </a:solidFill>
-            <a:tailEnd type="triangle" w="lg" len="med"/>
-          </a:ln>
-        </p:spPr>
-        <p:style>
-          <a:lnRef idx="2">
-            <a:schemeClr val="accent1"/>
-          </a:lnRef>
-          <a:fillRef idx="0">
-            <a:schemeClr val="accent1"/>
-          </a:fillRef>
-          <a:effectRef idx="1">
-            <a:schemeClr val="accent1"/>
-          </a:effectRef>
-          <a:fontRef idx="minor">
-            <a:schemeClr val="tx1"/>
-          </a:fontRef>
-        </p:style>
-      </p:cxnSp>
-      <p:sp>
-        <p:nvSpPr>
-          <p:cNvPr id="69" name="TextBox 68"/>
-          <p:cNvSpPr txBox="1"/>
-          <p:nvPr/>
-        </p:nvSpPr>
-        <p:spPr>
-          <a:xfrm>
-            <a:off x="11893550" y="1663700"/>
-            <a:ext cx="1371600" cy="692497"/>
-          </a:xfrm>
-          <a:prstGeom prst="rect">
-            <a:avLst/>
-          </a:prstGeom>
-          <a:noFill/>
-        </p:spPr>
-        <p:txBody>
-          <a:bodyPr wrap="square" rtlCol="0">
-            <a:spAutoFit/>
-          </a:bodyPr>
-          <a:lstStyle/>
-          <a:p>
-            <a:r>
-              <a:rPr lang="en-US" dirty="0" err="1" smtClean="0">
-                <a:solidFill>
-                  <a:srgbClr val="CA1E00"/>
-                </a:solidFill>
-              </a:rPr>
-              <a:t>rRNA</a:t>
-            </a:r>
-            <a:endParaRPr lang="en-US" dirty="0">
-              <a:solidFill>
-                <a:srgbClr val="CA1E00"/>
-              </a:solidFill>
-            </a:endParaRPr>
-          </a:p>
-        </p:txBody>
-      </p:sp>
-      <p:sp>
-        <p:nvSpPr>
-          <p:cNvPr id="70" name="TextBox 69"/>
-          <p:cNvSpPr txBox="1"/>
-          <p:nvPr/>
-        </p:nvSpPr>
-        <p:spPr>
-          <a:xfrm>
-            <a:off x="1562100" y="2044700"/>
-            <a:ext cx="1308100" cy="369332"/>
-          </a:xfrm>
-          <a:prstGeom prst="rect">
-            <a:avLst/>
-          </a:prstGeom>
-          <a:noFill/>
-        </p:spPr>
-        <p:txBody>
-          <a:bodyPr wrap="square" rtlCol="0">
-            <a:spAutoFit/>
-          </a:bodyPr>
-          <a:lstStyle/>
-          <a:p>
-            <a:r>
-              <a:rPr lang="en-US" sz="1800" dirty="0" smtClean="0"/>
-              <a:t>&gt;1000 </a:t>
-            </a:r>
-            <a:r>
-              <a:rPr lang="en-US" sz="1800" dirty="0" err="1" smtClean="0"/>
-              <a:t>bp</a:t>
-            </a:r>
-            <a:endParaRPr lang="en-US" sz="1800" dirty="0"/>
-          </a:p>
-        </p:txBody>
-      </p:sp>
-      <p:sp>
-        <p:nvSpPr>
-          <p:cNvPr id="71" name="TextBox 70"/>
-          <p:cNvSpPr txBox="1"/>
-          <p:nvPr/>
-        </p:nvSpPr>
-        <p:spPr>
-          <a:xfrm>
-            <a:off x="1562100" y="3125232"/>
-            <a:ext cx="1308100" cy="369332"/>
-          </a:xfrm>
-          <a:prstGeom prst="rect">
-            <a:avLst/>
-          </a:prstGeom>
-          <a:noFill/>
-        </p:spPr>
-        <p:txBody>
-          <a:bodyPr wrap="square" rtlCol="0">
-            <a:spAutoFit/>
-          </a:bodyPr>
-          <a:lstStyle/>
-          <a:p>
-            <a:r>
-              <a:rPr lang="en-US" sz="1800" dirty="0"/>
-              <a:t>&lt;</a:t>
-            </a:r>
-            <a:r>
-              <a:rPr lang="en-US" sz="1800" dirty="0" smtClean="0"/>
-              <a:t>1000 </a:t>
-            </a:r>
-            <a:r>
-              <a:rPr lang="en-US" sz="1800" dirty="0" err="1" smtClean="0"/>
-              <a:t>bp</a:t>
-            </a:r>
-            <a:endParaRPr lang="en-US" sz="1800" dirty="0"/>
-          </a:p>
-        </p:txBody>
-      </p:sp>
-      <p:sp>
-        <p:nvSpPr>
-          <p:cNvPr id="72" name="TextBox 71"/>
-          <p:cNvSpPr txBox="1"/>
-          <p:nvPr/>
-        </p:nvSpPr>
-        <p:spPr>
-          <a:xfrm>
-            <a:off x="11252200" y="2566432"/>
-            <a:ext cx="2298700" cy="369332"/>
-          </a:xfrm>
-          <a:prstGeom prst="rect">
-            <a:avLst/>
-          </a:prstGeom>
-          <a:noFill/>
-        </p:spPr>
-        <p:txBody>
-          <a:bodyPr wrap="square" rtlCol="0">
-            <a:spAutoFit/>
-          </a:bodyPr>
-          <a:lstStyle/>
-          <a:p>
-            <a:r>
-              <a:rPr lang="en-US" sz="1800" dirty="0" smtClean="0"/>
-              <a:t>Alignment masking</a:t>
-            </a:r>
-            <a:endParaRPr lang="en-US" sz="1800" dirty="0"/>
-          </a:p>
-        </p:txBody>
-      </p:sp>
-      <p:sp>
-        <p:nvSpPr>
-          <p:cNvPr id="73" name="TextBox 72"/>
-          <p:cNvSpPr txBox="1"/>
-          <p:nvPr/>
-        </p:nvSpPr>
-        <p:spPr>
-          <a:xfrm>
-            <a:off x="12166600" y="5461167"/>
-            <a:ext cx="1289050" cy="646331"/>
-          </a:xfrm>
-          <a:prstGeom prst="rect">
-            <a:avLst/>
-          </a:prstGeom>
-          <a:noFill/>
-        </p:spPr>
-        <p:txBody>
-          <a:bodyPr wrap="square" rtlCol="0">
-            <a:spAutoFit/>
-          </a:bodyPr>
-          <a:lstStyle/>
-          <a:p>
-            <a:pPr algn="ctr"/>
-            <a:r>
-              <a:rPr lang="en-US" sz="1800" dirty="0" smtClean="0"/>
-              <a:t>Alignment </a:t>
-            </a:r>
-          </a:p>
-          <a:p>
-            <a:pPr algn="ctr"/>
-            <a:r>
-              <a:rPr lang="en-US" sz="1800" dirty="0" smtClean="0"/>
-              <a:t>masking</a:t>
-            </a:r>
-            <a:endParaRPr lang="en-US" sz="1800" dirty="0"/>
-          </a:p>
-        </p:txBody>
-      </p:sp>
-      <p:sp>
-        <p:nvSpPr>
-          <p:cNvPr id="74" name="TextBox 73"/>
-          <p:cNvSpPr txBox="1"/>
-          <p:nvPr/>
-        </p:nvSpPr>
-        <p:spPr>
-          <a:xfrm>
-            <a:off x="2590800" y="4024868"/>
-            <a:ext cx="3390900" cy="369332"/>
-          </a:xfrm>
-          <a:prstGeom prst="rect">
-            <a:avLst/>
-          </a:prstGeom>
-          <a:noFill/>
-        </p:spPr>
-        <p:txBody>
-          <a:bodyPr wrap="square" rtlCol="0">
-            <a:spAutoFit/>
-          </a:bodyPr>
-          <a:lstStyle/>
-          <a:p>
-            <a:pPr algn="ctr"/>
-            <a:r>
-              <a:rPr lang="en-US" sz="1800" dirty="0"/>
-              <a:t>s</a:t>
-            </a:r>
-            <a:r>
-              <a:rPr lang="en-US" sz="1800" dirty="0" smtClean="0"/>
-              <a:t>earch input against references</a:t>
-            </a:r>
-            <a:endParaRPr lang="en-US" sz="1800" dirty="0"/>
-          </a:p>
-        </p:txBody>
-      </p:sp>
-      <p:sp>
-        <p:nvSpPr>
-          <p:cNvPr id="75" name="TextBox 74"/>
-          <p:cNvSpPr txBox="1"/>
-          <p:nvPr/>
-        </p:nvSpPr>
-        <p:spPr>
-          <a:xfrm>
-            <a:off x="6426200" y="3588940"/>
-            <a:ext cx="2971800" cy="646331"/>
-          </a:xfrm>
-          <a:prstGeom prst="rect">
-            <a:avLst/>
-          </a:prstGeom>
-          <a:noFill/>
-        </p:spPr>
-        <p:txBody>
-          <a:bodyPr wrap="square" rtlCol="0">
-            <a:spAutoFit/>
-          </a:bodyPr>
-          <a:lstStyle/>
-          <a:p>
-            <a:pPr algn="ctr"/>
-            <a:r>
-              <a:rPr lang="en-US" sz="1800" dirty="0" smtClean="0"/>
-              <a:t>screen and align candidates to reference profile CMs</a:t>
-            </a:r>
-            <a:endParaRPr lang="en-US" sz="1800" dirty="0"/>
-          </a:p>
-        </p:txBody>
-      </p:sp>
-      <p:sp>
-        <p:nvSpPr>
-          <p:cNvPr id="77" name="TextBox 76"/>
-          <p:cNvSpPr txBox="1"/>
-          <p:nvPr/>
-        </p:nvSpPr>
-        <p:spPr>
-          <a:xfrm>
-            <a:off x="11563350" y="4572001"/>
-            <a:ext cx="1714500" cy="692497"/>
-          </a:xfrm>
-          <a:prstGeom prst="rect">
-            <a:avLst/>
-          </a:prstGeom>
-          <a:noFill/>
-        </p:spPr>
-        <p:txBody>
-          <a:bodyPr wrap="square" rtlCol="0">
-            <a:spAutoFit/>
-          </a:bodyPr>
-          <a:lstStyle/>
-          <a:p>
-            <a:r>
-              <a:rPr lang="en-US" dirty="0">
-                <a:solidFill>
-                  <a:srgbClr val="CA1E00"/>
-                </a:solidFill>
-              </a:rPr>
-              <a:t>p</a:t>
-            </a:r>
-            <a:r>
-              <a:rPr lang="en-US" dirty="0" smtClean="0">
-                <a:solidFill>
-                  <a:srgbClr val="CA1E00"/>
-                </a:solidFill>
-              </a:rPr>
-              <a:t>rotein  </a:t>
-            </a:r>
-            <a:endParaRPr lang="en-US" dirty="0">
-              <a:solidFill>
-                <a:srgbClr val="CA1E00"/>
-              </a:solidFill>
-            </a:endParaRPr>
-          </a:p>
-        </p:txBody>
-      </p:sp>
-      <p:sp>
-        <p:nvSpPr>
-          <p:cNvPr id="78" name="TextBox 77"/>
-          <p:cNvSpPr txBox="1"/>
-          <p:nvPr/>
-        </p:nvSpPr>
-        <p:spPr>
-          <a:xfrm>
-            <a:off x="9563100" y="6718994"/>
-            <a:ext cx="3232150" cy="646331"/>
-          </a:xfrm>
-          <a:prstGeom prst="rect">
-            <a:avLst/>
-          </a:prstGeom>
-          <a:noFill/>
-        </p:spPr>
-        <p:txBody>
-          <a:bodyPr wrap="square" rtlCol="0">
-            <a:spAutoFit/>
-          </a:bodyPr>
-          <a:lstStyle/>
-          <a:p>
-            <a:pPr algn="ctr"/>
-            <a:r>
-              <a:rPr lang="en-US" sz="1800" dirty="0"/>
-              <a:t>a</a:t>
-            </a:r>
-            <a:r>
-              <a:rPr lang="en-US" sz="1800" dirty="0" smtClean="0"/>
-              <a:t>lign candidates to </a:t>
-            </a:r>
-          </a:p>
-          <a:p>
-            <a:pPr algn="ctr"/>
-            <a:r>
-              <a:rPr lang="en-US" sz="1800" dirty="0" smtClean="0"/>
-              <a:t>reference profile HMMs</a:t>
-            </a:r>
-            <a:endParaRPr lang="en-US" sz="1800" dirty="0"/>
-          </a:p>
-        </p:txBody>
-      </p:sp>
-      <p:sp>
-        <p:nvSpPr>
-          <p:cNvPr id="79" name="TextBox 78"/>
-          <p:cNvSpPr txBox="1"/>
-          <p:nvPr/>
-        </p:nvSpPr>
-        <p:spPr>
-          <a:xfrm>
-            <a:off x="2590800" y="6737697"/>
-            <a:ext cx="3390900" cy="369332"/>
-          </a:xfrm>
-          <a:prstGeom prst="rect">
-            <a:avLst/>
-          </a:prstGeom>
-          <a:noFill/>
-        </p:spPr>
-        <p:txBody>
-          <a:bodyPr wrap="square" rtlCol="0">
-            <a:spAutoFit/>
-          </a:bodyPr>
-          <a:lstStyle/>
-          <a:p>
-            <a:pPr algn="ctr"/>
-            <a:r>
-              <a:rPr lang="en-US" sz="1800" dirty="0"/>
-              <a:t>s</a:t>
-            </a:r>
-            <a:r>
-              <a:rPr lang="en-US" sz="1800" dirty="0" smtClean="0"/>
-              <a:t>earch input against references</a:t>
-            </a:r>
-            <a:endParaRPr lang="en-US" sz="1800" dirty="0"/>
-          </a:p>
-        </p:txBody>
-      </p:sp>
-      <p:cxnSp>
-        <p:nvCxnSpPr>
-          <p:cNvPr id="87" name="Straight Arrow Connector 86"/>
-          <p:cNvCxnSpPr/>
-          <p:nvPr/>
-        </p:nvCxnSpPr>
-        <p:spPr>
-          <a:xfrm>
-            <a:off x="1314450" y="2393950"/>
-            <a:ext cx="1733554" cy="20082"/>
           </a:xfrm>
           <a:prstGeom prst="straightConnector1">
             <a:avLst/>
@@ -7115,6 +6755,501 @@
       </p:cxnSp>
       <p:cxnSp>
         <p:nvCxnSpPr>
+          <p:cNvPr id="63" name="Straight Arrow Connector 62"/>
+          <p:cNvCxnSpPr>
+            <a:stCxn id="19" idx="3"/>
+          </p:cNvCxnSpPr>
+          <p:nvPr/>
+        </p:nvCxnSpPr>
+        <p:spPr>
+          <a:xfrm>
+            <a:off x="8940800" y="6261447"/>
+            <a:ext cx="952500" cy="0"/>
+          </a:xfrm>
+          <a:prstGeom prst="straightConnector1">
+            <a:avLst/>
+          </a:prstGeom>
+          <a:ln w="50800">
+            <a:solidFill>
+              <a:schemeClr val="tx1"/>
+            </a:solidFill>
+            <a:tailEnd type="triangle" w="lg" len="med"/>
+          </a:ln>
+          <a:effectLst/>
+        </p:spPr>
+        <p:style>
+          <a:lnRef idx="2">
+            <a:schemeClr val="accent1"/>
+          </a:lnRef>
+          <a:fillRef idx="0">
+            <a:schemeClr val="accent1"/>
+          </a:fillRef>
+          <a:effectRef idx="1">
+            <a:schemeClr val="accent1"/>
+          </a:effectRef>
+          <a:fontRef idx="minor">
+            <a:schemeClr val="tx1"/>
+          </a:fontRef>
+        </p:style>
+      </p:cxnSp>
+      <p:cxnSp>
+        <p:nvCxnSpPr>
+          <p:cNvPr id="66" name="Straight Arrow Connector 65"/>
+          <p:cNvCxnSpPr>
+            <a:stCxn id="25" idx="3"/>
+          </p:cNvCxnSpPr>
+          <p:nvPr/>
+        </p:nvCxnSpPr>
+        <p:spPr>
+          <a:xfrm>
+            <a:off x="12319000" y="6261447"/>
+            <a:ext cx="965200" cy="0"/>
+          </a:xfrm>
+          <a:prstGeom prst="straightConnector1">
+            <a:avLst/>
+          </a:prstGeom>
+          <a:ln w="50800">
+            <a:solidFill>
+              <a:schemeClr val="tx1"/>
+            </a:solidFill>
+            <a:tailEnd type="triangle" w="lg" len="med"/>
+          </a:ln>
+          <a:effectLst/>
+        </p:spPr>
+        <p:style>
+          <a:lnRef idx="2">
+            <a:schemeClr val="accent1"/>
+          </a:lnRef>
+          <a:fillRef idx="0">
+            <a:schemeClr val="accent1"/>
+          </a:fillRef>
+          <a:effectRef idx="1">
+            <a:schemeClr val="accent1"/>
+          </a:effectRef>
+          <a:fontRef idx="minor">
+            <a:schemeClr val="tx1"/>
+          </a:fontRef>
+        </p:style>
+      </p:cxnSp>
+      <p:sp>
+        <p:nvSpPr>
+          <p:cNvPr id="69" name="TextBox 68"/>
+          <p:cNvSpPr txBox="1"/>
+          <p:nvPr/>
+        </p:nvSpPr>
+        <p:spPr>
+          <a:xfrm>
+            <a:off x="11430000" y="1663700"/>
+            <a:ext cx="1371600" cy="692497"/>
+          </a:xfrm>
+          <a:prstGeom prst="rect">
+            <a:avLst/>
+          </a:prstGeom>
+          <a:noFill/>
+        </p:spPr>
+        <p:txBody>
+          <a:bodyPr wrap="square" rtlCol="0">
+            <a:spAutoFit/>
+          </a:bodyPr>
+          <a:lstStyle/>
+          <a:p>
+            <a:r>
+              <a:rPr lang="en-US" dirty="0" err="1" smtClean="0">
+                <a:solidFill>
+                  <a:srgbClr val="CA1E00"/>
+                </a:solidFill>
+              </a:rPr>
+              <a:t>rRNA</a:t>
+            </a:r>
+            <a:endParaRPr lang="en-US" dirty="0">
+              <a:solidFill>
+                <a:srgbClr val="CA1E00"/>
+              </a:solidFill>
+            </a:endParaRPr>
+          </a:p>
+        </p:txBody>
+      </p:sp>
+      <p:sp>
+        <p:nvSpPr>
+          <p:cNvPr id="70" name="TextBox 69"/>
+          <p:cNvSpPr txBox="1"/>
+          <p:nvPr/>
+        </p:nvSpPr>
+        <p:spPr>
+          <a:xfrm>
+            <a:off x="1562100" y="2044700"/>
+            <a:ext cx="1308100" cy="369332"/>
+          </a:xfrm>
+          <a:prstGeom prst="rect">
+            <a:avLst/>
+          </a:prstGeom>
+          <a:noFill/>
+        </p:spPr>
+        <p:txBody>
+          <a:bodyPr wrap="square" rtlCol="0">
+            <a:spAutoFit/>
+          </a:bodyPr>
+          <a:lstStyle/>
+          <a:p>
+            <a:r>
+              <a:rPr lang="en-US" sz="1800" dirty="0" smtClean="0"/>
+              <a:t>&gt;1000 </a:t>
+            </a:r>
+            <a:r>
+              <a:rPr lang="en-US" sz="1800" dirty="0" err="1" smtClean="0"/>
+              <a:t>bp</a:t>
+            </a:r>
+            <a:endParaRPr lang="en-US" sz="1800" dirty="0"/>
+          </a:p>
+        </p:txBody>
+      </p:sp>
+      <p:sp>
+        <p:nvSpPr>
+          <p:cNvPr id="71" name="TextBox 70"/>
+          <p:cNvSpPr txBox="1"/>
+          <p:nvPr/>
+        </p:nvSpPr>
+        <p:spPr>
+          <a:xfrm>
+            <a:off x="1562100" y="3125232"/>
+            <a:ext cx="1308100" cy="369332"/>
+          </a:xfrm>
+          <a:prstGeom prst="rect">
+            <a:avLst/>
+          </a:prstGeom>
+          <a:noFill/>
+        </p:spPr>
+        <p:txBody>
+          <a:bodyPr wrap="square" rtlCol="0">
+            <a:spAutoFit/>
+          </a:bodyPr>
+          <a:lstStyle/>
+          <a:p>
+            <a:r>
+              <a:rPr lang="en-US" sz="1800" dirty="0"/>
+              <a:t>&lt;</a:t>
+            </a:r>
+            <a:r>
+              <a:rPr lang="en-US" sz="1800" dirty="0" smtClean="0"/>
+              <a:t>1000 </a:t>
+            </a:r>
+            <a:r>
+              <a:rPr lang="en-US" sz="1800" dirty="0" err="1" smtClean="0"/>
+              <a:t>bp</a:t>
+            </a:r>
+            <a:endParaRPr lang="en-US" sz="1800" dirty="0"/>
+          </a:p>
+        </p:txBody>
+      </p:sp>
+      <p:sp>
+        <p:nvSpPr>
+          <p:cNvPr id="72" name="TextBox 71"/>
+          <p:cNvSpPr txBox="1"/>
+          <p:nvPr/>
+        </p:nvSpPr>
+        <p:spPr>
+          <a:xfrm>
+            <a:off x="10985500" y="3505031"/>
+            <a:ext cx="2298700" cy="369332"/>
+          </a:xfrm>
+          <a:prstGeom prst="rect">
+            <a:avLst/>
+          </a:prstGeom>
+          <a:noFill/>
+        </p:spPr>
+        <p:txBody>
+          <a:bodyPr wrap="square" rtlCol="0">
+            <a:spAutoFit/>
+          </a:bodyPr>
+          <a:lstStyle/>
+          <a:p>
+            <a:r>
+              <a:rPr lang="en-US" sz="1800" dirty="0"/>
+              <a:t>a</a:t>
+            </a:r>
+            <a:r>
+              <a:rPr lang="en-US" sz="1800" dirty="0" smtClean="0"/>
+              <a:t>lignment masking</a:t>
+            </a:r>
+            <a:endParaRPr lang="en-US" sz="1800" dirty="0"/>
+          </a:p>
+        </p:txBody>
+      </p:sp>
+      <p:sp>
+        <p:nvSpPr>
+          <p:cNvPr id="73" name="TextBox 72"/>
+          <p:cNvSpPr txBox="1"/>
+          <p:nvPr/>
+        </p:nvSpPr>
+        <p:spPr>
+          <a:xfrm>
+            <a:off x="12166600" y="5461167"/>
+            <a:ext cx="1289050" cy="646331"/>
+          </a:xfrm>
+          <a:prstGeom prst="rect">
+            <a:avLst/>
+          </a:prstGeom>
+          <a:noFill/>
+        </p:spPr>
+        <p:txBody>
+          <a:bodyPr wrap="square" rtlCol="0">
+            <a:spAutoFit/>
+          </a:bodyPr>
+          <a:lstStyle/>
+          <a:p>
+            <a:pPr algn="ctr"/>
+            <a:r>
+              <a:rPr lang="en-US" sz="1800" dirty="0"/>
+              <a:t>a</a:t>
+            </a:r>
+            <a:r>
+              <a:rPr lang="en-US" sz="1800" dirty="0" smtClean="0"/>
+              <a:t>lignment </a:t>
+            </a:r>
+          </a:p>
+          <a:p>
+            <a:pPr algn="ctr"/>
+            <a:r>
+              <a:rPr lang="en-US" sz="1800" dirty="0" smtClean="0"/>
+              <a:t>masking</a:t>
+            </a:r>
+            <a:endParaRPr lang="en-US" sz="1800" dirty="0"/>
+          </a:p>
+        </p:txBody>
+      </p:sp>
+      <p:sp>
+        <p:nvSpPr>
+          <p:cNvPr id="74" name="TextBox 73"/>
+          <p:cNvSpPr txBox="1"/>
+          <p:nvPr/>
+        </p:nvSpPr>
+        <p:spPr>
+          <a:xfrm>
+            <a:off x="2590800" y="4024868"/>
+            <a:ext cx="3390900" cy="369332"/>
+          </a:xfrm>
+          <a:prstGeom prst="rect">
+            <a:avLst/>
+          </a:prstGeom>
+          <a:noFill/>
+        </p:spPr>
+        <p:txBody>
+          <a:bodyPr wrap="square" rtlCol="0">
+            <a:spAutoFit/>
+          </a:bodyPr>
+          <a:lstStyle/>
+          <a:p>
+            <a:pPr algn="ctr"/>
+            <a:r>
+              <a:rPr lang="en-US" sz="1800" dirty="0"/>
+              <a:t>s</a:t>
+            </a:r>
+            <a:r>
+              <a:rPr lang="en-US" sz="1800" dirty="0" smtClean="0"/>
+              <a:t>earch input against references</a:t>
+            </a:r>
+            <a:endParaRPr lang="en-US" sz="1800" dirty="0"/>
+          </a:p>
+        </p:txBody>
+      </p:sp>
+      <p:sp>
+        <p:nvSpPr>
+          <p:cNvPr id="75" name="TextBox 74"/>
+          <p:cNvSpPr txBox="1"/>
+          <p:nvPr/>
+        </p:nvSpPr>
+        <p:spPr>
+          <a:xfrm>
+            <a:off x="5867400" y="3931840"/>
+            <a:ext cx="3873500" cy="523220"/>
+          </a:xfrm>
+          <a:prstGeom prst="rect">
+            <a:avLst/>
+          </a:prstGeom>
+          <a:noFill/>
+        </p:spPr>
+        <p:txBody>
+          <a:bodyPr wrap="square" rtlCol="0">
+            <a:spAutoFit/>
+          </a:bodyPr>
+          <a:lstStyle/>
+          <a:p>
+            <a:pPr algn="ctr"/>
+            <a:r>
+              <a:rPr lang="en-US" sz="1400" dirty="0" smtClean="0"/>
+              <a:t>Covariance Models used to align candidates </a:t>
+            </a:r>
+            <a:r>
+              <a:rPr lang="en-US" sz="1400" dirty="0" smtClean="0"/>
+              <a:t>to </a:t>
+            </a:r>
+            <a:r>
+              <a:rPr lang="en-US" sz="1400" dirty="0" smtClean="0"/>
+              <a:t>reference </a:t>
+            </a:r>
+            <a:r>
+              <a:rPr lang="en-US" sz="1400" dirty="0" err="1" smtClean="0"/>
+              <a:t>rRNA</a:t>
+            </a:r>
+            <a:r>
+              <a:rPr lang="en-US" sz="1400" dirty="0" smtClean="0"/>
+              <a:t> alignments </a:t>
+            </a:r>
+            <a:r>
+              <a:rPr lang="en-US" sz="1400" dirty="0" smtClean="0"/>
+              <a:t>in </a:t>
+            </a:r>
+            <a:r>
+              <a:rPr lang="en-US" sz="1400" dirty="0" err="1" smtClean="0"/>
+              <a:t>cmalign</a:t>
+            </a:r>
+            <a:endParaRPr lang="en-US" sz="1400" dirty="0"/>
+          </a:p>
+        </p:txBody>
+      </p:sp>
+      <p:sp>
+        <p:nvSpPr>
+          <p:cNvPr id="77" name="TextBox 76"/>
+          <p:cNvSpPr txBox="1"/>
+          <p:nvPr/>
+        </p:nvSpPr>
+        <p:spPr>
+          <a:xfrm>
+            <a:off x="11309350" y="4572001"/>
+            <a:ext cx="1714500" cy="692497"/>
+          </a:xfrm>
+          <a:prstGeom prst="rect">
+            <a:avLst/>
+          </a:prstGeom>
+          <a:noFill/>
+        </p:spPr>
+        <p:txBody>
+          <a:bodyPr wrap="square" rtlCol="0">
+            <a:spAutoFit/>
+          </a:bodyPr>
+          <a:lstStyle/>
+          <a:p>
+            <a:r>
+              <a:rPr lang="en-US" dirty="0" smtClean="0">
+                <a:solidFill>
+                  <a:srgbClr val="CA1E00"/>
+                </a:solidFill>
+              </a:rPr>
+              <a:t>protein</a:t>
+            </a:r>
+            <a:endParaRPr lang="en-US" dirty="0">
+              <a:solidFill>
+                <a:srgbClr val="CA1E00"/>
+              </a:solidFill>
+            </a:endParaRPr>
+          </a:p>
+        </p:txBody>
+      </p:sp>
+      <p:sp>
+        <p:nvSpPr>
+          <p:cNvPr id="78" name="TextBox 77"/>
+          <p:cNvSpPr txBox="1"/>
+          <p:nvPr/>
+        </p:nvSpPr>
+        <p:spPr>
+          <a:xfrm>
+            <a:off x="9436100" y="6718994"/>
+            <a:ext cx="3454400" cy="646331"/>
+          </a:xfrm>
+          <a:prstGeom prst="rect">
+            <a:avLst/>
+          </a:prstGeom>
+          <a:noFill/>
+        </p:spPr>
+        <p:txBody>
+          <a:bodyPr wrap="square" rtlCol="0">
+            <a:spAutoFit/>
+          </a:bodyPr>
+          <a:lstStyle/>
+          <a:p>
+            <a:pPr algn="ctr"/>
+            <a:r>
+              <a:rPr lang="en-US" sz="1800" dirty="0" smtClean="0"/>
+              <a:t>profile HMMs used to align candidates to reference alignment</a:t>
+            </a:r>
+            <a:endParaRPr lang="en-US" sz="1800" dirty="0"/>
+          </a:p>
+        </p:txBody>
+      </p:sp>
+      <p:sp>
+        <p:nvSpPr>
+          <p:cNvPr id="79" name="TextBox 78"/>
+          <p:cNvSpPr txBox="1"/>
+          <p:nvPr/>
+        </p:nvSpPr>
+        <p:spPr>
+          <a:xfrm>
+            <a:off x="2590800" y="6851997"/>
+            <a:ext cx="3390900" cy="369332"/>
+          </a:xfrm>
+          <a:prstGeom prst="rect">
+            <a:avLst/>
+          </a:prstGeom>
+          <a:noFill/>
+        </p:spPr>
+        <p:txBody>
+          <a:bodyPr wrap="square" rtlCol="0">
+            <a:spAutoFit/>
+          </a:bodyPr>
+          <a:lstStyle/>
+          <a:p>
+            <a:pPr algn="ctr"/>
+            <a:r>
+              <a:rPr lang="en-US" sz="1800" dirty="0"/>
+              <a:t>s</a:t>
+            </a:r>
+            <a:r>
+              <a:rPr lang="en-US" sz="1800" dirty="0" smtClean="0"/>
+              <a:t>earch input against references</a:t>
+            </a:r>
+            <a:endParaRPr lang="en-US" sz="1800" dirty="0"/>
+          </a:p>
+        </p:txBody>
+      </p:sp>
+      <p:cxnSp>
+        <p:nvCxnSpPr>
+          <p:cNvPr id="87" name="Straight Arrow Connector 86"/>
+          <p:cNvCxnSpPr/>
+          <p:nvPr/>
+        </p:nvCxnSpPr>
+        <p:spPr>
+          <a:xfrm>
+            <a:off x="1314450" y="2393950"/>
+            <a:ext cx="1733554" cy="20082"/>
+          </a:xfrm>
+          <a:prstGeom prst="straightConnector1">
+            <a:avLst/>
+          </a:prstGeom>
+          <a:ln w="50800">
+            <a:solidFill>
+              <a:schemeClr val="tx1"/>
+            </a:solidFill>
+            <a:tailEnd type="triangle" w="lg" len="med"/>
+          </a:ln>
+          <a:effectLst/>
+        </p:spPr>
+        <p:style>
+          <a:lnRef idx="2">
+            <a:schemeClr val="accent1"/>
+          </a:lnRef>
+          <a:fillRef idx="0">
+            <a:schemeClr val="accent1"/>
+          </a:fillRef>
+          <a:effectRef idx="1">
+            <a:schemeClr val="accent1"/>
+          </a:effectRef>
+          <a:fontRef idx="minor">
+            <a:schemeClr val="tx1"/>
+          </a:fontRef>
+        </p:style>
+      </p:cxnSp>
+      <p:cxnSp>
+        <p:nvCxnSpPr>
           <p:cNvPr id="89" name="Straight Connector 88"/>
           <p:cNvCxnSpPr/>
           <p:nvPr/>
@@ -7204,6 +7339,7 @@
             </a:solidFill>
             <a:tailEnd type="triangle" w="lg" len="med"/>
           </a:ln>
+          <a:effectLst/>
         </p:spPr>
         <p:style>
           <a:lnRef idx="2">
@@ -7310,124 +7446,9 @@
                   <a:latin typeface="Helvetica Neue"/>
                   <a:cs typeface="Helvetica Neue"/>
                 </a:rPr>
-                <a:t>Taxonomy summaries</a:t>
+                <a:t>Taxonomic Summary</a:t>
               </a:r>
               <a:endParaRPr lang="en-US" sz="2400" dirty="0">
-                <a:latin typeface="Helvetica Neue"/>
-                <a:cs typeface="Helvetica Neue"/>
-              </a:endParaRPr>
-            </a:p>
-          </p:txBody>
-        </p:sp>
-      </p:grpSp>
-      <p:grpSp>
-        <p:nvGrpSpPr>
-          <p:cNvPr id="111" name="Group 110"/>
-          <p:cNvGrpSpPr/>
-          <p:nvPr/>
-        </p:nvGrpSpPr>
-        <p:grpSpPr>
-          <a:xfrm>
-            <a:off x="3162300" y="7423497"/>
-            <a:ext cx="2298700" cy="952500"/>
-            <a:chOff x="4191000" y="2908300"/>
-            <a:chExt cx="2298700" cy="952500"/>
-          </a:xfrm>
-        </p:grpSpPr>
-        <p:sp>
-          <p:nvSpPr>
-            <p:cNvPr id="112" name="Rounded Rectangle 111"/>
-            <p:cNvSpPr/>
-            <p:nvPr/>
-          </p:nvSpPr>
-          <p:spPr>
-            <a:xfrm>
-              <a:off x="4191000" y="2908300"/>
-              <a:ext cx="2298700" cy="952500"/>
-            </a:xfrm>
-            <a:prstGeom prst="roundRect">
-              <a:avLst/>
-            </a:prstGeom>
-            <a:noFill/>
-            <a:ln>
-              <a:solidFill>
-                <a:schemeClr val="tx1"/>
-              </a:solidFill>
-            </a:ln>
-            <a:effectLst/>
-          </p:spPr>
-          <p:style>
-            <a:lnRef idx="1">
-              <a:schemeClr val="accent1"/>
-            </a:lnRef>
-            <a:fillRef idx="3">
-              <a:schemeClr val="accent1"/>
-            </a:fillRef>
-            <a:effectRef idx="2">
-              <a:schemeClr val="accent1"/>
-            </a:effectRef>
-            <a:fontRef idx="minor">
-              <a:schemeClr val="lt1"/>
-            </a:fontRef>
-          </p:style>
-          <p:txBody>
-            <a:bodyPr rtlCol="0" anchor="ctr"/>
-            <a:lstStyle/>
-            <a:p>
-              <a:pPr algn="ctr"/>
-              <a:endParaRPr lang="en-US">
-                <a:solidFill>
-                  <a:schemeClr val="bg1">
-                    <a:lumMod val="50000"/>
-                  </a:schemeClr>
-                </a:solidFill>
-                <a:latin typeface="Georgia"/>
-                <a:cs typeface="Georgia"/>
-              </a:endParaRPr>
-            </a:p>
-          </p:txBody>
-        </p:sp>
-        <p:sp>
-          <p:nvSpPr>
-            <p:cNvPr id="113" name="TextBox 112"/>
-            <p:cNvSpPr txBox="1"/>
-            <p:nvPr/>
-          </p:nvSpPr>
-          <p:spPr>
-            <a:xfrm>
-              <a:off x="4343400" y="3035300"/>
-              <a:ext cx="2032000" cy="692497"/>
-            </a:xfrm>
-            <a:prstGeom prst="rect">
-              <a:avLst/>
-            </a:prstGeom>
-            <a:noFill/>
-          </p:spPr>
-          <p:txBody>
-            <a:bodyPr wrap="square" rtlCol="0">
-              <a:spAutoFit/>
-            </a:bodyPr>
-            <a:lstStyle/>
-            <a:p>
-              <a:pPr algn="ctr"/>
-              <a:r>
-                <a:rPr lang="en-US" dirty="0" smtClean="0">
-                  <a:solidFill>
-                    <a:schemeClr val="bg1">
-                      <a:lumMod val="50000"/>
-                    </a:schemeClr>
-                  </a:solidFill>
-                  <a:latin typeface="Helvetica Neue"/>
-                  <a:cs typeface="Helvetica Neue"/>
-                </a:rPr>
-                <a:t>LAST</a:t>
-              </a:r>
-              <a:endParaRPr lang="en-US" dirty="0">
-                <a:solidFill>
-                  <a:schemeClr val="bg1">
-                    <a:lumMod val="50000"/>
-                  </a:schemeClr>
-                </a:solidFill>
                 <a:latin typeface="Helvetica Neue"/>
                 <a:cs typeface="Helvetica Neue"/>
               </a:endParaRPr>
@@ -7535,7 +7556,7 @@
                   <a:latin typeface="Helvetica Neue"/>
                   <a:cs typeface="Helvetica Neue"/>
                 </a:rPr>
-                <a:t>HMMsearch</a:t>
+                <a:t>hmmsearch</a:t>
               </a:r>
               <a:endParaRPr lang="en-US" sz="2600" dirty="0">
                 <a:solidFill>
@@ -7550,15 +7571,225 @@
           </p:txBody>
         </p:sp>
       </p:grpSp>
+      <p:cxnSp>
+        <p:nvCxnSpPr>
+          <p:cNvPr id="120" name="Straight Arrow Connector 119"/>
+          <p:cNvCxnSpPr/>
+          <p:nvPr/>
+        </p:nvCxnSpPr>
+        <p:spPr>
+          <a:xfrm>
+            <a:off x="5461000" y="7899747"/>
+            <a:ext cx="1054100" cy="0"/>
+          </a:xfrm>
+          <a:prstGeom prst="straightConnector1">
+            <a:avLst/>
+          </a:prstGeom>
+          <a:ln w="50800">
+            <a:solidFill>
+              <a:schemeClr val="bg1">
+                <a:lumMod val="50000"/>
+              </a:schemeClr>
+            </a:solidFill>
+            <a:prstDash val="sysDot"/>
+            <a:tailEnd type="triangle" w="lg" len="med"/>
+          </a:ln>
+          <a:effectLst/>
+        </p:spPr>
+        <p:style>
+          <a:lnRef idx="2">
+            <a:schemeClr val="accent1"/>
+          </a:lnRef>
+          <a:fillRef idx="0">
+            <a:schemeClr val="accent1"/>
+          </a:fillRef>
+          <a:effectRef idx="1">
+            <a:schemeClr val="accent1"/>
+          </a:effectRef>
+          <a:fontRef idx="minor">
+            <a:schemeClr val="tx1"/>
+          </a:fontRef>
+        </p:style>
+      </p:cxnSp>
+      <p:cxnSp>
+        <p:nvCxnSpPr>
+          <p:cNvPr id="121" name="Straight Arrow Connector 120"/>
+          <p:cNvCxnSpPr>
+            <a:stCxn id="115" idx="3"/>
+          </p:cNvCxnSpPr>
+          <p:nvPr/>
+        </p:nvCxnSpPr>
+        <p:spPr>
+          <a:xfrm>
+            <a:off x="8953500" y="7899747"/>
+            <a:ext cx="952500" cy="0"/>
+          </a:xfrm>
+          <a:prstGeom prst="straightConnector1">
+            <a:avLst/>
+          </a:prstGeom>
+          <a:ln w="50800">
+            <a:solidFill>
+              <a:schemeClr val="bg1">
+                <a:lumMod val="50000"/>
+              </a:schemeClr>
+            </a:solidFill>
+            <a:prstDash val="sysDot"/>
+            <a:tailEnd type="triangle" w="lg" len="med"/>
+          </a:ln>
+          <a:effectLst/>
+        </p:spPr>
+        <p:style>
+          <a:lnRef idx="2">
+            <a:schemeClr val="accent1"/>
+          </a:lnRef>
+          <a:fillRef idx="0">
+            <a:schemeClr val="accent1"/>
+          </a:fillRef>
+          <a:effectRef idx="1">
+            <a:schemeClr val="accent1"/>
+          </a:effectRef>
+          <a:fontRef idx="minor">
+            <a:schemeClr val="tx1"/>
+          </a:fontRef>
+        </p:style>
+      </p:cxnSp>
+      <p:cxnSp>
+        <p:nvCxnSpPr>
+          <p:cNvPr id="122" name="Straight Arrow Connector 121"/>
+          <p:cNvCxnSpPr>
+            <a:endCxn id="76" idx="3"/>
+          </p:cNvCxnSpPr>
+          <p:nvPr/>
+        </p:nvCxnSpPr>
+        <p:spPr>
+          <a:xfrm flipV="1">
+            <a:off x="12331700" y="6553200"/>
+            <a:ext cx="1003300" cy="1346547"/>
+          </a:xfrm>
+          <a:prstGeom prst="straightConnector1">
+            <a:avLst/>
+          </a:prstGeom>
+          <a:ln w="50800">
+            <a:solidFill>
+              <a:schemeClr val="bg1">
+                <a:lumMod val="50000"/>
+              </a:schemeClr>
+            </a:solidFill>
+            <a:prstDash val="sysDot"/>
+            <a:tailEnd type="triangle" w="lg" len="med"/>
+          </a:ln>
+          <a:effectLst/>
+        </p:spPr>
+        <p:style>
+          <a:lnRef idx="2">
+            <a:schemeClr val="accent1"/>
+          </a:lnRef>
+          <a:fillRef idx="0">
+            <a:schemeClr val="accent1"/>
+          </a:fillRef>
+          <a:effectRef idx="1">
+            <a:schemeClr val="accent1"/>
+          </a:effectRef>
+          <a:fontRef idx="minor">
+            <a:schemeClr val="tx1"/>
+          </a:fontRef>
+        </p:style>
+      </p:cxnSp>
+      <p:cxnSp>
+        <p:nvCxnSpPr>
+          <p:cNvPr id="128" name="Straight Arrow Connector 127"/>
+          <p:cNvCxnSpPr/>
+          <p:nvPr/>
+        </p:nvCxnSpPr>
+        <p:spPr>
+          <a:xfrm>
+            <a:off x="961342" y="6261447"/>
+            <a:ext cx="2188258" cy="1638300"/>
+          </a:xfrm>
+          <a:prstGeom prst="straightConnector1">
+            <a:avLst/>
+          </a:prstGeom>
+          <a:ln w="50800">
+            <a:solidFill>
+              <a:schemeClr val="bg1">
+                <a:lumMod val="50000"/>
+              </a:schemeClr>
+            </a:solidFill>
+            <a:prstDash val="sysDot"/>
+            <a:tailEnd type="triangle" w="lg" len="med"/>
+          </a:ln>
+          <a:effectLst/>
+        </p:spPr>
+        <p:style>
+          <a:lnRef idx="2">
+            <a:schemeClr val="accent1"/>
+          </a:lnRef>
+          <a:fillRef idx="0">
+            <a:schemeClr val="accent1"/>
+          </a:fillRef>
+          <a:effectRef idx="1">
+            <a:schemeClr val="accent1"/>
+          </a:effectRef>
+          <a:fontRef idx="minor">
+            <a:schemeClr val="tx1"/>
+          </a:fontRef>
+        </p:style>
+      </p:cxnSp>
+      <p:sp>
+        <p:nvSpPr>
+          <p:cNvPr id="138" name="TextBox 137"/>
+          <p:cNvSpPr txBox="1"/>
+          <p:nvPr/>
+        </p:nvSpPr>
+        <p:spPr>
+          <a:xfrm rot="2204524">
+            <a:off x="1525672" y="7309402"/>
+            <a:ext cx="1697185" cy="369332"/>
+          </a:xfrm>
+          <a:prstGeom prst="rect">
+            <a:avLst/>
+          </a:prstGeom>
+          <a:noFill/>
+        </p:spPr>
+        <p:txBody>
+          <a:bodyPr wrap="square" rtlCol="0">
+            <a:spAutoFit/>
+          </a:bodyPr>
+          <a:lstStyle/>
+          <a:p>
+            <a:r>
+              <a:rPr lang="en-US" sz="1800" dirty="0">
+                <a:solidFill>
+                  <a:srgbClr val="7F7F7F"/>
+                </a:solidFill>
+              </a:rPr>
+              <a:t>p</a:t>
+            </a:r>
+            <a:r>
+              <a:rPr lang="en-US" sz="1800" dirty="0" smtClean="0">
+                <a:solidFill>
+                  <a:srgbClr val="7F7F7F"/>
+                </a:solidFill>
+              </a:rPr>
+              <a:t>arallel option</a:t>
+            </a:r>
+            <a:endParaRPr lang="en-US" sz="1800" dirty="0">
+              <a:solidFill>
+                <a:srgbClr val="7F7F7F"/>
+              </a:solidFill>
+            </a:endParaRPr>
+          </a:p>
+        </p:txBody>
+      </p:sp>
       <p:grpSp>
         <p:nvGrpSpPr>
-          <p:cNvPr id="117" name="Group 116"/>
+          <p:cNvPr id="80" name="Group 79"/>
           <p:cNvGrpSpPr/>
           <p:nvPr/>
         </p:nvGrpSpPr>
         <p:grpSpPr>
           <a:xfrm>
-            <a:off x="10033000" y="7423497"/>
+            <a:off x="6642100" y="1905000"/>
             <a:ext cx="2298700" cy="952500"/>
             <a:chOff x="4191000" y="2908300"/>
             <a:chExt cx="2298700" cy="952500"/>
@@ -7566,7 +7797,7 @@
         </p:grpSpPr>
         <p:sp>
           <p:nvSpPr>
-            <p:cNvPr id="118" name="Rounded Rectangle 117"/>
+            <p:cNvPr id="81" name="Rounded Rectangle 80"/>
             <p:cNvSpPr/>
             <p:nvPr/>
           </p:nvSpPr>
@@ -7606,11 +7837,6 @@
             <a:p>
               <a:pPr algn="ctr"/>
               <a:endParaRPr lang="en-US">
-                <a:solidFill>
-                  <a:schemeClr val="bg1">
-                    <a:lumMod val="50000"/>
-                  </a:schemeClr>
-                </a:solidFill>
                 <a:latin typeface="Georgia"/>
                 <a:cs typeface="Georgia"/>
               </a:endParaRPr>
@@ -7619,13 +7845,13 @@
         </p:sp>
         <p:sp>
           <p:nvSpPr>
-            <p:cNvPr id="119" name="TextBox 118"/>
+            <p:cNvPr id="82" name="TextBox 81"/>
             <p:cNvSpPr txBox="1"/>
             <p:nvPr/>
           </p:nvSpPr>
           <p:spPr>
             <a:xfrm>
-              <a:off x="4305300" y="3092103"/>
+              <a:off x="4368800" y="3028950"/>
               <a:ext cx="2032000" cy="553998"/>
             </a:xfrm>
             <a:prstGeom prst="rect">
@@ -7641,23 +7867,13 @@
             <a:p>
               <a:pPr algn="ctr"/>
               <a:r>
-                <a:rPr lang="en-US" sz="3000" dirty="0" err="1" smtClean="0">
-                  <a:solidFill>
-                    <a:schemeClr val="bg1">
-                      <a:lumMod val="50000"/>
-                    </a:schemeClr>
-                  </a:solidFill>
+                <a:rPr lang="en-US" sz="3000" dirty="0" smtClean="0">
                   <a:latin typeface="Helvetica Neue"/>
                   <a:cs typeface="Helvetica Neue"/>
                 </a:rPr>
-                <a:t>HMMalign</a:t>
+                <a:t>Infernal</a:t>
               </a:r>
               <a:endParaRPr lang="en-US" sz="3000" dirty="0">
-                <a:solidFill>
-                  <a:schemeClr val="bg1">
-                    <a:lumMod val="50000"/>
-                  </a:schemeClr>
-                </a:solidFill>
                 <a:latin typeface="Helvetica Neue"/>
                 <a:cs typeface="Helvetica Neue"/>
               </a:endParaRPr>
@@ -7667,29 +7883,27 @@
       </p:grpSp>
       <p:cxnSp>
         <p:nvCxnSpPr>
-          <p:cNvPr id="120" name="Straight Arrow Connector 119"/>
+          <p:cNvPr id="86" name="Elbow Connector 85"/>
           <p:cNvCxnSpPr>
-            <a:stCxn id="112" idx="3"/>
+            <a:stCxn id="81" idx="3"/>
           </p:cNvCxnSpPr>
           <p:nvPr/>
         </p:nvCxnSpPr>
         <p:spPr>
           <a:xfrm>
-            <a:off x="5461000" y="7899747"/>
-            <a:ext cx="1054100" cy="0"/>
-          </a:xfrm>
-          <a:prstGeom prst="straightConnector1">
+            <a:off x="8940800" y="2381250"/>
+            <a:ext cx="5607050" cy="3327747"/>
+          </a:xfrm>
+          <a:prstGeom prst="bentConnector2">
             <a:avLst/>
           </a:prstGeom>
           <a:ln w="50800">
             <a:solidFill>
-              <a:schemeClr val="bg1">
-                <a:lumMod val="50000"/>
-              </a:schemeClr>
+              <a:schemeClr val="tx1"/>
             </a:solidFill>
-            <a:prstDash val="sysDot"/>
             <a:tailEnd type="triangle" w="lg" len="med"/>
           </a:ln>
+          <a:effectLst/>
         </p:spPr>
         <p:style>
           <a:lnRef idx="2">
@@ -7706,138 +7920,16 @@
           </a:fontRef>
         </p:style>
       </p:cxnSp>
-      <p:cxnSp>
-        <p:nvCxnSpPr>
-          <p:cNvPr id="121" name="Straight Arrow Connector 120"/>
-          <p:cNvCxnSpPr>
-            <a:stCxn id="115" idx="3"/>
-          </p:cNvCxnSpPr>
-          <p:nvPr/>
-        </p:nvCxnSpPr>
+      <p:sp>
+        <p:nvSpPr>
+          <p:cNvPr id="92" name="TextBox 91"/>
+          <p:cNvSpPr txBox="1"/>
+          <p:nvPr/>
+        </p:nvSpPr>
         <p:spPr>
           <a:xfrm>
-            <a:off x="8953500" y="7899747"/>
-            <a:ext cx="952500" cy="0"/>
-          </a:xfrm>
-          <a:prstGeom prst="straightConnector1">
-            <a:avLst/>
-          </a:prstGeom>
-          <a:ln w="50800">
-            <a:solidFill>
-              <a:schemeClr val="bg1">
-                <a:lumMod val="50000"/>
-              </a:schemeClr>
-            </a:solidFill>
-            <a:prstDash val="sysDot"/>
-            <a:tailEnd type="triangle" w="lg" len="med"/>
-          </a:ln>
-        </p:spPr>
-        <p:style>
-          <a:lnRef idx="2">
-            <a:schemeClr val="accent1"/>
-          </a:lnRef>
-          <a:fillRef idx="0">
-            <a:schemeClr val="accent1"/>
-          </a:fillRef>
-          <a:effectRef idx="1">
-            <a:schemeClr val="accent1"/>
-          </a:effectRef>
-          <a:fontRef idx="minor">
-            <a:schemeClr val="tx1"/>
-          </a:fontRef>
-        </p:style>
-      </p:cxnSp>
-      <p:cxnSp>
-        <p:nvCxnSpPr>
-          <p:cNvPr id="122" name="Straight Arrow Connector 121"/>
-          <p:cNvCxnSpPr>
-            <a:stCxn id="118" idx="3"/>
-            <a:endCxn id="76" idx="3"/>
-          </p:cNvCxnSpPr>
-          <p:nvPr/>
-        </p:nvCxnSpPr>
-        <p:spPr>
-          <a:xfrm flipV="1">
-            <a:off x="12331700" y="6553200"/>
-            <a:ext cx="1003300" cy="1346547"/>
-          </a:xfrm>
-          <a:prstGeom prst="straightConnector1">
-            <a:avLst/>
-          </a:prstGeom>
-          <a:ln w="50800">
-            <a:solidFill>
-              <a:schemeClr val="bg1">
-                <a:lumMod val="50000"/>
-              </a:schemeClr>
-            </a:solidFill>
-            <a:prstDash val="sysDot"/>
-            <a:tailEnd type="triangle" w="lg" len="med"/>
-          </a:ln>
-        </p:spPr>
-        <p:style>
-          <a:lnRef idx="2">
-            <a:schemeClr val="accent1"/>
-          </a:lnRef>
-          <a:fillRef idx="0">
-            <a:schemeClr val="accent1"/>
-          </a:fillRef>
-          <a:effectRef idx="1">
-            <a:schemeClr val="accent1"/>
-          </a:effectRef>
-          <a:fontRef idx="minor">
-            <a:schemeClr val="tx1"/>
-          </a:fontRef>
-        </p:style>
-      </p:cxnSp>
-      <p:cxnSp>
-        <p:nvCxnSpPr>
-          <p:cNvPr id="128" name="Straight Arrow Connector 127"/>
-          <p:cNvCxnSpPr/>
-          <p:nvPr/>
-        </p:nvCxnSpPr>
-        <p:spPr>
-          <a:xfrm>
-            <a:off x="961342" y="6261447"/>
-            <a:ext cx="2188258" cy="1638300"/>
-          </a:xfrm>
-          <a:prstGeom prst="straightConnector1">
-            <a:avLst/>
-          </a:prstGeom>
-          <a:ln w="50800">
-            <a:solidFill>
-              <a:schemeClr val="bg1">
-                <a:lumMod val="50000"/>
-              </a:schemeClr>
-            </a:solidFill>
-            <a:prstDash val="sysDot"/>
-            <a:tailEnd type="triangle" w="lg" len="med"/>
-          </a:ln>
-        </p:spPr>
-        <p:style>
-          <a:lnRef idx="2">
-            <a:schemeClr val="accent1"/>
-          </a:lnRef>
-          <a:fillRef idx="0">
-            <a:schemeClr val="accent1"/>
-          </a:fillRef>
-          <a:effectRef idx="1">
-            <a:schemeClr val="accent1"/>
-          </a:effectRef>
-          <a:fontRef idx="minor">
-            <a:schemeClr val="tx1"/>
-          </a:fontRef>
-        </p:style>
-      </p:cxnSp>
-      <p:sp>
-        <p:nvSpPr>
-          <p:cNvPr id="138" name="TextBox 137"/>
-          <p:cNvSpPr txBox="1"/>
-          <p:nvPr/>
-        </p:nvSpPr>
-        <p:spPr>
-          <a:xfrm rot="2204524">
-            <a:off x="1525672" y="7309402"/>
-            <a:ext cx="1697185" cy="369332"/>
+            <a:off x="6642100" y="2451100"/>
+            <a:ext cx="2311400" cy="369332"/>
           </a:xfrm>
           <a:prstGeom prst="rect">
             <a:avLst/>
@@ -7850,60 +7942,76 @@
           </a:bodyPr>
           <a:lstStyle/>
           <a:p>
-            <a:r>
-              <a:rPr lang="en-US" sz="1800" dirty="0">
-                <a:solidFill>
-                  <a:srgbClr val="7F7F7F"/>
-                </a:solidFill>
-              </a:rPr>
-              <a:t>p</a:t>
-            </a:r>
-            <a:r>
-              <a:rPr lang="en-US" sz="1800" dirty="0" smtClean="0">
-                <a:solidFill>
-                  <a:srgbClr val="7F7F7F"/>
-                </a:solidFill>
-              </a:rPr>
-              <a:t>arallel option</a:t>
-            </a:r>
-            <a:endParaRPr lang="en-US" sz="1800" dirty="0">
-              <a:solidFill>
-                <a:srgbClr val="7F7F7F"/>
-              </a:solidFill>
-            </a:endParaRPr>
+            <a:pPr algn="ctr"/>
+            <a:r>
+              <a:rPr lang="en-US" sz="1800" dirty="0" smtClean="0"/>
+              <a:t>global alignment</a:t>
+            </a:r>
+            <a:endParaRPr lang="en-US" sz="1800" dirty="0"/>
+          </a:p>
+        </p:txBody>
+      </p:sp>
+      <p:sp>
+        <p:nvSpPr>
+          <p:cNvPr id="93" name="TextBox 92"/>
+          <p:cNvSpPr txBox="1"/>
+          <p:nvPr/>
+        </p:nvSpPr>
+        <p:spPr>
+          <a:xfrm>
+            <a:off x="6642100" y="3550682"/>
+            <a:ext cx="2311400" cy="369332"/>
+          </a:xfrm>
+          <a:prstGeom prst="rect">
+            <a:avLst/>
+          </a:prstGeom>
+          <a:noFill/>
+        </p:spPr>
+        <p:txBody>
+          <a:bodyPr wrap="square" rtlCol="0">
+            <a:spAutoFit/>
+          </a:bodyPr>
+          <a:lstStyle/>
+          <a:p>
+            <a:pPr algn="ctr"/>
+            <a:r>
+              <a:rPr lang="en-US" sz="1800" dirty="0" smtClean="0"/>
+              <a:t>local alignment</a:t>
+            </a:r>
+            <a:endParaRPr lang="en-US" sz="1800" dirty="0"/>
           </a:p>
         </p:txBody>
       </p:sp>
       <p:grpSp>
         <p:nvGrpSpPr>
-          <p:cNvPr id="28" name="Group 27"/>
+          <p:cNvPr id="47" name="Group 46"/>
           <p:cNvGrpSpPr/>
           <p:nvPr/>
         </p:nvGrpSpPr>
         <p:grpSpPr>
           <a:xfrm>
-            <a:off x="7566023" y="4854749"/>
-            <a:ext cx="368300" cy="409749"/>
-            <a:chOff x="6502400" y="530051"/>
-            <a:chExt cx="368300" cy="409749"/>
+            <a:off x="2997204" y="5785197"/>
+            <a:ext cx="2641600" cy="952500"/>
+            <a:chOff x="2997204" y="5785197"/>
+            <a:chExt cx="2641600" cy="952500"/>
           </a:xfrm>
         </p:grpSpPr>
         <p:sp>
           <p:nvSpPr>
-            <p:cNvPr id="5" name="Oval 4"/>
+            <p:cNvPr id="10" name="Rounded Rectangle 9"/>
             <p:cNvSpPr/>
             <p:nvPr/>
           </p:nvSpPr>
           <p:spPr>
             <a:xfrm>
-              <a:off x="6502400" y="546100"/>
-              <a:ext cx="368300" cy="393700"/>
+              <a:off x="3149600" y="5785197"/>
+              <a:ext cx="2298700" cy="952500"/>
             </a:xfrm>
-            <a:prstGeom prst="ellipse">
+            <a:prstGeom prst="roundRect">
               <a:avLst/>
             </a:prstGeom>
             <a:noFill/>
-            <a:ln w="25400">
+            <a:ln>
               <a:solidFill>
                 <a:schemeClr val="tx1"/>
               </a:solidFill>
@@ -7929,20 +8037,23 @@
             <a:lstStyle/>
             <a:p>
               <a:pPr algn="ctr"/>
-              <a:endParaRPr lang="en-US"/>
+              <a:endParaRPr lang="en-US">
+                <a:latin typeface="Georgia"/>
+                <a:cs typeface="Georgia"/>
+              </a:endParaRPr>
             </a:p>
           </p:txBody>
         </p:sp>
         <p:sp>
           <p:nvSpPr>
-            <p:cNvPr id="27" name="TextBox 26"/>
+            <p:cNvPr id="11" name="TextBox 10"/>
             <p:cNvSpPr txBox="1"/>
             <p:nvPr/>
           </p:nvSpPr>
           <p:spPr>
             <a:xfrm>
-              <a:off x="6537323" y="530051"/>
-              <a:ext cx="301660" cy="369332"/>
+              <a:off x="3289300" y="5785197"/>
+              <a:ext cx="2032000" cy="692497"/>
             </a:xfrm>
             <a:prstGeom prst="rect">
               <a:avLst/>
@@ -7950,49 +8061,108 @@
             <a:noFill/>
           </p:spPr>
           <p:txBody>
-            <a:bodyPr wrap="none" rtlCol="0">
+            <a:bodyPr wrap="square" rtlCol="0">
               <a:spAutoFit/>
             </a:bodyPr>
             <a:lstStyle/>
             <a:p>
+              <a:pPr algn="ctr"/>
+              <a:r>
+                <a:rPr lang="en-US" dirty="0" smtClean="0">
+                  <a:latin typeface="Helvetica Neue"/>
+                  <a:cs typeface="Helvetica Neue"/>
+                </a:rPr>
+                <a:t>LAST</a:t>
+              </a:r>
+              <a:endParaRPr lang="en-US" dirty="0">
+                <a:latin typeface="Helvetica Neue"/>
+                <a:cs typeface="Helvetica Neue"/>
+              </a:endParaRPr>
+            </a:p>
+          </p:txBody>
+        </p:sp>
+        <p:sp>
+          <p:nvSpPr>
+            <p:cNvPr id="97" name="TextBox 96"/>
+            <p:cNvSpPr txBox="1"/>
+            <p:nvPr/>
+          </p:nvSpPr>
+          <p:spPr>
+            <a:xfrm>
+              <a:off x="2997204" y="6299895"/>
+              <a:ext cx="2641600" cy="369332"/>
+            </a:xfrm>
+            <a:prstGeom prst="rect">
+              <a:avLst/>
+            </a:prstGeom>
+            <a:noFill/>
+          </p:spPr>
+          <p:txBody>
+            <a:bodyPr wrap="square" rtlCol="0">
+              <a:spAutoFit/>
+            </a:bodyPr>
+            <a:lstStyle/>
+            <a:p>
+              <a:pPr algn="ctr"/>
               <a:r>
                 <a:rPr lang="en-US" sz="1800" dirty="0"/>
-                <a:t>2</a:t>
+                <a:t>f</a:t>
               </a:r>
+              <a:r>
+                <a:rPr lang="en-US" sz="1800" dirty="0" smtClean="0"/>
+                <a:t>ast </a:t>
+              </a:r>
+              <a:r>
+                <a:rPr lang="en-US" sz="1800" dirty="0"/>
+                <a:t>c</a:t>
+              </a:r>
+              <a:r>
+                <a:rPr lang="en-US" sz="1800" dirty="0" smtClean="0"/>
+                <a:t>andidate </a:t>
+              </a:r>
+              <a:r>
+                <a:rPr lang="en-US" sz="1800" dirty="0"/>
+                <a:t>s</a:t>
+              </a:r>
+              <a:r>
+                <a:rPr lang="en-US" sz="1800" dirty="0" smtClean="0"/>
+                <a:t>earch</a:t>
+              </a:r>
+              <a:endParaRPr lang="en-US" sz="1800" dirty="0"/>
             </a:p>
           </p:txBody>
         </p:sp>
       </p:grpSp>
       <p:grpSp>
         <p:nvGrpSpPr>
-          <p:cNvPr id="80" name="Group 79"/>
+          <p:cNvPr id="99" name="Group 98"/>
           <p:cNvGrpSpPr/>
           <p:nvPr/>
         </p:nvGrpSpPr>
         <p:grpSpPr>
           <a:xfrm>
-            <a:off x="4112556" y="4854749"/>
-            <a:ext cx="368300" cy="409749"/>
-            <a:chOff x="6502400" y="530051"/>
-            <a:chExt cx="368300" cy="409749"/>
+            <a:off x="13335000" y="5702994"/>
+            <a:ext cx="2298700" cy="952500"/>
+            <a:chOff x="4191000" y="2908300"/>
+            <a:chExt cx="2298700" cy="952500"/>
           </a:xfrm>
         </p:grpSpPr>
         <p:sp>
           <p:nvSpPr>
-            <p:cNvPr id="81" name="Oval 80"/>
+            <p:cNvPr id="100" name="Rounded Rectangle 99"/>
             <p:cNvSpPr/>
             <p:nvPr/>
           </p:nvSpPr>
           <p:spPr>
             <a:xfrm>
-              <a:off x="6502400" y="546100"/>
-              <a:ext cx="368300" cy="393700"/>
+              <a:off x="4191000" y="2908300"/>
+              <a:ext cx="2298700" cy="952500"/>
             </a:xfrm>
-            <a:prstGeom prst="ellipse">
+            <a:prstGeom prst="roundRect">
               <a:avLst/>
             </a:prstGeom>
             <a:noFill/>
-            <a:ln w="25400">
+            <a:ln>
               <a:solidFill>
                 <a:schemeClr val="tx1"/>
               </a:solidFill>
@@ -8018,20 +8188,23 @@
             <a:lstStyle/>
             <a:p>
               <a:pPr algn="ctr"/>
-              <a:endParaRPr lang="en-US"/>
+              <a:endParaRPr lang="en-US">
+                <a:latin typeface="Georgia"/>
+                <a:cs typeface="Georgia"/>
+              </a:endParaRPr>
             </a:p>
           </p:txBody>
         </p:sp>
         <p:sp>
           <p:nvSpPr>
-            <p:cNvPr id="82" name="TextBox 81"/>
+            <p:cNvPr id="101" name="TextBox 100"/>
             <p:cNvSpPr txBox="1"/>
             <p:nvPr/>
           </p:nvSpPr>
           <p:spPr>
             <a:xfrm>
-              <a:off x="6537323" y="530051"/>
-              <a:ext cx="301660" cy="369332"/>
+              <a:off x="4318000" y="3004244"/>
+              <a:ext cx="2032000" cy="523220"/>
             </a:xfrm>
             <a:prstGeom prst="rect">
               <a:avLst/>
@@ -8039,50 +8212,92 @@
             <a:noFill/>
           </p:spPr>
           <p:txBody>
-            <a:bodyPr wrap="none" rtlCol="0">
+            <a:bodyPr wrap="square" rtlCol="0">
               <a:spAutoFit/>
             </a:bodyPr>
             <a:lstStyle/>
             <a:p>
+              <a:pPr algn="ctr"/>
               <a:r>
-                <a:rPr lang="en-US" sz="1800" dirty="0" smtClean="0"/>
-                <a:t>1</a:t>
+                <a:rPr lang="en-US" sz="2800" dirty="0" err="1" smtClean="0">
+                  <a:latin typeface="Helvetica Neue"/>
+                  <a:cs typeface="Helvetica Neue"/>
+                </a:rPr>
+                <a:t>pplacer</a:t>
               </a:r>
-              <a:endParaRPr lang="en-US" sz="1800" dirty="0"/>
+              <a:endParaRPr lang="en-US" sz="2800" dirty="0">
+                <a:latin typeface="Helvetica Neue"/>
+                <a:cs typeface="Helvetica Neue"/>
+              </a:endParaRPr>
             </a:p>
           </p:txBody>
         </p:sp>
       </p:grpSp>
+      <p:sp>
+        <p:nvSpPr>
+          <p:cNvPr id="102" name="TextBox 101"/>
+          <p:cNvSpPr txBox="1"/>
+          <p:nvPr/>
+        </p:nvSpPr>
+        <p:spPr>
+          <a:xfrm>
+            <a:off x="13258800" y="6236394"/>
+            <a:ext cx="2463800" cy="338554"/>
+          </a:xfrm>
+          <a:prstGeom prst="rect">
+            <a:avLst/>
+          </a:prstGeom>
+          <a:noFill/>
+        </p:spPr>
+        <p:txBody>
+          <a:bodyPr wrap="square" rtlCol="0">
+            <a:spAutoFit/>
+          </a:bodyPr>
+          <a:lstStyle/>
+          <a:p>
+            <a:pPr algn="ctr"/>
+            <a:r>
+              <a:rPr lang="en-US" sz="1600" dirty="0"/>
+              <a:t>p</a:t>
+            </a:r>
+            <a:r>
+              <a:rPr lang="en-US" sz="1600" dirty="0" smtClean="0"/>
+              <a:t>hylogenetic placement</a:t>
+            </a:r>
+            <a:endParaRPr lang="en-US" sz="1600" dirty="0"/>
+          </a:p>
+        </p:txBody>
+      </p:sp>
       <p:grpSp>
         <p:nvGrpSpPr>
-          <p:cNvPr id="86" name="Group 85"/>
+          <p:cNvPr id="108" name="Group 107"/>
           <p:cNvGrpSpPr/>
           <p:nvPr/>
         </p:nvGrpSpPr>
         <p:grpSpPr>
           <a:xfrm>
-            <a:off x="10883900" y="4854749"/>
-            <a:ext cx="368300" cy="409749"/>
-            <a:chOff x="6502400" y="530051"/>
-            <a:chExt cx="368300" cy="409749"/>
+            <a:off x="2984500" y="1938129"/>
+            <a:ext cx="2641600" cy="952500"/>
+            <a:chOff x="2997204" y="5785197"/>
+            <a:chExt cx="2641600" cy="952500"/>
           </a:xfrm>
         </p:grpSpPr>
         <p:sp>
           <p:nvSpPr>
-            <p:cNvPr id="88" name="Oval 87"/>
+            <p:cNvPr id="109" name="Rounded Rectangle 108"/>
             <p:cNvSpPr/>
             <p:nvPr/>
           </p:nvSpPr>
           <p:spPr>
             <a:xfrm>
-              <a:off x="6502400" y="546100"/>
-              <a:ext cx="368300" cy="393700"/>
+              <a:off x="3149600" y="5785197"/>
+              <a:ext cx="2298700" cy="952500"/>
             </a:xfrm>
-            <a:prstGeom prst="ellipse">
+            <a:prstGeom prst="roundRect">
               <a:avLst/>
             </a:prstGeom>
             <a:noFill/>
-            <a:ln w="25400">
+            <a:ln>
               <a:solidFill>
                 <a:schemeClr val="tx1"/>
               </a:solidFill>
@@ -8108,20 +8323,23 @@
             <a:lstStyle/>
             <a:p>
               <a:pPr algn="ctr"/>
-              <a:endParaRPr lang="en-US"/>
+              <a:endParaRPr lang="en-US">
+                <a:latin typeface="Georgia"/>
+                <a:cs typeface="Georgia"/>
+              </a:endParaRPr>
             </a:p>
           </p:txBody>
         </p:sp>
         <p:sp>
           <p:nvSpPr>
-            <p:cNvPr id="92" name="TextBox 91"/>
+            <p:cNvPr id="110" name="TextBox 109"/>
             <p:cNvSpPr txBox="1"/>
             <p:nvPr/>
           </p:nvSpPr>
           <p:spPr>
             <a:xfrm>
-              <a:off x="6537323" y="530051"/>
-              <a:ext cx="301660" cy="369332"/>
+              <a:off x="3289300" y="5785197"/>
+              <a:ext cx="2032000" cy="692497"/>
             </a:xfrm>
             <a:prstGeom prst="rect">
               <a:avLst/>
@@ -8129,28 +8347,1034 @@
             <a:noFill/>
           </p:spPr>
           <p:txBody>
-            <a:bodyPr wrap="none" rtlCol="0">
+            <a:bodyPr wrap="square" rtlCol="0">
               <a:spAutoFit/>
             </a:bodyPr>
             <a:lstStyle/>
             <a:p>
+              <a:pPr algn="ctr"/>
+              <a:r>
+                <a:rPr lang="en-US" dirty="0" smtClean="0">
+                  <a:latin typeface="Helvetica Neue"/>
+                  <a:cs typeface="Helvetica Neue"/>
+                </a:rPr>
+                <a:t>LAST</a:t>
+              </a:r>
+              <a:endParaRPr lang="en-US" dirty="0">
+                <a:latin typeface="Helvetica Neue"/>
+                <a:cs typeface="Helvetica Neue"/>
+              </a:endParaRPr>
+            </a:p>
+          </p:txBody>
+        </p:sp>
+        <p:sp>
+          <p:nvSpPr>
+            <p:cNvPr id="123" name="TextBox 122"/>
+            <p:cNvSpPr txBox="1"/>
+            <p:nvPr/>
+          </p:nvSpPr>
+          <p:spPr>
+            <a:xfrm>
+              <a:off x="2997204" y="6299895"/>
+              <a:ext cx="2641600" cy="369332"/>
+            </a:xfrm>
+            <a:prstGeom prst="rect">
+              <a:avLst/>
+            </a:prstGeom>
+            <a:noFill/>
+          </p:spPr>
+          <p:txBody>
+            <a:bodyPr wrap="square" rtlCol="0">
+              <a:spAutoFit/>
+            </a:bodyPr>
+            <a:lstStyle/>
+            <a:p>
+              <a:pPr algn="ctr"/>
               <a:r>
                 <a:rPr lang="en-US" sz="1800" dirty="0"/>
-                <a:t>3</a:t>
+                <a:t>f</a:t>
               </a:r>
+              <a:r>
+                <a:rPr lang="en-US" sz="1800" dirty="0" smtClean="0"/>
+                <a:t>ast </a:t>
+              </a:r>
+              <a:r>
+                <a:rPr lang="en-US" sz="1800" dirty="0"/>
+                <a:t>c</a:t>
+              </a:r>
+              <a:r>
+                <a:rPr lang="en-US" sz="1800" dirty="0" smtClean="0"/>
+                <a:t>andidate </a:t>
+              </a:r>
+              <a:r>
+                <a:rPr lang="en-US" sz="1800" dirty="0"/>
+                <a:t>s</a:t>
+              </a:r>
+              <a:r>
+                <a:rPr lang="en-US" sz="1800" dirty="0" smtClean="0"/>
+                <a:t>earch</a:t>
+              </a:r>
+              <a:endParaRPr lang="en-US" sz="1800" dirty="0"/>
             </a:p>
           </p:txBody>
         </p:sp>
       </p:grpSp>
       <p:grpSp>
         <p:nvGrpSpPr>
-          <p:cNvPr id="93" name="Group 92"/>
+          <p:cNvPr id="124" name="Group 123"/>
           <p:cNvGrpSpPr/>
           <p:nvPr/>
         </p:nvGrpSpPr>
         <p:grpSpPr>
           <a:xfrm>
-            <a:off x="14998700" y="4858098"/>
+            <a:off x="2997204" y="7372022"/>
+            <a:ext cx="2641600" cy="952500"/>
+            <a:chOff x="2997204" y="5785197"/>
+            <a:chExt cx="2641600" cy="952500"/>
+          </a:xfrm>
+        </p:grpSpPr>
+        <p:sp>
+          <p:nvSpPr>
+            <p:cNvPr id="125" name="Rounded Rectangle 124"/>
+            <p:cNvSpPr/>
+            <p:nvPr/>
+          </p:nvSpPr>
+          <p:spPr>
+            <a:xfrm>
+              <a:off x="3149600" y="5785197"/>
+              <a:ext cx="2298700" cy="952500"/>
+            </a:xfrm>
+            <a:prstGeom prst="roundRect">
+              <a:avLst/>
+            </a:prstGeom>
+            <a:noFill/>
+            <a:ln>
+              <a:solidFill>
+                <a:schemeClr val="tx1"/>
+              </a:solidFill>
+            </a:ln>
+            <a:effectLst/>
+          </p:spPr>
+          <p:style>
+            <a:lnRef idx="1">
+              <a:schemeClr val="accent1"/>
+            </a:lnRef>
+            <a:fillRef idx="3">
+              <a:schemeClr val="accent1"/>
+            </a:fillRef>
+            <a:effectRef idx="2">
+              <a:schemeClr val="accent1"/>
+            </a:effectRef>
+            <a:fontRef idx="minor">
+              <a:schemeClr val="lt1"/>
+            </a:fontRef>
+          </p:style>
+          <p:txBody>
+            <a:bodyPr rtlCol="0" anchor="ctr"/>
+            <a:lstStyle/>
+            <a:p>
+              <a:pPr algn="ctr"/>
+              <a:endParaRPr lang="en-US">
+                <a:latin typeface="Georgia"/>
+                <a:cs typeface="Georgia"/>
+              </a:endParaRPr>
+            </a:p>
+          </p:txBody>
+        </p:sp>
+        <p:sp>
+          <p:nvSpPr>
+            <p:cNvPr id="126" name="TextBox 125"/>
+            <p:cNvSpPr txBox="1"/>
+            <p:nvPr/>
+          </p:nvSpPr>
+          <p:spPr>
+            <a:xfrm>
+              <a:off x="3289300" y="5785197"/>
+              <a:ext cx="2032000" cy="692497"/>
+            </a:xfrm>
+            <a:prstGeom prst="rect">
+              <a:avLst/>
+            </a:prstGeom>
+            <a:noFill/>
+            <a:ln>
+              <a:noFill/>
+            </a:ln>
+          </p:spPr>
+          <p:txBody>
+            <a:bodyPr wrap="square" rtlCol="0">
+              <a:spAutoFit/>
+            </a:bodyPr>
+            <a:lstStyle/>
+            <a:p>
+              <a:pPr algn="ctr"/>
+              <a:r>
+                <a:rPr lang="en-US" dirty="0" smtClean="0">
+                  <a:solidFill>
+                    <a:srgbClr val="7F7F7F"/>
+                  </a:solidFill>
+                  <a:latin typeface="Helvetica Neue"/>
+                  <a:cs typeface="Helvetica Neue"/>
+                </a:rPr>
+                <a:t>LAST</a:t>
+              </a:r>
+              <a:endParaRPr lang="en-US" dirty="0">
+                <a:solidFill>
+                  <a:srgbClr val="7F7F7F"/>
+                </a:solidFill>
+                <a:latin typeface="Helvetica Neue"/>
+                <a:cs typeface="Helvetica Neue"/>
+              </a:endParaRPr>
+            </a:p>
+          </p:txBody>
+        </p:sp>
+        <p:sp>
+          <p:nvSpPr>
+            <p:cNvPr id="127" name="TextBox 126"/>
+            <p:cNvSpPr txBox="1"/>
+            <p:nvPr/>
+          </p:nvSpPr>
+          <p:spPr>
+            <a:xfrm>
+              <a:off x="2997204" y="6299895"/>
+              <a:ext cx="2641600" cy="369332"/>
+            </a:xfrm>
+            <a:prstGeom prst="rect">
+              <a:avLst/>
+            </a:prstGeom>
+            <a:noFill/>
+            <a:ln>
+              <a:noFill/>
+            </a:ln>
+          </p:spPr>
+          <p:txBody>
+            <a:bodyPr wrap="square" rtlCol="0">
+              <a:spAutoFit/>
+            </a:bodyPr>
+            <a:lstStyle/>
+            <a:p>
+              <a:pPr algn="ctr"/>
+              <a:r>
+                <a:rPr lang="en-US" sz="1800" dirty="0">
+                  <a:solidFill>
+                    <a:srgbClr val="7F7F7F"/>
+                  </a:solidFill>
+                </a:rPr>
+                <a:t>f</a:t>
+              </a:r>
+              <a:r>
+                <a:rPr lang="en-US" sz="1800" dirty="0" smtClean="0">
+                  <a:solidFill>
+                    <a:srgbClr val="7F7F7F"/>
+                  </a:solidFill>
+                </a:rPr>
+                <a:t>ast </a:t>
+              </a:r>
+              <a:r>
+                <a:rPr lang="en-US" sz="1800" dirty="0">
+                  <a:solidFill>
+                    <a:srgbClr val="7F7F7F"/>
+                  </a:solidFill>
+                </a:rPr>
+                <a:t>c</a:t>
+              </a:r>
+              <a:r>
+                <a:rPr lang="en-US" sz="1800" dirty="0" smtClean="0">
+                  <a:solidFill>
+                    <a:srgbClr val="7F7F7F"/>
+                  </a:solidFill>
+                </a:rPr>
+                <a:t>andidate </a:t>
+              </a:r>
+              <a:r>
+                <a:rPr lang="en-US" sz="1800" dirty="0">
+                  <a:solidFill>
+                    <a:srgbClr val="7F7F7F"/>
+                  </a:solidFill>
+                </a:rPr>
+                <a:t>s</a:t>
+              </a:r>
+              <a:r>
+                <a:rPr lang="en-US" sz="1800" dirty="0" smtClean="0">
+                  <a:solidFill>
+                    <a:srgbClr val="7F7F7F"/>
+                  </a:solidFill>
+                </a:rPr>
+                <a:t>earch</a:t>
+              </a:r>
+              <a:endParaRPr lang="en-US" sz="1800" dirty="0">
+                <a:solidFill>
+                  <a:srgbClr val="7F7F7F"/>
+                </a:solidFill>
+              </a:endParaRPr>
+            </a:p>
+          </p:txBody>
+        </p:sp>
+      </p:grpSp>
+      <p:sp>
+        <p:nvSpPr>
+          <p:cNvPr id="129" name="TextBox 128"/>
+          <p:cNvSpPr txBox="1"/>
+          <p:nvPr/>
+        </p:nvSpPr>
+        <p:spPr>
+          <a:xfrm>
+            <a:off x="2997204" y="3540741"/>
+            <a:ext cx="2641600" cy="369332"/>
+          </a:xfrm>
+          <a:prstGeom prst="rect">
+            <a:avLst/>
+          </a:prstGeom>
+          <a:noFill/>
+        </p:spPr>
+        <p:txBody>
+          <a:bodyPr wrap="square" rtlCol="0">
+            <a:spAutoFit/>
+          </a:bodyPr>
+          <a:lstStyle/>
+          <a:p>
+            <a:pPr algn="ctr"/>
+            <a:r>
+              <a:rPr lang="en-US" sz="1800" dirty="0"/>
+              <a:t>f</a:t>
+            </a:r>
+            <a:r>
+              <a:rPr lang="en-US" sz="1800" dirty="0" smtClean="0"/>
+              <a:t>ast </a:t>
+            </a:r>
+            <a:r>
+              <a:rPr lang="en-US" sz="1800" dirty="0"/>
+              <a:t>c</a:t>
+            </a:r>
+            <a:r>
+              <a:rPr lang="en-US" sz="1800" dirty="0" smtClean="0"/>
+              <a:t>andidate </a:t>
+            </a:r>
+            <a:r>
+              <a:rPr lang="en-US" sz="1800" dirty="0"/>
+              <a:t>s</a:t>
+            </a:r>
+            <a:r>
+              <a:rPr lang="en-US" sz="1800" dirty="0" smtClean="0"/>
+              <a:t>earch</a:t>
+            </a:r>
+            <a:endParaRPr lang="en-US" sz="1800" dirty="0"/>
+          </a:p>
+        </p:txBody>
+      </p:sp>
+      <p:grpSp>
+        <p:nvGrpSpPr>
+          <p:cNvPr id="48" name="Group 47"/>
+          <p:cNvGrpSpPr/>
+          <p:nvPr/>
+        </p:nvGrpSpPr>
+        <p:grpSpPr>
+          <a:xfrm>
+            <a:off x="10020300" y="5785197"/>
+            <a:ext cx="2311400" cy="952500"/>
+            <a:chOff x="10020300" y="5785197"/>
+            <a:chExt cx="2311400" cy="952500"/>
+          </a:xfrm>
+        </p:grpSpPr>
+        <p:sp>
+          <p:nvSpPr>
+            <p:cNvPr id="25" name="Rounded Rectangle 24"/>
+            <p:cNvSpPr/>
+            <p:nvPr/>
+          </p:nvSpPr>
+          <p:spPr>
+            <a:xfrm>
+              <a:off x="10020300" y="5785197"/>
+              <a:ext cx="2298700" cy="952500"/>
+            </a:xfrm>
+            <a:prstGeom prst="roundRect">
+              <a:avLst/>
+            </a:prstGeom>
+            <a:noFill/>
+            <a:ln>
+              <a:solidFill>
+                <a:schemeClr val="tx1"/>
+              </a:solidFill>
+            </a:ln>
+            <a:effectLst/>
+          </p:spPr>
+          <p:style>
+            <a:lnRef idx="1">
+              <a:schemeClr val="accent1"/>
+            </a:lnRef>
+            <a:fillRef idx="3">
+              <a:schemeClr val="accent1"/>
+            </a:fillRef>
+            <a:effectRef idx="2">
+              <a:schemeClr val="accent1"/>
+            </a:effectRef>
+            <a:fontRef idx="minor">
+              <a:schemeClr val="lt1"/>
+            </a:fontRef>
+          </p:style>
+          <p:txBody>
+            <a:bodyPr rtlCol="0" anchor="ctr"/>
+            <a:lstStyle/>
+            <a:p>
+              <a:pPr algn="ctr"/>
+              <a:endParaRPr lang="en-US">
+                <a:latin typeface="Georgia"/>
+                <a:cs typeface="Georgia"/>
+              </a:endParaRPr>
+            </a:p>
+          </p:txBody>
+        </p:sp>
+        <p:sp>
+          <p:nvSpPr>
+            <p:cNvPr id="26" name="TextBox 25"/>
+            <p:cNvSpPr txBox="1"/>
+            <p:nvPr/>
+          </p:nvSpPr>
+          <p:spPr>
+            <a:xfrm>
+              <a:off x="10134600" y="5867400"/>
+              <a:ext cx="2032000" cy="553998"/>
+            </a:xfrm>
+            <a:prstGeom prst="rect">
+              <a:avLst/>
+            </a:prstGeom>
+            <a:noFill/>
+          </p:spPr>
+          <p:txBody>
+            <a:bodyPr wrap="square" rtlCol="0">
+              <a:spAutoFit/>
+            </a:bodyPr>
+            <a:lstStyle/>
+            <a:p>
+              <a:pPr algn="ctr"/>
+              <a:r>
+                <a:rPr lang="en-US" sz="3000" dirty="0" err="1" smtClean="0">
+                  <a:latin typeface="Helvetica Neue"/>
+                  <a:cs typeface="Helvetica Neue"/>
+                </a:rPr>
+                <a:t>hmmalign</a:t>
+              </a:r>
+              <a:endParaRPr lang="en-US" sz="3000" dirty="0">
+                <a:latin typeface="Helvetica Neue"/>
+                <a:cs typeface="Helvetica Neue"/>
+              </a:endParaRPr>
+            </a:p>
+          </p:txBody>
+        </p:sp>
+        <p:sp>
+          <p:nvSpPr>
+            <p:cNvPr id="130" name="TextBox 129"/>
+            <p:cNvSpPr txBox="1"/>
+            <p:nvPr/>
+          </p:nvSpPr>
+          <p:spPr>
+            <a:xfrm>
+              <a:off x="10020300" y="6314082"/>
+              <a:ext cx="2311400" cy="369332"/>
+            </a:xfrm>
+            <a:prstGeom prst="rect">
+              <a:avLst/>
+            </a:prstGeom>
+            <a:noFill/>
+          </p:spPr>
+          <p:txBody>
+            <a:bodyPr wrap="square" rtlCol="0">
+              <a:spAutoFit/>
+            </a:bodyPr>
+            <a:lstStyle/>
+            <a:p>
+              <a:pPr algn="ctr"/>
+              <a:r>
+                <a:rPr lang="en-US" sz="1800" dirty="0" smtClean="0"/>
+                <a:t>multiple alignment</a:t>
+              </a:r>
+              <a:endParaRPr lang="en-US" sz="1800" dirty="0"/>
+            </a:p>
+          </p:txBody>
+        </p:sp>
+      </p:grpSp>
+      <p:grpSp>
+        <p:nvGrpSpPr>
+          <p:cNvPr id="131" name="Group 130"/>
+          <p:cNvGrpSpPr/>
+          <p:nvPr/>
+        </p:nvGrpSpPr>
+        <p:grpSpPr>
+          <a:xfrm>
+            <a:off x="10007600" y="7410470"/>
+            <a:ext cx="2311400" cy="952500"/>
+            <a:chOff x="10020300" y="5785197"/>
+            <a:chExt cx="2311400" cy="952500"/>
+          </a:xfrm>
+        </p:grpSpPr>
+        <p:sp>
+          <p:nvSpPr>
+            <p:cNvPr id="132" name="Rounded Rectangle 131"/>
+            <p:cNvSpPr/>
+            <p:nvPr/>
+          </p:nvSpPr>
+          <p:spPr>
+            <a:xfrm>
+              <a:off x="10020300" y="5785197"/>
+              <a:ext cx="2298700" cy="952500"/>
+            </a:xfrm>
+            <a:prstGeom prst="roundRect">
+              <a:avLst/>
+            </a:prstGeom>
+            <a:noFill/>
+            <a:ln>
+              <a:solidFill>
+                <a:schemeClr val="tx1"/>
+              </a:solidFill>
+            </a:ln>
+            <a:effectLst/>
+          </p:spPr>
+          <p:style>
+            <a:lnRef idx="1">
+              <a:schemeClr val="accent1"/>
+            </a:lnRef>
+            <a:fillRef idx="3">
+              <a:schemeClr val="accent1"/>
+            </a:fillRef>
+            <a:effectRef idx="2">
+              <a:schemeClr val="accent1"/>
+            </a:effectRef>
+            <a:fontRef idx="minor">
+              <a:schemeClr val="lt1"/>
+            </a:fontRef>
+          </p:style>
+          <p:txBody>
+            <a:bodyPr rtlCol="0" anchor="ctr"/>
+            <a:lstStyle/>
+            <a:p>
+              <a:pPr algn="ctr"/>
+              <a:endParaRPr lang="en-US">
+                <a:latin typeface="Georgia"/>
+                <a:cs typeface="Georgia"/>
+              </a:endParaRPr>
+            </a:p>
+          </p:txBody>
+        </p:sp>
+        <p:sp>
+          <p:nvSpPr>
+            <p:cNvPr id="133" name="TextBox 132"/>
+            <p:cNvSpPr txBox="1"/>
+            <p:nvPr/>
+          </p:nvSpPr>
+          <p:spPr>
+            <a:xfrm>
+              <a:off x="10134600" y="5867400"/>
+              <a:ext cx="2032000" cy="553998"/>
+            </a:xfrm>
+            <a:prstGeom prst="rect">
+              <a:avLst/>
+            </a:prstGeom>
+            <a:noFill/>
+          </p:spPr>
+          <p:txBody>
+            <a:bodyPr wrap="square" rtlCol="0">
+              <a:spAutoFit/>
+            </a:bodyPr>
+            <a:lstStyle/>
+            <a:p>
+              <a:pPr algn="ctr"/>
+              <a:r>
+                <a:rPr lang="en-US" sz="3000" dirty="0" err="1" smtClean="0">
+                  <a:solidFill>
+                    <a:srgbClr val="7F7F7F"/>
+                  </a:solidFill>
+                  <a:latin typeface="Helvetica Neue"/>
+                  <a:cs typeface="Helvetica Neue"/>
+                </a:rPr>
+                <a:t>hmmalign</a:t>
+              </a:r>
+              <a:endParaRPr lang="en-US" sz="3000" dirty="0">
+                <a:solidFill>
+                  <a:srgbClr val="7F7F7F"/>
+                </a:solidFill>
+                <a:latin typeface="Helvetica Neue"/>
+                <a:cs typeface="Helvetica Neue"/>
+              </a:endParaRPr>
+            </a:p>
+          </p:txBody>
+        </p:sp>
+        <p:sp>
+          <p:nvSpPr>
+            <p:cNvPr id="134" name="TextBox 133"/>
+            <p:cNvSpPr txBox="1"/>
+            <p:nvPr/>
+          </p:nvSpPr>
+          <p:spPr>
+            <a:xfrm>
+              <a:off x="10020300" y="6314082"/>
+              <a:ext cx="2311400" cy="369332"/>
+            </a:xfrm>
+            <a:prstGeom prst="rect">
+              <a:avLst/>
+            </a:prstGeom>
+            <a:noFill/>
+          </p:spPr>
+          <p:txBody>
+            <a:bodyPr wrap="square" rtlCol="0">
+              <a:spAutoFit/>
+            </a:bodyPr>
+            <a:lstStyle/>
+            <a:p>
+              <a:pPr algn="ctr"/>
+              <a:r>
+                <a:rPr lang="en-US" sz="1800" dirty="0" smtClean="0">
+                  <a:solidFill>
+                    <a:srgbClr val="7F7F7F"/>
+                  </a:solidFill>
+                </a:rPr>
+                <a:t>multiple alignment</a:t>
+              </a:r>
+              <a:endParaRPr lang="en-US" sz="1800" dirty="0">
+                <a:solidFill>
+                  <a:srgbClr val="7F7F7F"/>
+                </a:solidFill>
+              </a:endParaRPr>
+            </a:p>
+          </p:txBody>
+        </p:sp>
+      </p:grpSp>
+      <p:sp>
+        <p:nvSpPr>
+          <p:cNvPr id="83" name="TextBox 82"/>
+          <p:cNvSpPr txBox="1"/>
+          <p:nvPr/>
+        </p:nvSpPr>
+        <p:spPr>
+          <a:xfrm>
+            <a:off x="1314450" y="8940800"/>
+            <a:ext cx="14624050" cy="6463309"/>
+          </a:xfrm>
+          <a:prstGeom prst="rect">
+            <a:avLst/>
+          </a:prstGeom>
+          <a:noFill/>
+        </p:spPr>
+        <p:txBody>
+          <a:bodyPr wrap="square" rtlCol="0">
+            <a:spAutoFit/>
+          </a:bodyPr>
+          <a:lstStyle/>
+          <a:p>
+            <a:r>
+              <a:rPr lang="en-US" sz="1800" dirty="0" smtClean="0"/>
+              <a:t>1. Input sequences are compared to unaligned reference marker sequences using adaptive seed searches implemented in the LAST algorithm (</a:t>
+            </a:r>
+            <a:r>
+              <a:rPr lang="en-US" sz="1800" dirty="0" err="1" smtClean="0"/>
+              <a:t>Kiełbasa</a:t>
+            </a:r>
+            <a:r>
+              <a:rPr lang="en-US" sz="1800" dirty="0" smtClean="0"/>
+              <a:t> et al. 2011). The LAST algorithm is ideal for mining </a:t>
+            </a:r>
+            <a:r>
+              <a:rPr lang="en-US" sz="1800" dirty="0" err="1" smtClean="0"/>
+              <a:t>rRNA</a:t>
+            </a:r>
+            <a:r>
+              <a:rPr lang="en-US" sz="1800" dirty="0" smtClean="0"/>
+              <a:t> and protein coding markers because it allows fast, sensitive searches of extremely large datasets (e.g. </a:t>
+            </a:r>
+            <a:r>
+              <a:rPr lang="en-US" sz="1800" dirty="0" err="1" smtClean="0"/>
+              <a:t>Illumina</a:t>
+            </a:r>
+            <a:r>
+              <a:rPr lang="en-US" sz="1800" dirty="0" smtClean="0"/>
+              <a:t>) and can additionally handle </a:t>
+            </a:r>
+            <a:r>
+              <a:rPr lang="en-US" sz="1800" dirty="0" err="1" smtClean="0"/>
+              <a:t>frameshift</a:t>
+            </a:r>
+            <a:r>
+              <a:rPr lang="en-US" sz="1800" dirty="0" smtClean="0"/>
+              <a:t> mutations and interpret quality information from </a:t>
+            </a:r>
+            <a:r>
+              <a:rPr lang="en-US" sz="1800" dirty="0" err="1" smtClean="0"/>
+              <a:t>Illumina</a:t>
+            </a:r>
+            <a:r>
+              <a:rPr lang="en-US" sz="1800" dirty="0" smtClean="0"/>
+              <a:t> FASTQ files.</a:t>
+            </a:r>
+          </a:p>
+          <a:p>
+            <a:endParaRPr lang="en-US" sz="1800" dirty="0"/>
+          </a:p>
+          <a:p>
+            <a:r>
+              <a:rPr lang="en-US" sz="1800" dirty="0" smtClean="0"/>
+              <a:t>2. Candidate marker sequences identified in LAST searches are next screened against profile alignments that have been </a:t>
+            </a:r>
+            <a:r>
+              <a:rPr lang="en-US" sz="1800" dirty="0" smtClean="0"/>
+              <a:t>pre-computed </a:t>
+            </a:r>
+            <a:r>
+              <a:rPr lang="en-US" sz="1800" dirty="0" smtClean="0"/>
+              <a:t>for reference marker genes (housed in the local </a:t>
+            </a:r>
+            <a:r>
+              <a:rPr lang="en-US" sz="1800" dirty="0" smtClean="0"/>
+              <a:t>directory: /share</a:t>
+            </a:r>
+            <a:r>
+              <a:rPr lang="en-US" sz="1800" dirty="0" smtClean="0"/>
+              <a:t>/</a:t>
+            </a:r>
+            <a:r>
+              <a:rPr lang="en-US" sz="1800" dirty="0" err="1" smtClean="0"/>
+              <a:t>phylosift</a:t>
+            </a:r>
+            <a:r>
+              <a:rPr lang="en-US" sz="1800" dirty="0" smtClean="0"/>
+              <a:t>/</a:t>
+            </a:r>
+            <a:r>
+              <a:rPr lang="en-US" sz="1800" dirty="0" smtClean="0"/>
+              <a:t>markers/ )</a:t>
+            </a:r>
+            <a:r>
+              <a:rPr lang="en-US" sz="1800" dirty="0" smtClean="0"/>
+              <a:t>. In order to take a stringent search approach towards short read data, PhyloSift relies on threshold e-values to accept or reject candidate sequences after initial LAST searches. </a:t>
+            </a:r>
+            <a:r>
+              <a:rPr lang="en-US" sz="1800" dirty="0" smtClean="0"/>
+              <a:t>For </a:t>
+            </a:r>
+            <a:r>
+              <a:rPr lang="en-US" sz="1800" dirty="0" err="1" smtClean="0"/>
+              <a:t>rRNA</a:t>
+            </a:r>
+            <a:r>
+              <a:rPr lang="en-US" sz="1800" dirty="0" smtClean="0"/>
+              <a:t> sequences, </a:t>
+            </a:r>
+            <a:r>
+              <a:rPr lang="en-US" sz="1800" dirty="0" smtClean="0"/>
+              <a:t>screening and alignment relies </a:t>
+            </a:r>
+            <a:r>
+              <a:rPr lang="en-US" sz="1800" dirty="0" smtClean="0"/>
+              <a:t>on Covariance Model </a:t>
+            </a:r>
+            <a:r>
+              <a:rPr lang="en-US" sz="1800" dirty="0" smtClean="0"/>
+              <a:t>profiles (CMs; a class of Stochastic Context Free Grammar Models that utilize stem/loop information in </a:t>
+            </a:r>
+            <a:r>
+              <a:rPr lang="en-US" sz="1800" dirty="0" err="1" smtClean="0"/>
+              <a:t>rRNA</a:t>
+            </a:r>
+            <a:r>
+              <a:rPr lang="en-US" sz="1800" dirty="0" smtClean="0"/>
+              <a:t> secondary structure</a:t>
+            </a:r>
+            <a:r>
+              <a:rPr lang="en-US" sz="1800" dirty="0" smtClean="0"/>
+              <a:t>) and is carried out via </a:t>
+            </a:r>
+            <a:r>
+              <a:rPr lang="en-US" sz="1800" dirty="0" smtClean="0"/>
+              <a:t>the </a:t>
+            </a:r>
+            <a:r>
+              <a:rPr lang="en-US" sz="1800" dirty="0" err="1" smtClean="0"/>
+              <a:t>cmalign</a:t>
+            </a:r>
+            <a:r>
+              <a:rPr lang="en-US" sz="1800" dirty="0" smtClean="0"/>
+              <a:t> </a:t>
+            </a:r>
+            <a:r>
+              <a:rPr lang="en-US" sz="1800" dirty="0" smtClean="0"/>
+              <a:t>algorithm in the SSU-align software, </a:t>
+            </a:r>
+            <a:r>
+              <a:rPr lang="en-US" sz="1800" dirty="0" smtClean="0"/>
+              <a:t>using probability thresholds of </a:t>
+            </a:r>
+            <a:r>
+              <a:rPr lang="en-US" sz="1800" dirty="0" smtClean="0"/>
+              <a:t>1x10</a:t>
+            </a:r>
+            <a:r>
+              <a:rPr lang="en-US" sz="1800" baseline="30000" dirty="0" smtClean="0"/>
+              <a:t>-6 </a:t>
+            </a:r>
+            <a:r>
+              <a:rPr lang="en-US" sz="1800" dirty="0" smtClean="0"/>
+              <a:t>for </a:t>
+            </a:r>
+            <a:r>
+              <a:rPr lang="en-US" sz="1800" dirty="0" smtClean="0"/>
+              <a:t>sequences </a:t>
+            </a:r>
+            <a:r>
+              <a:rPr lang="en-US" sz="1800" dirty="0" smtClean="0"/>
+              <a:t>&gt;1000 </a:t>
+            </a:r>
+            <a:r>
+              <a:rPr lang="en-US" sz="1800" dirty="0" err="1" smtClean="0"/>
+              <a:t>bp</a:t>
+            </a:r>
+            <a:r>
+              <a:rPr lang="en-US" sz="1800" dirty="0" smtClean="0"/>
+              <a:t> and 1x10</a:t>
+            </a:r>
+            <a:r>
+              <a:rPr lang="en-US" sz="1800" baseline="30000" dirty="0" smtClean="0"/>
+              <a:t>-20 </a:t>
+            </a:r>
+            <a:r>
+              <a:rPr lang="en-US" sz="1800" dirty="0" smtClean="0"/>
+              <a:t>for sequences &lt;1000 </a:t>
+            </a:r>
+            <a:r>
+              <a:rPr lang="en-US" sz="1800" dirty="0" err="1" smtClean="0"/>
+              <a:t>bp.</a:t>
+            </a:r>
+            <a:r>
+              <a:rPr lang="en-US" sz="1800" dirty="0" smtClean="0"/>
+              <a:t> </a:t>
+            </a:r>
+            <a:r>
+              <a:rPr lang="en-US" sz="1800" dirty="0"/>
+              <a:t>P</a:t>
+            </a:r>
+            <a:r>
+              <a:rPr lang="en-US" sz="1800" dirty="0" smtClean="0"/>
+              <a:t>rotein </a:t>
+            </a:r>
+            <a:r>
+              <a:rPr lang="en-US" sz="1800" dirty="0" smtClean="0"/>
+              <a:t>coding genes rely on </a:t>
+            </a:r>
+            <a:r>
+              <a:rPr lang="en-US" sz="1800" dirty="0" smtClean="0"/>
+              <a:t>profile Hidden </a:t>
+            </a:r>
+            <a:r>
+              <a:rPr lang="en-US" sz="1800" dirty="0" smtClean="0"/>
+              <a:t>Markov Models </a:t>
+            </a:r>
+            <a:r>
+              <a:rPr lang="en-US" sz="1800" dirty="0" smtClean="0"/>
+              <a:t>(</a:t>
+            </a:r>
+            <a:r>
+              <a:rPr lang="en-US" sz="1800" dirty="0" smtClean="0"/>
+              <a:t>computed via</a:t>
+            </a:r>
+            <a:r>
+              <a:rPr lang="en-US" sz="1800" dirty="0" smtClean="0"/>
+              <a:t> </a:t>
+            </a:r>
+            <a:r>
+              <a:rPr lang="en-US" sz="1800" dirty="0" smtClean="0"/>
+              <a:t>the </a:t>
+            </a:r>
+            <a:r>
+              <a:rPr lang="en-US" sz="1800" dirty="0" err="1" smtClean="0"/>
+              <a:t>HMMer</a:t>
+            </a:r>
+            <a:r>
+              <a:rPr lang="en-US" sz="1800" dirty="0" smtClean="0"/>
+              <a:t> software </a:t>
+            </a:r>
+            <a:r>
+              <a:rPr lang="en-US" sz="1800" dirty="0" smtClean="0"/>
+              <a:t>suite; Eddy 2010)</a:t>
+            </a:r>
+            <a:r>
+              <a:rPr lang="en-US" sz="1800" dirty="0" smtClean="0"/>
+              <a:t>, with a threshold e-value set at 10. These profile alignments can be found in the </a:t>
+            </a:r>
+            <a:r>
+              <a:rPr lang="en-US" sz="1800" dirty="0" smtClean="0"/>
+              <a:t>/share</a:t>
+            </a:r>
+            <a:r>
+              <a:rPr lang="en-US" sz="1800" dirty="0" smtClean="0"/>
+              <a:t>/</a:t>
+            </a:r>
+            <a:r>
+              <a:rPr lang="en-US" sz="1800" dirty="0" err="1" smtClean="0"/>
+              <a:t>phylosift</a:t>
+            </a:r>
+            <a:r>
+              <a:rPr lang="en-US" sz="1800" dirty="0" smtClean="0"/>
+              <a:t>/</a:t>
+            </a:r>
+            <a:r>
+              <a:rPr lang="en-US" sz="1800" dirty="0" smtClean="0"/>
+              <a:t>markers/ </a:t>
+            </a:r>
+            <a:r>
+              <a:rPr lang="en-US" sz="1800" dirty="0" smtClean="0"/>
+              <a:t>directory as *.cm (</a:t>
+            </a:r>
+            <a:r>
+              <a:rPr lang="en-US" sz="1800" dirty="0" err="1" smtClean="0"/>
+              <a:t>rRNA</a:t>
+            </a:r>
+            <a:r>
+              <a:rPr lang="en-US" sz="1800" dirty="0" smtClean="0"/>
+              <a:t>) and *.hmm (protein coding genes) files.</a:t>
+            </a:r>
+            <a:endParaRPr lang="en-US" sz="1800" dirty="0"/>
+          </a:p>
+          <a:p>
+            <a:endParaRPr lang="en-US" sz="1800" dirty="0" smtClean="0"/>
+          </a:p>
+          <a:p>
+            <a:r>
+              <a:rPr lang="en-US" sz="1800" dirty="0" smtClean="0"/>
+              <a:t>3. </a:t>
+            </a:r>
+            <a:r>
+              <a:rPr lang="en-US" sz="1800" dirty="0"/>
+              <a:t>C</a:t>
+            </a:r>
+            <a:r>
+              <a:rPr lang="en-US" sz="1800" dirty="0" smtClean="0"/>
+              <a:t>andidate protein-coding sequences that pass the </a:t>
+            </a:r>
+            <a:r>
+              <a:rPr lang="en-US" sz="1800" dirty="0" err="1" smtClean="0"/>
+              <a:t>hmm</a:t>
+            </a:r>
+            <a:r>
+              <a:rPr lang="en-US" sz="1800" dirty="0" err="1" smtClean="0"/>
+              <a:t>search</a:t>
+            </a:r>
+            <a:r>
+              <a:rPr lang="en-US" sz="1800" dirty="0" smtClean="0"/>
+              <a:t> </a:t>
+            </a:r>
+            <a:r>
+              <a:rPr lang="en-US" sz="1800" dirty="0" smtClean="0"/>
+              <a:t>filtering </a:t>
+            </a:r>
+            <a:r>
+              <a:rPr lang="en-US" sz="1800" dirty="0" smtClean="0"/>
+              <a:t>step must now undergo multiple alignment. For each marker gene, profile HMMs are used to align candidate input sequences to reference marker alignments. </a:t>
+            </a:r>
+            <a:r>
+              <a:rPr lang="en-US" sz="1800" dirty="0" smtClean="0"/>
+              <a:t>Alignments </a:t>
+            </a:r>
+            <a:r>
+              <a:rPr lang="en-US" sz="1800" dirty="0" smtClean="0"/>
+              <a:t>are subsequently </a:t>
+            </a:r>
+            <a:r>
+              <a:rPr lang="en-US" sz="1800" dirty="0" smtClean="0"/>
+              <a:t>trimmed by </a:t>
+            </a:r>
+            <a:r>
+              <a:rPr lang="en-US" sz="1800" dirty="0" smtClean="0"/>
+              <a:t>both the </a:t>
+            </a:r>
+            <a:r>
+              <a:rPr lang="en-US" sz="1800" dirty="0" err="1" smtClean="0"/>
+              <a:t>HMMer</a:t>
+            </a:r>
+            <a:r>
+              <a:rPr lang="en-US" sz="1800" dirty="0" smtClean="0"/>
+              <a:t> </a:t>
+            </a:r>
+            <a:r>
+              <a:rPr lang="en-US" sz="1800" dirty="0" smtClean="0"/>
+              <a:t>software package </a:t>
+            </a:r>
+            <a:r>
+              <a:rPr lang="en-US" sz="1800" dirty="0" smtClean="0"/>
+              <a:t>and PhyloSift scripts.</a:t>
+            </a:r>
+            <a:endParaRPr lang="en-US" sz="1800" dirty="0"/>
+          </a:p>
+          <a:p>
+            <a:endParaRPr lang="en-US" sz="1800" dirty="0" smtClean="0"/>
+          </a:p>
+          <a:p>
+            <a:r>
+              <a:rPr lang="en-US" sz="1800" dirty="0" smtClean="0"/>
+              <a:t>4. Alignments are then masked (</a:t>
+            </a:r>
+            <a:r>
+              <a:rPr lang="en-US" sz="1800" dirty="0" err="1" smtClean="0"/>
+              <a:t>PhyloSift</a:t>
+            </a:r>
+            <a:r>
+              <a:rPr lang="en-US" sz="1800" dirty="0" smtClean="0"/>
+              <a:t> discards lowercase and . characters following profile alignments of candidate sequences), and masked sequences which pass a minimum threshold (alignments containing &gt;20 positions) are passed on for phylogenetic placement.</a:t>
+            </a:r>
+          </a:p>
+          <a:p>
+            <a:endParaRPr lang="en-US" sz="1800" dirty="0"/>
+          </a:p>
+          <a:p>
+            <a:r>
+              <a:rPr lang="en-US" sz="1800" dirty="0" smtClean="0"/>
+              <a:t>5. Marker gene alignments are concatenated and fed into </a:t>
+            </a:r>
+            <a:r>
+              <a:rPr lang="en-US" sz="1800" dirty="0" err="1" smtClean="0"/>
+              <a:t>pplacer</a:t>
+            </a:r>
+            <a:r>
+              <a:rPr lang="en-US" sz="1800" dirty="0" smtClean="0"/>
+              <a:t>, where candidate input sequences are placed onto a reference guide tree. </a:t>
+            </a:r>
+          </a:p>
+          <a:p>
+            <a:endParaRPr lang="en-US" sz="1800" dirty="0"/>
+          </a:p>
+          <a:p>
+            <a:r>
+              <a:rPr lang="en-US" sz="1800" dirty="0"/>
+              <a:t>6</a:t>
+            </a:r>
+            <a:r>
+              <a:rPr lang="en-US" sz="1800" dirty="0" smtClean="0"/>
+              <a:t>. Tree placements are summarized in output files containing raw sequence placement information (</a:t>
+            </a:r>
+            <a:r>
+              <a:rPr lang="en-US" sz="1800" dirty="0" err="1" smtClean="0"/>
+              <a:t>sequence_taxa</a:t>
+            </a:r>
+            <a:r>
+              <a:rPr lang="en-US" sz="1800" dirty="0" smtClean="0"/>
+              <a:t> files) and taxon abundance information (</a:t>
+            </a:r>
+            <a:r>
+              <a:rPr lang="en-US" sz="1800" dirty="0" err="1" smtClean="0"/>
+              <a:t>taxa_summary</a:t>
+            </a:r>
+            <a:r>
+              <a:rPr lang="en-US" sz="1800" dirty="0" smtClean="0"/>
+              <a:t> files)</a:t>
+            </a:r>
+            <a:endParaRPr lang="en-US" sz="1800" dirty="0"/>
+          </a:p>
+        </p:txBody>
+      </p:sp>
+      <p:grpSp>
+        <p:nvGrpSpPr>
+          <p:cNvPr id="85" name="Group 84"/>
+          <p:cNvGrpSpPr/>
+          <p:nvPr/>
+        </p:nvGrpSpPr>
+        <p:grpSpPr>
+          <a:xfrm>
+            <a:off x="7566023" y="4854749"/>
             <a:ext cx="368300" cy="409749"/>
             <a:chOff x="6502400" y="530051"/>
             <a:chExt cx="368300" cy="409749"/>
@@ -8158,7 +9382,7 @@
         </p:grpSpPr>
         <p:sp>
           <p:nvSpPr>
-            <p:cNvPr id="97" name="Oval 96"/>
+            <p:cNvPr id="88" name="Oval 87"/>
             <p:cNvSpPr/>
             <p:nvPr/>
           </p:nvSpPr>
@@ -8224,23 +9448,22 @@
             <a:lstStyle/>
             <a:p>
               <a:r>
-                <a:rPr lang="en-US" sz="1800" dirty="0" smtClean="0"/>
-                <a:t>5</a:t>
+                <a:rPr lang="en-US" sz="1800" dirty="0"/>
+                <a:t>2</a:t>
               </a:r>
-              <a:endParaRPr lang="en-US" sz="1800" dirty="0"/>
             </a:p>
           </p:txBody>
         </p:sp>
       </p:grpSp>
       <p:grpSp>
         <p:nvGrpSpPr>
-          <p:cNvPr id="99" name="Group 98"/>
+          <p:cNvPr id="103" name="Group 102"/>
           <p:cNvGrpSpPr/>
           <p:nvPr/>
         </p:nvGrpSpPr>
         <p:grpSpPr>
           <a:xfrm>
-            <a:off x="15001906" y="6971625"/>
+            <a:off x="4112556" y="4854749"/>
             <a:ext cx="368300" cy="409749"/>
             <a:chOff x="6502400" y="530051"/>
             <a:chExt cx="368300" cy="409749"/>
@@ -8248,7 +9471,7 @@
         </p:grpSpPr>
         <p:sp>
           <p:nvSpPr>
-            <p:cNvPr id="100" name="Oval 99"/>
+            <p:cNvPr id="104" name="Oval 103"/>
             <p:cNvSpPr/>
             <p:nvPr/>
           </p:nvSpPr>
@@ -8293,7 +9516,7 @@
         </p:sp>
         <p:sp>
           <p:nvSpPr>
-            <p:cNvPr id="101" name="TextBox 100"/>
+            <p:cNvPr id="105" name="TextBox 104"/>
             <p:cNvSpPr txBox="1"/>
             <p:nvPr/>
           </p:nvSpPr>
@@ -8315,287 +9538,22 @@
             <a:p>
               <a:r>
                 <a:rPr lang="en-US" sz="1800" dirty="0" smtClean="0"/>
-                <a:t>6</a:t>
+                <a:t>1</a:t>
               </a:r>
               <a:endParaRPr lang="en-US" sz="1800" dirty="0"/>
             </a:p>
           </p:txBody>
         </p:sp>
       </p:grpSp>
-      <p:sp>
-        <p:nvSpPr>
-          <p:cNvPr id="31" name="TextBox 30"/>
-          <p:cNvSpPr txBox="1"/>
-          <p:nvPr/>
-        </p:nvSpPr>
-        <p:spPr>
-          <a:xfrm>
-            <a:off x="1314450" y="8940800"/>
-            <a:ext cx="14624050" cy="5632312"/>
-          </a:xfrm>
-          <a:prstGeom prst="rect">
-            <a:avLst/>
-          </a:prstGeom>
-          <a:noFill/>
-        </p:spPr>
-        <p:txBody>
-          <a:bodyPr wrap="square" rtlCol="0">
-            <a:spAutoFit/>
-          </a:bodyPr>
-          <a:lstStyle/>
-          <a:p>
-            <a:r>
-              <a:rPr lang="en-US" sz="1800" dirty="0" smtClean="0"/>
-              <a:t>1. Input sequences are compared to unaligned reference marker sequences using adaptive seed searches implemented in the LAST algorithm (</a:t>
-            </a:r>
-            <a:r>
-              <a:rPr lang="en-US" sz="1800" dirty="0" err="1" smtClean="0"/>
-              <a:t>Kiełbasa</a:t>
-            </a:r>
-            <a:r>
-              <a:rPr lang="en-US" sz="1800" dirty="0" smtClean="0"/>
-              <a:t> et al. 2011). The LAST algorithm is ideal for mining </a:t>
-            </a:r>
-            <a:r>
-              <a:rPr lang="en-US" sz="1800" dirty="0" err="1" smtClean="0"/>
-              <a:t>rRNA</a:t>
-            </a:r>
-            <a:r>
-              <a:rPr lang="en-US" sz="1800" dirty="0" smtClean="0"/>
-              <a:t> and protein coding markers because it allows fast, sensitive searches of extremely large datasets (e.g. </a:t>
-            </a:r>
-            <a:r>
-              <a:rPr lang="en-US" sz="1800" dirty="0" err="1" smtClean="0"/>
-              <a:t>Illumina</a:t>
-            </a:r>
-            <a:r>
-              <a:rPr lang="en-US" sz="1800" dirty="0" smtClean="0"/>
-              <a:t>) and can additionally handle </a:t>
-            </a:r>
-            <a:r>
-              <a:rPr lang="en-US" sz="1800" dirty="0" err="1" smtClean="0"/>
-              <a:t>frameshift</a:t>
-            </a:r>
-            <a:r>
-              <a:rPr lang="en-US" sz="1800" dirty="0" smtClean="0"/>
-              <a:t> mutations and interpret quality information from </a:t>
-            </a:r>
-            <a:r>
-              <a:rPr lang="en-US" sz="1800" dirty="0" err="1" smtClean="0"/>
-              <a:t>Illumina</a:t>
-            </a:r>
-            <a:r>
-              <a:rPr lang="en-US" sz="1800" dirty="0" smtClean="0"/>
-              <a:t> FASTQ files.</a:t>
-            </a:r>
-          </a:p>
-          <a:p>
-            <a:endParaRPr lang="en-US" sz="1800" dirty="0"/>
-          </a:p>
-          <a:p>
-            <a:r>
-              <a:rPr lang="en-US" sz="1800" dirty="0" smtClean="0"/>
-              <a:t>2. Candidate marker sequences identified in LAST searches are next screened against profile alignments that have been </a:t>
-            </a:r>
-            <a:r>
-              <a:rPr lang="en-US" sz="1800" dirty="0" err="1" smtClean="0"/>
-              <a:t>precomputed</a:t>
-            </a:r>
-            <a:r>
-              <a:rPr lang="en-US" sz="1800" dirty="0" smtClean="0"/>
-              <a:t> for reference marker genes (housed in the local directory share/</a:t>
-            </a:r>
-            <a:r>
-              <a:rPr lang="en-US" sz="1800" dirty="0" err="1" smtClean="0"/>
-              <a:t>phylosift</a:t>
-            </a:r>
-            <a:r>
-              <a:rPr lang="en-US" sz="1800" dirty="0" smtClean="0"/>
-              <a:t>/markers). In order to take a stringent search approach towards short read data, </a:t>
-            </a:r>
-            <a:r>
-              <a:rPr lang="en-US" sz="1800" dirty="0" err="1" smtClean="0"/>
-              <a:t>PhyloSift</a:t>
-            </a:r>
-            <a:r>
-              <a:rPr lang="en-US" sz="1800" dirty="0" smtClean="0"/>
-              <a:t> relies on threshold e-values to accept or reject candidate sequences after initial LAST searches.  For </a:t>
-            </a:r>
-            <a:r>
-              <a:rPr lang="en-US" sz="1800" dirty="0" err="1" smtClean="0"/>
-              <a:t>rRNA</a:t>
-            </a:r>
-            <a:r>
-              <a:rPr lang="en-US" sz="1800" dirty="0" smtClean="0"/>
-              <a:t> sequences, screening and alignment rely on Covariance Model profiles and are both carried out within one step (via the </a:t>
-            </a:r>
-            <a:r>
-              <a:rPr lang="en-US" sz="1800" dirty="0" err="1" smtClean="0"/>
-              <a:t>cmAlign</a:t>
-            </a:r>
-            <a:r>
-              <a:rPr lang="en-US" sz="1800" dirty="0" smtClean="0"/>
-              <a:t> algorithm in the SSU-align software, using an e-value of 1x10</a:t>
-            </a:r>
-            <a:r>
-              <a:rPr lang="en-US" sz="1800" baseline="30000" dirty="0" smtClean="0"/>
-              <a:t>-6 </a:t>
-            </a:r>
-            <a:r>
-              <a:rPr lang="en-US" sz="1800" dirty="0" smtClean="0"/>
-              <a:t>for </a:t>
-            </a:r>
-            <a:r>
-              <a:rPr lang="en-US" sz="1800" dirty="0" err="1" smtClean="0"/>
-              <a:t>sequnces</a:t>
-            </a:r>
-            <a:r>
-              <a:rPr lang="en-US" sz="1800" dirty="0" smtClean="0"/>
-              <a:t> &gt;1000 </a:t>
-            </a:r>
-            <a:r>
-              <a:rPr lang="en-US" sz="1800" dirty="0" err="1" smtClean="0"/>
-              <a:t>bp</a:t>
-            </a:r>
-            <a:r>
-              <a:rPr lang="en-US" sz="1800" dirty="0" smtClean="0"/>
-              <a:t> and 1x10</a:t>
-            </a:r>
-            <a:r>
-              <a:rPr lang="en-US" sz="1800" baseline="30000" dirty="0" smtClean="0"/>
-              <a:t>-20 </a:t>
-            </a:r>
-            <a:r>
-              <a:rPr lang="en-US" sz="1800" dirty="0" smtClean="0"/>
-              <a:t>for sequences &lt;1000 </a:t>
-            </a:r>
-            <a:r>
-              <a:rPr lang="en-US" sz="1800" dirty="0" err="1" smtClean="0"/>
-              <a:t>bp</a:t>
-            </a:r>
-            <a:r>
-              <a:rPr lang="en-US" sz="1800" dirty="0" smtClean="0"/>
-              <a:t>). Protein coding genes rely on profiles using Hidden Markov Models (via the </a:t>
-            </a:r>
-            <a:r>
-              <a:rPr lang="en-US" sz="1800" dirty="0" err="1" smtClean="0"/>
-              <a:t>HMMer</a:t>
-            </a:r>
-            <a:r>
-              <a:rPr lang="en-US" sz="1800" dirty="0" smtClean="0"/>
-              <a:t> software suite), with a threshold e-value set at 10.</a:t>
-            </a:r>
-            <a:endParaRPr lang="en-US" sz="1800" dirty="0"/>
-          </a:p>
-          <a:p>
-            <a:endParaRPr lang="en-US" sz="1800" dirty="0" smtClean="0"/>
-          </a:p>
-          <a:p>
-            <a:r>
-              <a:rPr lang="en-US" sz="1800" dirty="0" smtClean="0"/>
-              <a:t>3. </a:t>
-            </a:r>
-            <a:r>
-              <a:rPr lang="en-US" sz="1800" dirty="0"/>
-              <a:t>C</a:t>
-            </a:r>
-            <a:r>
-              <a:rPr lang="en-US" sz="1800" dirty="0" smtClean="0"/>
-              <a:t>andidate protein-coding sequences that pass the </a:t>
-            </a:r>
-            <a:r>
-              <a:rPr lang="en-US" sz="1800" dirty="0" err="1" smtClean="0"/>
-              <a:t>HMMsearch</a:t>
-            </a:r>
-            <a:r>
-              <a:rPr lang="en-US" sz="1800" dirty="0" smtClean="0"/>
-              <a:t> filtering step are next aligned to reference profile HMMs for each marker gene. </a:t>
-            </a:r>
-            <a:endParaRPr lang="en-US" sz="1800" dirty="0"/>
-          </a:p>
-          <a:p>
-            <a:endParaRPr lang="en-US" sz="1800" dirty="0" smtClean="0"/>
-          </a:p>
-          <a:p>
-            <a:r>
-              <a:rPr lang="en-US" sz="1800" dirty="0" smtClean="0"/>
-              <a:t>4. Alignments are then masked (</a:t>
-            </a:r>
-            <a:r>
-              <a:rPr lang="en-US" sz="1800" dirty="0" err="1" smtClean="0"/>
-              <a:t>PhyloSift</a:t>
-            </a:r>
-            <a:r>
-              <a:rPr lang="en-US" sz="1800" dirty="0" smtClean="0"/>
-              <a:t> discards lowercase and . characters from alignments of candidate sequences), and masked sequences which pass a minimum threshold (alignments containing &gt;20 positions) are passed on to </a:t>
-            </a:r>
-            <a:r>
-              <a:rPr lang="en-US" sz="1800" dirty="0" err="1" smtClean="0"/>
-              <a:t>pplacer</a:t>
-            </a:r>
-            <a:r>
-              <a:rPr lang="en-US" sz="1800" dirty="0" smtClean="0"/>
-              <a:t> for phylogenetic placement.</a:t>
-            </a:r>
-          </a:p>
-          <a:p>
-            <a:endParaRPr lang="en-US" sz="1800" dirty="0"/>
-          </a:p>
-          <a:p>
-            <a:r>
-              <a:rPr lang="en-US" sz="1800" dirty="0" smtClean="0"/>
-              <a:t>5. Marker gene alignments are concatenated and fed into </a:t>
-            </a:r>
-            <a:r>
-              <a:rPr lang="en-US" sz="1800" dirty="0" err="1" smtClean="0"/>
-              <a:t>pplacer</a:t>
-            </a:r>
-            <a:r>
-              <a:rPr lang="en-US" sz="1800" dirty="0" smtClean="0"/>
-              <a:t>, where candidate input sequences are placed onto a reference guide tree. </a:t>
-            </a:r>
-          </a:p>
-          <a:p>
-            <a:endParaRPr lang="en-US" sz="1800" dirty="0"/>
-          </a:p>
-          <a:p>
-            <a:r>
-              <a:rPr lang="en-US" sz="1800" dirty="0"/>
-              <a:t>6</a:t>
-            </a:r>
-            <a:r>
-              <a:rPr lang="en-US" sz="1800" dirty="0" smtClean="0"/>
-              <a:t>. Tree placements are summarized in output files containing raw sequence placement information (</a:t>
-            </a:r>
-            <a:r>
-              <a:rPr lang="en-US" sz="1800" dirty="0" err="1" smtClean="0"/>
-              <a:t>sequence_taxa</a:t>
-            </a:r>
-            <a:r>
-              <a:rPr lang="en-US" sz="1800" dirty="0" smtClean="0"/>
-              <a:t> files) and taxon abundance information (</a:t>
-            </a:r>
-            <a:r>
-              <a:rPr lang="en-US" sz="1800" dirty="0" err="1" smtClean="0"/>
-              <a:t>taxa_summary</a:t>
-            </a:r>
-            <a:r>
-              <a:rPr lang="en-US" sz="1800" dirty="0" smtClean="0"/>
-              <a:t> files)</a:t>
-            </a:r>
-            <a:endParaRPr lang="en-US" sz="1800" dirty="0"/>
-          </a:p>
-        </p:txBody>
-      </p:sp>
       <p:grpSp>
         <p:nvGrpSpPr>
-          <p:cNvPr id="102" name="Group 101"/>
+          <p:cNvPr id="106" name="Group 105"/>
           <p:cNvGrpSpPr/>
           <p:nvPr/>
         </p:nvGrpSpPr>
         <p:grpSpPr>
           <a:xfrm>
-            <a:off x="13703300" y="4858098"/>
+            <a:off x="10883900" y="4854749"/>
             <a:ext cx="368300" cy="409749"/>
             <a:chOff x="6502400" y="530051"/>
             <a:chExt cx="368300" cy="409749"/>
@@ -8603,7 +9561,7 @@
         </p:grpSpPr>
         <p:sp>
           <p:nvSpPr>
-            <p:cNvPr id="103" name="Oval 102"/>
+            <p:cNvPr id="107" name="Oval 106"/>
             <p:cNvSpPr/>
             <p:nvPr/>
           </p:nvSpPr>
@@ -8648,7 +9606,276 @@
         </p:sp>
         <p:sp>
           <p:nvSpPr>
-            <p:cNvPr id="104" name="TextBox 103"/>
+            <p:cNvPr id="111" name="TextBox 110"/>
+            <p:cNvSpPr txBox="1"/>
+            <p:nvPr/>
+          </p:nvSpPr>
+          <p:spPr>
+            <a:xfrm>
+              <a:off x="6537323" y="530051"/>
+              <a:ext cx="301660" cy="369332"/>
+            </a:xfrm>
+            <a:prstGeom prst="rect">
+              <a:avLst/>
+            </a:prstGeom>
+            <a:noFill/>
+          </p:spPr>
+          <p:txBody>
+            <a:bodyPr wrap="none" rtlCol="0">
+              <a:spAutoFit/>
+            </a:bodyPr>
+            <a:lstStyle/>
+            <a:p>
+              <a:r>
+                <a:rPr lang="en-US" sz="1800" dirty="0"/>
+                <a:t>3</a:t>
+              </a:r>
+            </a:p>
+          </p:txBody>
+        </p:sp>
+      </p:grpSp>
+      <p:grpSp>
+        <p:nvGrpSpPr>
+          <p:cNvPr id="112" name="Group 111"/>
+          <p:cNvGrpSpPr/>
+          <p:nvPr/>
+        </p:nvGrpSpPr>
+        <p:grpSpPr>
+          <a:xfrm>
+            <a:off x="14998700" y="4858098"/>
+            <a:ext cx="368300" cy="409749"/>
+            <a:chOff x="6502400" y="530051"/>
+            <a:chExt cx="368300" cy="409749"/>
+          </a:xfrm>
+        </p:grpSpPr>
+        <p:sp>
+          <p:nvSpPr>
+            <p:cNvPr id="113" name="Oval 112"/>
+            <p:cNvSpPr/>
+            <p:nvPr/>
+          </p:nvSpPr>
+          <p:spPr>
+            <a:xfrm>
+              <a:off x="6502400" y="546100"/>
+              <a:ext cx="368300" cy="393700"/>
+            </a:xfrm>
+            <a:prstGeom prst="ellipse">
+              <a:avLst/>
+            </a:prstGeom>
+            <a:noFill/>
+            <a:ln w="25400">
+              <a:solidFill>
+                <a:schemeClr val="tx1"/>
+              </a:solidFill>
+            </a:ln>
+            <a:effectLst/>
+          </p:spPr>
+          <p:style>
+            <a:lnRef idx="1">
+              <a:schemeClr val="accent1"/>
+            </a:lnRef>
+            <a:fillRef idx="3">
+              <a:schemeClr val="accent1"/>
+            </a:fillRef>
+            <a:effectRef idx="2">
+              <a:schemeClr val="accent1"/>
+            </a:effectRef>
+            <a:fontRef idx="minor">
+              <a:schemeClr val="lt1"/>
+            </a:fontRef>
+          </p:style>
+          <p:txBody>
+            <a:bodyPr rtlCol="0" anchor="ctr"/>
+            <a:lstStyle/>
+            <a:p>
+              <a:pPr algn="ctr"/>
+              <a:endParaRPr lang="en-US"/>
+            </a:p>
+          </p:txBody>
+        </p:sp>
+        <p:sp>
+          <p:nvSpPr>
+            <p:cNvPr id="117" name="TextBox 116"/>
+            <p:cNvSpPr txBox="1"/>
+            <p:nvPr/>
+          </p:nvSpPr>
+          <p:spPr>
+            <a:xfrm>
+              <a:off x="6537323" y="530051"/>
+              <a:ext cx="301660" cy="369332"/>
+            </a:xfrm>
+            <a:prstGeom prst="rect">
+              <a:avLst/>
+            </a:prstGeom>
+            <a:noFill/>
+          </p:spPr>
+          <p:txBody>
+            <a:bodyPr wrap="none" rtlCol="0">
+              <a:spAutoFit/>
+            </a:bodyPr>
+            <a:lstStyle/>
+            <a:p>
+              <a:r>
+                <a:rPr lang="en-US" sz="1800" dirty="0" smtClean="0"/>
+                <a:t>5</a:t>
+              </a:r>
+              <a:endParaRPr lang="en-US" sz="1800" dirty="0"/>
+            </a:p>
+          </p:txBody>
+        </p:sp>
+      </p:grpSp>
+      <p:grpSp>
+        <p:nvGrpSpPr>
+          <p:cNvPr id="118" name="Group 117"/>
+          <p:cNvGrpSpPr/>
+          <p:nvPr/>
+        </p:nvGrpSpPr>
+        <p:grpSpPr>
+          <a:xfrm>
+            <a:off x="15001906" y="6971625"/>
+            <a:ext cx="368300" cy="409749"/>
+            <a:chOff x="6502400" y="530051"/>
+            <a:chExt cx="368300" cy="409749"/>
+          </a:xfrm>
+        </p:grpSpPr>
+        <p:sp>
+          <p:nvSpPr>
+            <p:cNvPr id="119" name="Oval 118"/>
+            <p:cNvSpPr/>
+            <p:nvPr/>
+          </p:nvSpPr>
+          <p:spPr>
+            <a:xfrm>
+              <a:off x="6502400" y="546100"/>
+              <a:ext cx="368300" cy="393700"/>
+            </a:xfrm>
+            <a:prstGeom prst="ellipse">
+              <a:avLst/>
+            </a:prstGeom>
+            <a:noFill/>
+            <a:ln w="25400">
+              <a:solidFill>
+                <a:schemeClr val="tx1"/>
+              </a:solidFill>
+            </a:ln>
+            <a:effectLst/>
+          </p:spPr>
+          <p:style>
+            <a:lnRef idx="1">
+              <a:schemeClr val="accent1"/>
+            </a:lnRef>
+            <a:fillRef idx="3">
+              <a:schemeClr val="accent1"/>
+            </a:fillRef>
+            <a:effectRef idx="2">
+              <a:schemeClr val="accent1"/>
+            </a:effectRef>
+            <a:fontRef idx="minor">
+              <a:schemeClr val="lt1"/>
+            </a:fontRef>
+          </p:style>
+          <p:txBody>
+            <a:bodyPr rtlCol="0" anchor="ctr"/>
+            <a:lstStyle/>
+            <a:p>
+              <a:pPr algn="ctr"/>
+              <a:endParaRPr lang="en-US"/>
+            </a:p>
+          </p:txBody>
+        </p:sp>
+        <p:sp>
+          <p:nvSpPr>
+            <p:cNvPr id="135" name="TextBox 134"/>
+            <p:cNvSpPr txBox="1"/>
+            <p:nvPr/>
+          </p:nvSpPr>
+          <p:spPr>
+            <a:xfrm>
+              <a:off x="6537323" y="530051"/>
+              <a:ext cx="301660" cy="369332"/>
+            </a:xfrm>
+            <a:prstGeom prst="rect">
+              <a:avLst/>
+            </a:prstGeom>
+            <a:noFill/>
+          </p:spPr>
+          <p:txBody>
+            <a:bodyPr wrap="none" rtlCol="0">
+              <a:spAutoFit/>
+            </a:bodyPr>
+            <a:lstStyle/>
+            <a:p>
+              <a:r>
+                <a:rPr lang="en-US" sz="1800" dirty="0" smtClean="0"/>
+                <a:t>6</a:t>
+              </a:r>
+              <a:endParaRPr lang="en-US" sz="1800" dirty="0"/>
+            </a:p>
+          </p:txBody>
+        </p:sp>
+      </p:grpSp>
+      <p:grpSp>
+        <p:nvGrpSpPr>
+          <p:cNvPr id="136" name="Group 135"/>
+          <p:cNvGrpSpPr/>
+          <p:nvPr/>
+        </p:nvGrpSpPr>
+        <p:grpSpPr>
+          <a:xfrm>
+            <a:off x="13703300" y="4858098"/>
+            <a:ext cx="368300" cy="409749"/>
+            <a:chOff x="6502400" y="530051"/>
+            <a:chExt cx="368300" cy="409749"/>
+          </a:xfrm>
+        </p:grpSpPr>
+        <p:sp>
+          <p:nvSpPr>
+            <p:cNvPr id="137" name="Oval 136"/>
+            <p:cNvSpPr/>
+            <p:nvPr/>
+          </p:nvSpPr>
+          <p:spPr>
+            <a:xfrm>
+              <a:off x="6502400" y="546100"/>
+              <a:ext cx="368300" cy="393700"/>
+            </a:xfrm>
+            <a:prstGeom prst="ellipse">
+              <a:avLst/>
+            </a:prstGeom>
+            <a:noFill/>
+            <a:ln w="25400">
+              <a:solidFill>
+                <a:schemeClr val="tx1"/>
+              </a:solidFill>
+            </a:ln>
+            <a:effectLst/>
+          </p:spPr>
+          <p:style>
+            <a:lnRef idx="1">
+              <a:schemeClr val="accent1"/>
+            </a:lnRef>
+            <a:fillRef idx="3">
+              <a:schemeClr val="accent1"/>
+            </a:fillRef>
+            <a:effectRef idx="2">
+              <a:schemeClr val="accent1"/>
+            </a:effectRef>
+            <a:fontRef idx="minor">
+              <a:schemeClr val="lt1"/>
+            </a:fontRef>
+          </p:style>
+          <p:txBody>
+            <a:bodyPr rtlCol="0" anchor="ctr"/>
+            <a:lstStyle/>
+            <a:p>
+              <a:pPr algn="ctr"/>
+              <a:endParaRPr lang="en-US"/>
+            </a:p>
+          </p:txBody>
+        </p:sp>
+        <p:sp>
+          <p:nvSpPr>
+            <p:cNvPr id="139" name="TextBox 138"/>
             <p:cNvSpPr txBox="1"/>
             <p:nvPr/>
           </p:nvSpPr>
@@ -8679,7 +9906,7 @@
     </p:spTree>
     <p:extLst>
       <p:ext uri="{BB962C8B-B14F-4D97-AF65-F5344CB8AC3E}">
-        <p14:creationId xmlns:p14="http://schemas.microsoft.com/office/powerpoint/2010/main" val="2639892811"/>
+        <p14:creationId xmlns:p14="http://schemas.microsoft.com/office/powerpoint/2010/main" val="2687279831"/>
       </p:ext>
     </p:extLst>
   </p:cSld>
